--- a/docs/presentations/Microservices.pptx
+++ b/docs/presentations/Microservices.pptx
@@ -4,13 +4,28 @@
   <p:sldMasterIdLst>
     <p:sldMasterId id="2147483648" r:id="rId1"/>
   </p:sldMasterIdLst>
+  <p:notesMasterIdLst>
+    <p:notesMasterId r:id="rId20"/>
+  </p:notesMasterIdLst>
   <p:sldIdLst>
     <p:sldId id="256" r:id="rId2"/>
     <p:sldId id="257" r:id="rId3"/>
     <p:sldId id="258" r:id="rId4"/>
-    <p:sldId id="259" r:id="rId5"/>
-    <p:sldId id="260" r:id="rId6"/>
-    <p:sldId id="261" r:id="rId7"/>
+    <p:sldId id="273" r:id="rId5"/>
+    <p:sldId id="259" r:id="rId6"/>
+    <p:sldId id="260" r:id="rId7"/>
+    <p:sldId id="261" r:id="rId8"/>
+    <p:sldId id="262" r:id="rId9"/>
+    <p:sldId id="263" r:id="rId10"/>
+    <p:sldId id="264" r:id="rId11"/>
+    <p:sldId id="265" r:id="rId12"/>
+    <p:sldId id="266" r:id="rId13"/>
+    <p:sldId id="267" r:id="rId14"/>
+    <p:sldId id="268" r:id="rId15"/>
+    <p:sldId id="270" r:id="rId16"/>
+    <p:sldId id="271" r:id="rId17"/>
+    <p:sldId id="272" r:id="rId18"/>
+    <p:sldId id="269" r:id="rId19"/>
   </p:sldIdLst>
   <p:sldSz cx="12192000" cy="6858000"/>
   <p:notesSz cx="6858000" cy="9144000"/>
@@ -110,6 +125,439 @@
     </a:lvl9pPr>
   </p:defaultTextStyle>
 </p:presentation>
+</file>
+
+<file path=ppt/notesMasters/notesMaster1.xml><?xml version="1.0" encoding="utf-8"?>
+<p:notesMaster xmlns:a="http://schemas.openxmlformats.org/drawingml/2006/main" xmlns:r="http://schemas.openxmlformats.org/officeDocument/2006/relationships" xmlns:p="http://schemas.openxmlformats.org/presentationml/2006/main">
+  <p:cSld>
+    <p:bg>
+      <p:bgRef idx="1001">
+        <a:schemeClr val="bg1"/>
+      </p:bgRef>
+    </p:bg>
+    <p:spTree>
+      <p:nvGrpSpPr>
+        <p:cNvPr id="1" name=""/>
+        <p:cNvGrpSpPr/>
+        <p:nvPr/>
+      </p:nvGrpSpPr>
+      <p:grpSpPr>
+        <a:xfrm>
+          <a:off x="0" y="0"/>
+          <a:ext cx="0" cy="0"/>
+          <a:chOff x="0" y="0"/>
+          <a:chExt cx="0" cy="0"/>
+        </a:xfrm>
+      </p:grpSpPr>
+      <p:sp>
+        <p:nvSpPr>
+          <p:cNvPr id="2" name="Header Placeholder 1"/>
+          <p:cNvSpPr>
+            <a:spLocks noGrp="1"/>
+          </p:cNvSpPr>
+          <p:nvPr>
+            <p:ph type="hdr" sz="quarter"/>
+          </p:nvPr>
+        </p:nvSpPr>
+        <p:spPr>
+          <a:xfrm>
+            <a:off x="0" y="0"/>
+            <a:ext cx="2971800" cy="458788"/>
+          </a:xfrm>
+          <a:prstGeom prst="rect">
+            <a:avLst/>
+          </a:prstGeom>
+        </p:spPr>
+        <p:txBody>
+          <a:bodyPr vert="horz" lIns="91440" tIns="45720" rIns="91440" bIns="45720" rtlCol="0"/>
+          <a:lstStyle>
+            <a:lvl1pPr algn="l">
+              <a:defRPr sz="1200"/>
+            </a:lvl1pPr>
+          </a:lstStyle>
+          <a:p>
+            <a:endParaRPr lang="en-US"/>
+          </a:p>
+        </p:txBody>
+      </p:sp>
+      <p:sp>
+        <p:nvSpPr>
+          <p:cNvPr id="3" name="Date Placeholder 2"/>
+          <p:cNvSpPr>
+            <a:spLocks noGrp="1"/>
+          </p:cNvSpPr>
+          <p:nvPr>
+            <p:ph type="dt" idx="1"/>
+          </p:nvPr>
+        </p:nvSpPr>
+        <p:spPr>
+          <a:xfrm>
+            <a:off x="3884613" y="0"/>
+            <a:ext cx="2971800" cy="458788"/>
+          </a:xfrm>
+          <a:prstGeom prst="rect">
+            <a:avLst/>
+          </a:prstGeom>
+        </p:spPr>
+        <p:txBody>
+          <a:bodyPr vert="horz" lIns="91440" tIns="45720" rIns="91440" bIns="45720" rtlCol="0"/>
+          <a:lstStyle>
+            <a:lvl1pPr algn="r">
+              <a:defRPr sz="1200"/>
+            </a:lvl1pPr>
+          </a:lstStyle>
+          <a:p>
+            <a:fld id="{7E530D35-2266-4A26-A364-F4D530E89834}" type="datetimeFigureOut">
+              <a:rPr lang="en-US" smtClean="0"/>
+              <a:t>2/18/2019</a:t>
+            </a:fld>
+            <a:endParaRPr lang="en-US"/>
+          </a:p>
+        </p:txBody>
+      </p:sp>
+      <p:sp>
+        <p:nvSpPr>
+          <p:cNvPr id="4" name="Slide Image Placeholder 3"/>
+          <p:cNvSpPr>
+            <a:spLocks noGrp="1" noRot="1" noChangeAspect="1"/>
+          </p:cNvSpPr>
+          <p:nvPr>
+            <p:ph type="sldImg" idx="2"/>
+          </p:nvPr>
+        </p:nvSpPr>
+        <p:spPr>
+          <a:xfrm>
+            <a:off x="685800" y="1143000"/>
+            <a:ext cx="5486400" cy="3086100"/>
+          </a:xfrm>
+          <a:prstGeom prst="rect">
+            <a:avLst/>
+          </a:prstGeom>
+          <a:noFill/>
+          <a:ln w="12700">
+            <a:solidFill>
+              <a:prstClr val="black"/>
+            </a:solidFill>
+          </a:ln>
+        </p:spPr>
+        <p:txBody>
+          <a:bodyPr vert="horz" lIns="91440" tIns="45720" rIns="91440" bIns="45720" rtlCol="0" anchor="ctr"/>
+          <a:lstStyle/>
+          <a:p>
+            <a:endParaRPr lang="en-US"/>
+          </a:p>
+        </p:txBody>
+      </p:sp>
+      <p:sp>
+        <p:nvSpPr>
+          <p:cNvPr id="5" name="Notes Placeholder 4"/>
+          <p:cNvSpPr>
+            <a:spLocks noGrp="1"/>
+          </p:cNvSpPr>
+          <p:nvPr>
+            <p:ph type="body" sz="quarter" idx="3"/>
+          </p:nvPr>
+        </p:nvSpPr>
+        <p:spPr>
+          <a:xfrm>
+            <a:off x="685800" y="4400550"/>
+            <a:ext cx="5486400" cy="3600450"/>
+          </a:xfrm>
+          <a:prstGeom prst="rect">
+            <a:avLst/>
+          </a:prstGeom>
+        </p:spPr>
+        <p:txBody>
+          <a:bodyPr vert="horz" lIns="91440" tIns="45720" rIns="91440" bIns="45720" rtlCol="0"/>
+          <a:lstStyle/>
+          <a:p>
+            <a:pPr lvl="0"/>
+            <a:r>
+              <a:rPr lang="en-US"/>
+              <a:t>Edit Master text styles</a:t>
+            </a:r>
+          </a:p>
+          <a:p>
+            <a:pPr lvl="1"/>
+            <a:r>
+              <a:rPr lang="en-US"/>
+              <a:t>Second level</a:t>
+            </a:r>
+          </a:p>
+          <a:p>
+            <a:pPr lvl="2"/>
+            <a:r>
+              <a:rPr lang="en-US"/>
+              <a:t>Third level</a:t>
+            </a:r>
+          </a:p>
+          <a:p>
+            <a:pPr lvl="3"/>
+            <a:r>
+              <a:rPr lang="en-US"/>
+              <a:t>Fourth level</a:t>
+            </a:r>
+          </a:p>
+          <a:p>
+            <a:pPr lvl="4"/>
+            <a:r>
+              <a:rPr lang="en-US"/>
+              <a:t>Fifth level</a:t>
+            </a:r>
+          </a:p>
+        </p:txBody>
+      </p:sp>
+      <p:sp>
+        <p:nvSpPr>
+          <p:cNvPr id="6" name="Footer Placeholder 5"/>
+          <p:cNvSpPr>
+            <a:spLocks noGrp="1"/>
+          </p:cNvSpPr>
+          <p:nvPr>
+            <p:ph type="ftr" sz="quarter" idx="4"/>
+          </p:nvPr>
+        </p:nvSpPr>
+        <p:spPr>
+          <a:xfrm>
+            <a:off x="0" y="8685213"/>
+            <a:ext cx="2971800" cy="458787"/>
+          </a:xfrm>
+          <a:prstGeom prst="rect">
+            <a:avLst/>
+          </a:prstGeom>
+        </p:spPr>
+        <p:txBody>
+          <a:bodyPr vert="horz" lIns="91440" tIns="45720" rIns="91440" bIns="45720" rtlCol="0" anchor="b"/>
+          <a:lstStyle>
+            <a:lvl1pPr algn="l">
+              <a:defRPr sz="1200"/>
+            </a:lvl1pPr>
+          </a:lstStyle>
+          <a:p>
+            <a:endParaRPr lang="en-US"/>
+          </a:p>
+        </p:txBody>
+      </p:sp>
+      <p:sp>
+        <p:nvSpPr>
+          <p:cNvPr id="7" name="Slide Number Placeholder 6"/>
+          <p:cNvSpPr>
+            <a:spLocks noGrp="1"/>
+          </p:cNvSpPr>
+          <p:nvPr>
+            <p:ph type="sldNum" sz="quarter" idx="5"/>
+          </p:nvPr>
+        </p:nvSpPr>
+        <p:spPr>
+          <a:xfrm>
+            <a:off x="3884613" y="8685213"/>
+            <a:ext cx="2971800" cy="458787"/>
+          </a:xfrm>
+          <a:prstGeom prst="rect">
+            <a:avLst/>
+          </a:prstGeom>
+        </p:spPr>
+        <p:txBody>
+          <a:bodyPr vert="horz" lIns="91440" tIns="45720" rIns="91440" bIns="45720" rtlCol="0" anchor="b"/>
+          <a:lstStyle>
+            <a:lvl1pPr algn="r">
+              <a:defRPr sz="1200"/>
+            </a:lvl1pPr>
+          </a:lstStyle>
+          <a:p>
+            <a:fld id="{635899E0-BE8D-4851-9F8C-340336DFD773}" type="slidenum">
+              <a:rPr lang="en-US" smtClean="0"/>
+              <a:t>‹#›</a:t>
+            </a:fld>
+            <a:endParaRPr lang="en-US"/>
+          </a:p>
+        </p:txBody>
+      </p:sp>
+    </p:spTree>
+    <p:extLst>
+      <p:ext uri="{BB962C8B-B14F-4D97-AF65-F5344CB8AC3E}">
+        <p14:creationId xmlns:p14="http://schemas.microsoft.com/office/powerpoint/2010/main" val="661993491"/>
+      </p:ext>
+    </p:extLst>
+  </p:cSld>
+  <p:clrMap bg1="lt1" tx1="dk1" bg2="lt2" tx2="dk2" accent1="accent1" accent2="accent2" accent3="accent3" accent4="accent4" accent5="accent5" accent6="accent6" hlink="hlink" folHlink="folHlink"/>
+  <p:notesStyle>
+    <a:lvl1pPr marL="0" algn="l" defTabSz="914400" rtl="0" eaLnBrk="1" latinLnBrk="0" hangingPunct="1">
+      <a:defRPr sz="1200" kern="1200">
+        <a:solidFill>
+          <a:schemeClr val="tx1"/>
+        </a:solidFill>
+        <a:latin typeface="+mn-lt"/>
+        <a:ea typeface="+mn-ea"/>
+        <a:cs typeface="+mn-cs"/>
+      </a:defRPr>
+    </a:lvl1pPr>
+    <a:lvl2pPr marL="457200" algn="l" defTabSz="914400" rtl="0" eaLnBrk="1" latinLnBrk="0" hangingPunct="1">
+      <a:defRPr sz="1200" kern="1200">
+        <a:solidFill>
+          <a:schemeClr val="tx1"/>
+        </a:solidFill>
+        <a:latin typeface="+mn-lt"/>
+        <a:ea typeface="+mn-ea"/>
+        <a:cs typeface="+mn-cs"/>
+      </a:defRPr>
+    </a:lvl2pPr>
+    <a:lvl3pPr marL="914400" algn="l" defTabSz="914400" rtl="0" eaLnBrk="1" latinLnBrk="0" hangingPunct="1">
+      <a:defRPr sz="1200" kern="1200">
+        <a:solidFill>
+          <a:schemeClr val="tx1"/>
+        </a:solidFill>
+        <a:latin typeface="+mn-lt"/>
+        <a:ea typeface="+mn-ea"/>
+        <a:cs typeface="+mn-cs"/>
+      </a:defRPr>
+    </a:lvl3pPr>
+    <a:lvl4pPr marL="1371600" algn="l" defTabSz="914400" rtl="0" eaLnBrk="1" latinLnBrk="0" hangingPunct="1">
+      <a:defRPr sz="1200" kern="1200">
+        <a:solidFill>
+          <a:schemeClr val="tx1"/>
+        </a:solidFill>
+        <a:latin typeface="+mn-lt"/>
+        <a:ea typeface="+mn-ea"/>
+        <a:cs typeface="+mn-cs"/>
+      </a:defRPr>
+    </a:lvl4pPr>
+    <a:lvl5pPr marL="1828800" algn="l" defTabSz="914400" rtl="0" eaLnBrk="1" latinLnBrk="0" hangingPunct="1">
+      <a:defRPr sz="1200" kern="1200">
+        <a:solidFill>
+          <a:schemeClr val="tx1"/>
+        </a:solidFill>
+        <a:latin typeface="+mn-lt"/>
+        <a:ea typeface="+mn-ea"/>
+        <a:cs typeface="+mn-cs"/>
+      </a:defRPr>
+    </a:lvl5pPr>
+    <a:lvl6pPr marL="2286000" algn="l" defTabSz="914400" rtl="0" eaLnBrk="1" latinLnBrk="0" hangingPunct="1">
+      <a:defRPr sz="1200" kern="1200">
+        <a:solidFill>
+          <a:schemeClr val="tx1"/>
+        </a:solidFill>
+        <a:latin typeface="+mn-lt"/>
+        <a:ea typeface="+mn-ea"/>
+        <a:cs typeface="+mn-cs"/>
+      </a:defRPr>
+    </a:lvl6pPr>
+    <a:lvl7pPr marL="2743200" algn="l" defTabSz="914400" rtl="0" eaLnBrk="1" latinLnBrk="0" hangingPunct="1">
+      <a:defRPr sz="1200" kern="1200">
+        <a:solidFill>
+          <a:schemeClr val="tx1"/>
+        </a:solidFill>
+        <a:latin typeface="+mn-lt"/>
+        <a:ea typeface="+mn-ea"/>
+        <a:cs typeface="+mn-cs"/>
+      </a:defRPr>
+    </a:lvl7pPr>
+    <a:lvl8pPr marL="3200400" algn="l" defTabSz="914400" rtl="0" eaLnBrk="1" latinLnBrk="0" hangingPunct="1">
+      <a:defRPr sz="1200" kern="1200">
+        <a:solidFill>
+          <a:schemeClr val="tx1"/>
+        </a:solidFill>
+        <a:latin typeface="+mn-lt"/>
+        <a:ea typeface="+mn-ea"/>
+        <a:cs typeface="+mn-cs"/>
+      </a:defRPr>
+    </a:lvl8pPr>
+    <a:lvl9pPr marL="3657600" algn="l" defTabSz="914400" rtl="0" eaLnBrk="1" latinLnBrk="0" hangingPunct="1">
+      <a:defRPr sz="1200" kern="1200">
+        <a:solidFill>
+          <a:schemeClr val="tx1"/>
+        </a:solidFill>
+        <a:latin typeface="+mn-lt"/>
+        <a:ea typeface="+mn-ea"/>
+        <a:cs typeface="+mn-cs"/>
+      </a:defRPr>
+    </a:lvl9pPr>
+  </p:notesStyle>
+</p:notesMaster>
+</file>
+
+<file path=ppt/notesSlides/notesSlide1.xml><?xml version="1.0" encoding="utf-8"?>
+<p:notes xmlns:a="http://schemas.openxmlformats.org/drawingml/2006/main" xmlns:r="http://schemas.openxmlformats.org/officeDocument/2006/relationships" xmlns:p="http://schemas.openxmlformats.org/presentationml/2006/main">
+  <p:cSld>
+    <p:spTree>
+      <p:nvGrpSpPr>
+        <p:cNvPr id="1" name=""/>
+        <p:cNvGrpSpPr/>
+        <p:nvPr/>
+      </p:nvGrpSpPr>
+      <p:grpSpPr>
+        <a:xfrm>
+          <a:off x="0" y="0"/>
+          <a:ext cx="0" cy="0"/>
+          <a:chOff x="0" y="0"/>
+          <a:chExt cx="0" cy="0"/>
+        </a:xfrm>
+      </p:grpSpPr>
+      <p:sp>
+        <p:nvSpPr>
+          <p:cNvPr id="2" name="Slide Image Placeholder 1"/>
+          <p:cNvSpPr>
+            <a:spLocks noGrp="1" noRot="1" noChangeAspect="1"/>
+          </p:cNvSpPr>
+          <p:nvPr>
+            <p:ph type="sldImg"/>
+          </p:nvPr>
+        </p:nvSpPr>
+        <p:spPr/>
+      </p:sp>
+      <p:sp>
+        <p:nvSpPr>
+          <p:cNvPr id="3" name="Notes Placeholder 2"/>
+          <p:cNvSpPr>
+            <a:spLocks noGrp="1"/>
+          </p:cNvSpPr>
+          <p:nvPr>
+            <p:ph type="body" idx="1"/>
+          </p:nvPr>
+        </p:nvSpPr>
+        <p:spPr/>
+        <p:txBody>
+          <a:bodyPr/>
+          <a:lstStyle/>
+          <a:p>
+            <a:endParaRPr lang="en-US"/>
+          </a:p>
+        </p:txBody>
+      </p:sp>
+      <p:sp>
+        <p:nvSpPr>
+          <p:cNvPr id="4" name="Slide Number Placeholder 3"/>
+          <p:cNvSpPr>
+            <a:spLocks noGrp="1"/>
+          </p:cNvSpPr>
+          <p:nvPr>
+            <p:ph type="sldNum" sz="quarter" idx="5"/>
+          </p:nvPr>
+        </p:nvSpPr>
+        <p:spPr/>
+        <p:txBody>
+          <a:bodyPr/>
+          <a:lstStyle/>
+          <a:p>
+            <a:fld id="{635899E0-BE8D-4851-9F8C-340336DFD773}" type="slidenum">
+              <a:rPr lang="en-US" smtClean="0"/>
+              <a:t>8</a:t>
+            </a:fld>
+            <a:endParaRPr lang="en-US"/>
+          </a:p>
+        </p:txBody>
+      </p:sp>
+    </p:spTree>
+    <p:extLst>
+      <p:ext uri="{BB962C8B-B14F-4D97-AF65-F5344CB8AC3E}">
+        <p14:creationId xmlns:p14="http://schemas.microsoft.com/office/powerpoint/2010/main" val="2896782118"/>
+      </p:ext>
+    </p:extLst>
+  </p:cSld>
+  <p:clrMapOvr>
+    <a:masterClrMapping/>
+  </p:clrMapOvr>
+</p:notes>
 </file>
 
 <file path=ppt/slideLayouts/slideLayout1.xml><?xml version="1.0" encoding="utf-8"?>
@@ -5600,6 +6048,3614 @@
 </p:sld>
 </file>
 
+<file path=ppt/slides/slide10.xml><?xml version="1.0" encoding="utf-8"?>
+<p:sld xmlns:a="http://schemas.openxmlformats.org/drawingml/2006/main" xmlns:r="http://schemas.openxmlformats.org/officeDocument/2006/relationships" xmlns:p="http://schemas.openxmlformats.org/presentationml/2006/main">
+  <p:cSld>
+    <p:spTree>
+      <p:nvGrpSpPr>
+        <p:cNvPr id="1" name=""/>
+        <p:cNvGrpSpPr/>
+        <p:nvPr/>
+      </p:nvGrpSpPr>
+      <p:grpSpPr>
+        <a:xfrm>
+          <a:off x="0" y="0"/>
+          <a:ext cx="0" cy="0"/>
+          <a:chOff x="0" y="0"/>
+          <a:chExt cx="0" cy="0"/>
+        </a:xfrm>
+      </p:grpSpPr>
+      <p:sp>
+        <p:nvSpPr>
+          <p:cNvPr id="2" name="Title 1">
+            <a:extLst>
+              <a:ext uri="{FF2B5EF4-FFF2-40B4-BE49-F238E27FC236}">
+                <a16:creationId xmlns:a16="http://schemas.microsoft.com/office/drawing/2014/main" id="{11A2A025-AD4B-4945-B1E3-782B815B8B92}"/>
+              </a:ext>
+            </a:extLst>
+          </p:cNvPr>
+          <p:cNvSpPr>
+            <a:spLocks noGrp="1"/>
+          </p:cNvSpPr>
+          <p:nvPr>
+            <p:ph type="title"/>
+          </p:nvPr>
+        </p:nvSpPr>
+        <p:spPr/>
+        <p:txBody>
+          <a:bodyPr/>
+          <a:lstStyle/>
+          <a:p>
+            <a:r>
+              <a:rPr lang="en-US" dirty="0"/>
+              <a:t>9.Testing microservices 1</a:t>
+            </a:r>
+          </a:p>
+        </p:txBody>
+      </p:sp>
+      <p:sp>
+        <p:nvSpPr>
+          <p:cNvPr id="3" name="Content Placeholder 2">
+            <a:extLst>
+              <a:ext uri="{FF2B5EF4-FFF2-40B4-BE49-F238E27FC236}">
+                <a16:creationId xmlns:a16="http://schemas.microsoft.com/office/drawing/2014/main" id="{9CB4FD68-86F2-4A2C-ACCF-51AE4A45E640}"/>
+              </a:ext>
+            </a:extLst>
+          </p:cNvPr>
+          <p:cNvSpPr>
+            <a:spLocks noGrp="1"/>
+          </p:cNvSpPr>
+          <p:nvPr>
+            <p:ph idx="1"/>
+          </p:nvPr>
+        </p:nvSpPr>
+        <p:spPr/>
+        <p:txBody>
+          <a:bodyPr/>
+          <a:lstStyle/>
+          <a:p>
+            <a:r>
+              <a:rPr lang="en-US" dirty="0"/>
+              <a:t>Testing strategies for MSA</a:t>
+            </a:r>
+          </a:p>
+          <a:p>
+            <a:r>
+              <a:rPr lang="en-US" dirty="0"/>
+              <a:t>Writing unit tests for a service</a:t>
+            </a:r>
+          </a:p>
+          <a:p>
+            <a:endParaRPr lang="en-US" dirty="0"/>
+          </a:p>
+        </p:txBody>
+      </p:sp>
+    </p:spTree>
+    <p:extLst>
+      <p:ext uri="{BB962C8B-B14F-4D97-AF65-F5344CB8AC3E}">
+        <p14:creationId xmlns:p14="http://schemas.microsoft.com/office/powerpoint/2010/main" val="806700853"/>
+      </p:ext>
+    </p:extLst>
+  </p:cSld>
+  <p:clrMapOvr>
+    <a:masterClrMapping/>
+  </p:clrMapOvr>
+  <p:timing>
+    <p:tnLst>
+      <p:par>
+        <p:cTn id="1" dur="indefinite" restart="never" nodeType="tmRoot">
+          <p:childTnLst>
+            <p:seq concurrent="1" nextAc="seek">
+              <p:cTn id="2" dur="indefinite" nodeType="mainSeq">
+                <p:childTnLst>
+                  <p:par>
+                    <p:cTn id="3" fill="hold">
+                      <p:stCondLst>
+                        <p:cond delay="indefinite"/>
+                      </p:stCondLst>
+                      <p:childTnLst>
+                        <p:par>
+                          <p:cTn id="4" fill="hold">
+                            <p:stCondLst>
+                              <p:cond delay="0"/>
+                            </p:stCondLst>
+                            <p:childTnLst>
+                              <p:par>
+                                <p:cTn id="5" presetID="42" presetClass="entr" presetSubtype="0" fill="hold" grpId="0" nodeType="clickEffect">
+                                  <p:stCondLst>
+                                    <p:cond delay="0"/>
+                                  </p:stCondLst>
+                                  <p:childTnLst>
+                                    <p:set>
+                                      <p:cBhvr>
+                                        <p:cTn id="6" dur="1" fill="hold">
+                                          <p:stCondLst>
+                                            <p:cond delay="0"/>
+                                          </p:stCondLst>
+                                        </p:cTn>
+                                        <p:tgtEl>
+                                          <p:spTgt spid="3">
+                                            <p:txEl>
+                                              <p:pRg st="0" end="0"/>
+                                            </p:txEl>
+                                          </p:spTgt>
+                                        </p:tgtEl>
+                                        <p:attrNameLst>
+                                          <p:attrName>style.visibility</p:attrName>
+                                        </p:attrNameLst>
+                                      </p:cBhvr>
+                                      <p:to>
+                                        <p:strVal val="visible"/>
+                                      </p:to>
+                                    </p:set>
+                                    <p:animEffect transition="in" filter="fade">
+                                      <p:cBhvr>
+                                        <p:cTn id="7" dur="1000"/>
+                                        <p:tgtEl>
+                                          <p:spTgt spid="3">
+                                            <p:txEl>
+                                              <p:pRg st="0" end="0"/>
+                                            </p:txEl>
+                                          </p:spTgt>
+                                        </p:tgtEl>
+                                      </p:cBhvr>
+                                    </p:animEffect>
+                                    <p:anim calcmode="lin" valueType="num">
+                                      <p:cBhvr>
+                                        <p:cTn id="8" dur="1000" fill="hold"/>
+                                        <p:tgtEl>
+                                          <p:spTgt spid="3">
+                                            <p:txEl>
+                                              <p:pRg st="0" end="0"/>
+                                            </p:txEl>
+                                          </p:spTgt>
+                                        </p:tgtEl>
+                                        <p:attrNameLst>
+                                          <p:attrName>ppt_x</p:attrName>
+                                        </p:attrNameLst>
+                                      </p:cBhvr>
+                                      <p:tavLst>
+                                        <p:tav tm="0">
+                                          <p:val>
+                                            <p:strVal val="#ppt_x"/>
+                                          </p:val>
+                                        </p:tav>
+                                        <p:tav tm="100000">
+                                          <p:val>
+                                            <p:strVal val="#ppt_x"/>
+                                          </p:val>
+                                        </p:tav>
+                                      </p:tavLst>
+                                    </p:anim>
+                                    <p:anim calcmode="lin" valueType="num">
+                                      <p:cBhvr>
+                                        <p:cTn id="9" dur="1000" fill="hold"/>
+                                        <p:tgtEl>
+                                          <p:spTgt spid="3">
+                                            <p:txEl>
+                                              <p:pRg st="0" end="0"/>
+                                            </p:txEl>
+                                          </p:spTgt>
+                                        </p:tgtEl>
+                                        <p:attrNameLst>
+                                          <p:attrName>ppt_y</p:attrName>
+                                        </p:attrNameLst>
+                                      </p:cBhvr>
+                                      <p:tavLst>
+                                        <p:tav tm="0">
+                                          <p:val>
+                                            <p:strVal val="#ppt_y+.1"/>
+                                          </p:val>
+                                        </p:tav>
+                                        <p:tav tm="100000">
+                                          <p:val>
+                                            <p:strVal val="#ppt_y"/>
+                                          </p:val>
+                                        </p:tav>
+                                      </p:tavLst>
+                                    </p:anim>
+                                  </p:childTnLst>
+                                </p:cTn>
+                              </p:par>
+                            </p:childTnLst>
+                          </p:cTn>
+                        </p:par>
+                      </p:childTnLst>
+                    </p:cTn>
+                  </p:par>
+                  <p:par>
+                    <p:cTn id="10" fill="hold">
+                      <p:stCondLst>
+                        <p:cond delay="indefinite"/>
+                      </p:stCondLst>
+                      <p:childTnLst>
+                        <p:par>
+                          <p:cTn id="11" fill="hold">
+                            <p:stCondLst>
+                              <p:cond delay="0"/>
+                            </p:stCondLst>
+                            <p:childTnLst>
+                              <p:par>
+                                <p:cTn id="12" presetID="42" presetClass="entr" presetSubtype="0" fill="hold" grpId="0" nodeType="clickEffect">
+                                  <p:stCondLst>
+                                    <p:cond delay="0"/>
+                                  </p:stCondLst>
+                                  <p:childTnLst>
+                                    <p:set>
+                                      <p:cBhvr>
+                                        <p:cTn id="13" dur="1" fill="hold">
+                                          <p:stCondLst>
+                                            <p:cond delay="0"/>
+                                          </p:stCondLst>
+                                        </p:cTn>
+                                        <p:tgtEl>
+                                          <p:spTgt spid="3">
+                                            <p:txEl>
+                                              <p:pRg st="1" end="1"/>
+                                            </p:txEl>
+                                          </p:spTgt>
+                                        </p:tgtEl>
+                                        <p:attrNameLst>
+                                          <p:attrName>style.visibility</p:attrName>
+                                        </p:attrNameLst>
+                                      </p:cBhvr>
+                                      <p:to>
+                                        <p:strVal val="visible"/>
+                                      </p:to>
+                                    </p:set>
+                                    <p:animEffect transition="in" filter="fade">
+                                      <p:cBhvr>
+                                        <p:cTn id="14" dur="1000"/>
+                                        <p:tgtEl>
+                                          <p:spTgt spid="3">
+                                            <p:txEl>
+                                              <p:pRg st="1" end="1"/>
+                                            </p:txEl>
+                                          </p:spTgt>
+                                        </p:tgtEl>
+                                      </p:cBhvr>
+                                    </p:animEffect>
+                                    <p:anim calcmode="lin" valueType="num">
+                                      <p:cBhvr>
+                                        <p:cTn id="15" dur="1000" fill="hold"/>
+                                        <p:tgtEl>
+                                          <p:spTgt spid="3">
+                                            <p:txEl>
+                                              <p:pRg st="1" end="1"/>
+                                            </p:txEl>
+                                          </p:spTgt>
+                                        </p:tgtEl>
+                                        <p:attrNameLst>
+                                          <p:attrName>ppt_x</p:attrName>
+                                        </p:attrNameLst>
+                                      </p:cBhvr>
+                                      <p:tavLst>
+                                        <p:tav tm="0">
+                                          <p:val>
+                                            <p:strVal val="#ppt_x"/>
+                                          </p:val>
+                                        </p:tav>
+                                        <p:tav tm="100000">
+                                          <p:val>
+                                            <p:strVal val="#ppt_x"/>
+                                          </p:val>
+                                        </p:tav>
+                                      </p:tavLst>
+                                    </p:anim>
+                                    <p:anim calcmode="lin" valueType="num">
+                                      <p:cBhvr>
+                                        <p:cTn id="16" dur="1000" fill="hold"/>
+                                        <p:tgtEl>
+                                          <p:spTgt spid="3">
+                                            <p:txEl>
+                                              <p:pRg st="1" end="1"/>
+                                            </p:txEl>
+                                          </p:spTgt>
+                                        </p:tgtEl>
+                                        <p:attrNameLst>
+                                          <p:attrName>ppt_y</p:attrName>
+                                        </p:attrNameLst>
+                                      </p:cBhvr>
+                                      <p:tavLst>
+                                        <p:tav tm="0">
+                                          <p:val>
+                                            <p:strVal val="#ppt_y+.1"/>
+                                          </p:val>
+                                        </p:tav>
+                                        <p:tav tm="100000">
+                                          <p:val>
+                                            <p:strVal val="#ppt_y"/>
+                                          </p:val>
+                                        </p:tav>
+                                      </p:tavLst>
+                                    </p:anim>
+                                  </p:childTnLst>
+                                </p:cTn>
+                              </p:par>
+                            </p:childTnLst>
+                          </p:cTn>
+                        </p:par>
+                      </p:childTnLst>
+                    </p:cTn>
+                  </p:par>
+                </p:childTnLst>
+              </p:cTn>
+              <p:prevCondLst>
+                <p:cond evt="onPrev" delay="0">
+                  <p:tgtEl>
+                    <p:sldTgt/>
+                  </p:tgtEl>
+                </p:cond>
+              </p:prevCondLst>
+              <p:nextCondLst>
+                <p:cond evt="onNext" delay="0">
+                  <p:tgtEl>
+                    <p:sldTgt/>
+                  </p:tgtEl>
+                </p:cond>
+              </p:nextCondLst>
+            </p:seq>
+          </p:childTnLst>
+        </p:cTn>
+      </p:par>
+    </p:tnLst>
+    <p:bldLst>
+      <p:bldP spid="3" grpId="0" build="p"/>
+    </p:bldLst>
+  </p:timing>
+</p:sld>
+</file>
+
+<file path=ppt/slides/slide11.xml><?xml version="1.0" encoding="utf-8"?>
+<p:sld xmlns:a="http://schemas.openxmlformats.org/drawingml/2006/main" xmlns:r="http://schemas.openxmlformats.org/officeDocument/2006/relationships" xmlns:p="http://schemas.openxmlformats.org/presentationml/2006/main">
+  <p:cSld>
+    <p:spTree>
+      <p:nvGrpSpPr>
+        <p:cNvPr id="1" name=""/>
+        <p:cNvGrpSpPr/>
+        <p:nvPr/>
+      </p:nvGrpSpPr>
+      <p:grpSpPr>
+        <a:xfrm>
+          <a:off x="0" y="0"/>
+          <a:ext cx="0" cy="0"/>
+          <a:chOff x="0" y="0"/>
+          <a:chExt cx="0" cy="0"/>
+        </a:xfrm>
+      </p:grpSpPr>
+      <p:sp>
+        <p:nvSpPr>
+          <p:cNvPr id="2" name="Title 1">
+            <a:extLst>
+              <a:ext uri="{FF2B5EF4-FFF2-40B4-BE49-F238E27FC236}">
+                <a16:creationId xmlns:a16="http://schemas.microsoft.com/office/drawing/2014/main" id="{090C4032-3EC6-487B-B07D-23E415E92182}"/>
+              </a:ext>
+            </a:extLst>
+          </p:cNvPr>
+          <p:cNvSpPr>
+            <a:spLocks noGrp="1"/>
+          </p:cNvSpPr>
+          <p:nvPr>
+            <p:ph type="title"/>
+          </p:nvPr>
+        </p:nvSpPr>
+        <p:spPr/>
+        <p:txBody>
+          <a:bodyPr/>
+          <a:lstStyle/>
+          <a:p>
+            <a:r>
+              <a:rPr lang="en-US" dirty="0"/>
+              <a:t>10.Testing micro services 2</a:t>
+            </a:r>
+          </a:p>
+        </p:txBody>
+      </p:sp>
+      <p:sp>
+        <p:nvSpPr>
+          <p:cNvPr id="3" name="Content Placeholder 2">
+            <a:extLst>
+              <a:ext uri="{FF2B5EF4-FFF2-40B4-BE49-F238E27FC236}">
+                <a16:creationId xmlns:a16="http://schemas.microsoft.com/office/drawing/2014/main" id="{103D51D2-78BF-4AD9-8E60-F52A3723D6B9}"/>
+              </a:ext>
+            </a:extLst>
+          </p:cNvPr>
+          <p:cNvSpPr>
+            <a:spLocks noGrp="1"/>
+          </p:cNvSpPr>
+          <p:nvPr>
+            <p:ph idx="1"/>
+          </p:nvPr>
+        </p:nvSpPr>
+        <p:spPr/>
+        <p:txBody>
+          <a:bodyPr/>
+          <a:lstStyle/>
+          <a:p>
+            <a:r>
+              <a:rPr lang="en-US" dirty="0"/>
+              <a:t>Writing integrations tests</a:t>
+            </a:r>
+          </a:p>
+          <a:p>
+            <a:r>
+              <a:rPr lang="en-US" dirty="0"/>
+              <a:t>Developing Component tests</a:t>
+            </a:r>
+          </a:p>
+          <a:p>
+            <a:r>
+              <a:rPr lang="en-US" dirty="0"/>
+              <a:t>Writing end-to-end tests</a:t>
+            </a:r>
+          </a:p>
+          <a:p>
+            <a:endParaRPr lang="en-US" dirty="0"/>
+          </a:p>
+        </p:txBody>
+      </p:sp>
+    </p:spTree>
+    <p:extLst>
+      <p:ext uri="{BB962C8B-B14F-4D97-AF65-F5344CB8AC3E}">
+        <p14:creationId xmlns:p14="http://schemas.microsoft.com/office/powerpoint/2010/main" val="2413114954"/>
+      </p:ext>
+    </p:extLst>
+  </p:cSld>
+  <p:clrMapOvr>
+    <a:masterClrMapping/>
+  </p:clrMapOvr>
+</p:sld>
+</file>
+
+<file path=ppt/slides/slide12.xml><?xml version="1.0" encoding="utf-8"?>
+<p:sld xmlns:a="http://schemas.openxmlformats.org/drawingml/2006/main" xmlns:r="http://schemas.openxmlformats.org/officeDocument/2006/relationships" xmlns:p="http://schemas.openxmlformats.org/presentationml/2006/main">
+  <p:cSld>
+    <p:spTree>
+      <p:nvGrpSpPr>
+        <p:cNvPr id="1" name=""/>
+        <p:cNvGrpSpPr/>
+        <p:nvPr/>
+      </p:nvGrpSpPr>
+      <p:grpSpPr>
+        <a:xfrm>
+          <a:off x="0" y="0"/>
+          <a:ext cx="0" cy="0"/>
+          <a:chOff x="0" y="0"/>
+          <a:chExt cx="0" cy="0"/>
+        </a:xfrm>
+      </p:grpSpPr>
+      <p:sp>
+        <p:nvSpPr>
+          <p:cNvPr id="2" name="Title 1">
+            <a:extLst>
+              <a:ext uri="{FF2B5EF4-FFF2-40B4-BE49-F238E27FC236}">
+                <a16:creationId xmlns:a16="http://schemas.microsoft.com/office/drawing/2014/main" id="{51435EA7-4814-46C2-A6C8-7557AB56D9F7}"/>
+              </a:ext>
+            </a:extLst>
+          </p:cNvPr>
+          <p:cNvSpPr>
+            <a:spLocks noGrp="1"/>
+          </p:cNvSpPr>
+          <p:nvPr>
+            <p:ph type="title"/>
+          </p:nvPr>
+        </p:nvSpPr>
+        <p:spPr/>
+        <p:txBody>
+          <a:bodyPr/>
+          <a:lstStyle/>
+          <a:p>
+            <a:r>
+              <a:rPr lang="en-US" dirty="0"/>
+              <a:t>11.Developoing production ready services</a:t>
+            </a:r>
+          </a:p>
+        </p:txBody>
+      </p:sp>
+      <p:sp>
+        <p:nvSpPr>
+          <p:cNvPr id="3" name="Content Placeholder 2">
+            <a:extLst>
+              <a:ext uri="{FF2B5EF4-FFF2-40B4-BE49-F238E27FC236}">
+                <a16:creationId xmlns:a16="http://schemas.microsoft.com/office/drawing/2014/main" id="{DAA1C1C1-135C-4322-9D4E-636B3BBE4C21}"/>
+              </a:ext>
+            </a:extLst>
+          </p:cNvPr>
+          <p:cNvSpPr>
+            <a:spLocks noGrp="1"/>
+          </p:cNvSpPr>
+          <p:nvPr>
+            <p:ph sz="half" idx="1"/>
+          </p:nvPr>
+        </p:nvSpPr>
+        <p:spPr/>
+        <p:txBody>
+          <a:bodyPr/>
+          <a:lstStyle/>
+          <a:p>
+            <a:r>
+              <a:rPr lang="en-US" dirty="0"/>
+              <a:t>Developing secure services</a:t>
+            </a:r>
+          </a:p>
+          <a:p>
+            <a:r>
+              <a:rPr lang="en-US" dirty="0"/>
+              <a:t>Designing configurable services</a:t>
+            </a:r>
+          </a:p>
+          <a:p>
+            <a:r>
+              <a:rPr lang="en-US" dirty="0"/>
+              <a:t>Designing observable services</a:t>
+            </a:r>
+          </a:p>
+          <a:p>
+            <a:r>
+              <a:rPr lang="en-US" dirty="0"/>
+              <a:t>Developing services using the microservice chassis pattern</a:t>
+            </a:r>
+          </a:p>
+        </p:txBody>
+      </p:sp>
+      <p:sp>
+        <p:nvSpPr>
+          <p:cNvPr id="4" name="Content Placeholder 3">
+            <a:extLst>
+              <a:ext uri="{FF2B5EF4-FFF2-40B4-BE49-F238E27FC236}">
+                <a16:creationId xmlns:a16="http://schemas.microsoft.com/office/drawing/2014/main" id="{FF432A59-A266-4D7C-9AE5-6A45473AB1A3}"/>
+              </a:ext>
+            </a:extLst>
+          </p:cNvPr>
+          <p:cNvSpPr>
+            <a:spLocks noGrp="1"/>
+          </p:cNvSpPr>
+          <p:nvPr>
+            <p:ph sz="half" idx="2"/>
+          </p:nvPr>
+        </p:nvSpPr>
+        <p:spPr/>
+        <p:txBody>
+          <a:bodyPr/>
+          <a:lstStyle/>
+          <a:p>
+            <a:r>
+              <a:rPr lang="en-US" dirty="0"/>
+              <a:t>Overview of security in traditional monolithic application</a:t>
+            </a:r>
+          </a:p>
+          <a:p>
+            <a:r>
+              <a:rPr lang="en-US" dirty="0"/>
+              <a:t>Implementing securing in a microservice architecture.</a:t>
+            </a:r>
+          </a:p>
+        </p:txBody>
+      </p:sp>
+    </p:spTree>
+    <p:extLst>
+      <p:ext uri="{BB962C8B-B14F-4D97-AF65-F5344CB8AC3E}">
+        <p14:creationId xmlns:p14="http://schemas.microsoft.com/office/powerpoint/2010/main" val="2806002783"/>
+      </p:ext>
+    </p:extLst>
+  </p:cSld>
+  <p:clrMapOvr>
+    <a:masterClrMapping/>
+  </p:clrMapOvr>
+  <p:timing>
+    <p:tnLst>
+      <p:par>
+        <p:cTn id="1" dur="indefinite" restart="never" nodeType="tmRoot">
+          <p:childTnLst>
+            <p:seq concurrent="1" nextAc="seek">
+              <p:cTn id="2" dur="indefinite" nodeType="mainSeq">
+                <p:childTnLst>
+                  <p:par>
+                    <p:cTn id="3" fill="hold">
+                      <p:stCondLst>
+                        <p:cond delay="indefinite"/>
+                      </p:stCondLst>
+                      <p:childTnLst>
+                        <p:par>
+                          <p:cTn id="4" fill="hold">
+                            <p:stCondLst>
+                              <p:cond delay="0"/>
+                            </p:stCondLst>
+                            <p:childTnLst>
+                              <p:par>
+                                <p:cTn id="5" presetID="42" presetClass="entr" presetSubtype="0" fill="hold" grpId="0" nodeType="clickEffect">
+                                  <p:stCondLst>
+                                    <p:cond delay="0"/>
+                                  </p:stCondLst>
+                                  <p:childTnLst>
+                                    <p:set>
+                                      <p:cBhvr>
+                                        <p:cTn id="6" dur="1" fill="hold">
+                                          <p:stCondLst>
+                                            <p:cond delay="0"/>
+                                          </p:stCondLst>
+                                        </p:cTn>
+                                        <p:tgtEl>
+                                          <p:spTgt spid="3">
+                                            <p:txEl>
+                                              <p:pRg st="0" end="0"/>
+                                            </p:txEl>
+                                          </p:spTgt>
+                                        </p:tgtEl>
+                                        <p:attrNameLst>
+                                          <p:attrName>style.visibility</p:attrName>
+                                        </p:attrNameLst>
+                                      </p:cBhvr>
+                                      <p:to>
+                                        <p:strVal val="visible"/>
+                                      </p:to>
+                                    </p:set>
+                                    <p:animEffect transition="in" filter="fade">
+                                      <p:cBhvr>
+                                        <p:cTn id="7" dur="1000"/>
+                                        <p:tgtEl>
+                                          <p:spTgt spid="3">
+                                            <p:txEl>
+                                              <p:pRg st="0" end="0"/>
+                                            </p:txEl>
+                                          </p:spTgt>
+                                        </p:tgtEl>
+                                      </p:cBhvr>
+                                    </p:animEffect>
+                                    <p:anim calcmode="lin" valueType="num">
+                                      <p:cBhvr>
+                                        <p:cTn id="8" dur="1000" fill="hold"/>
+                                        <p:tgtEl>
+                                          <p:spTgt spid="3">
+                                            <p:txEl>
+                                              <p:pRg st="0" end="0"/>
+                                            </p:txEl>
+                                          </p:spTgt>
+                                        </p:tgtEl>
+                                        <p:attrNameLst>
+                                          <p:attrName>ppt_x</p:attrName>
+                                        </p:attrNameLst>
+                                      </p:cBhvr>
+                                      <p:tavLst>
+                                        <p:tav tm="0">
+                                          <p:val>
+                                            <p:strVal val="#ppt_x"/>
+                                          </p:val>
+                                        </p:tav>
+                                        <p:tav tm="100000">
+                                          <p:val>
+                                            <p:strVal val="#ppt_x"/>
+                                          </p:val>
+                                        </p:tav>
+                                      </p:tavLst>
+                                    </p:anim>
+                                    <p:anim calcmode="lin" valueType="num">
+                                      <p:cBhvr>
+                                        <p:cTn id="9" dur="1000" fill="hold"/>
+                                        <p:tgtEl>
+                                          <p:spTgt spid="3">
+                                            <p:txEl>
+                                              <p:pRg st="0" end="0"/>
+                                            </p:txEl>
+                                          </p:spTgt>
+                                        </p:tgtEl>
+                                        <p:attrNameLst>
+                                          <p:attrName>ppt_y</p:attrName>
+                                        </p:attrNameLst>
+                                      </p:cBhvr>
+                                      <p:tavLst>
+                                        <p:tav tm="0">
+                                          <p:val>
+                                            <p:strVal val="#ppt_y+.1"/>
+                                          </p:val>
+                                        </p:tav>
+                                        <p:tav tm="100000">
+                                          <p:val>
+                                            <p:strVal val="#ppt_y"/>
+                                          </p:val>
+                                        </p:tav>
+                                      </p:tavLst>
+                                    </p:anim>
+                                  </p:childTnLst>
+                                </p:cTn>
+                              </p:par>
+                            </p:childTnLst>
+                          </p:cTn>
+                        </p:par>
+                      </p:childTnLst>
+                    </p:cTn>
+                  </p:par>
+                  <p:par>
+                    <p:cTn id="10" fill="hold">
+                      <p:stCondLst>
+                        <p:cond delay="indefinite"/>
+                      </p:stCondLst>
+                      <p:childTnLst>
+                        <p:par>
+                          <p:cTn id="11" fill="hold">
+                            <p:stCondLst>
+                              <p:cond delay="0"/>
+                            </p:stCondLst>
+                            <p:childTnLst>
+                              <p:par>
+                                <p:cTn id="12" presetID="42" presetClass="entr" presetSubtype="0" fill="hold" grpId="0" nodeType="clickEffect">
+                                  <p:stCondLst>
+                                    <p:cond delay="0"/>
+                                  </p:stCondLst>
+                                  <p:childTnLst>
+                                    <p:set>
+                                      <p:cBhvr>
+                                        <p:cTn id="13" dur="1" fill="hold">
+                                          <p:stCondLst>
+                                            <p:cond delay="0"/>
+                                          </p:stCondLst>
+                                        </p:cTn>
+                                        <p:tgtEl>
+                                          <p:spTgt spid="3">
+                                            <p:txEl>
+                                              <p:pRg st="1" end="1"/>
+                                            </p:txEl>
+                                          </p:spTgt>
+                                        </p:tgtEl>
+                                        <p:attrNameLst>
+                                          <p:attrName>style.visibility</p:attrName>
+                                        </p:attrNameLst>
+                                      </p:cBhvr>
+                                      <p:to>
+                                        <p:strVal val="visible"/>
+                                      </p:to>
+                                    </p:set>
+                                    <p:animEffect transition="in" filter="fade">
+                                      <p:cBhvr>
+                                        <p:cTn id="14" dur="1000"/>
+                                        <p:tgtEl>
+                                          <p:spTgt spid="3">
+                                            <p:txEl>
+                                              <p:pRg st="1" end="1"/>
+                                            </p:txEl>
+                                          </p:spTgt>
+                                        </p:tgtEl>
+                                      </p:cBhvr>
+                                    </p:animEffect>
+                                    <p:anim calcmode="lin" valueType="num">
+                                      <p:cBhvr>
+                                        <p:cTn id="15" dur="1000" fill="hold"/>
+                                        <p:tgtEl>
+                                          <p:spTgt spid="3">
+                                            <p:txEl>
+                                              <p:pRg st="1" end="1"/>
+                                            </p:txEl>
+                                          </p:spTgt>
+                                        </p:tgtEl>
+                                        <p:attrNameLst>
+                                          <p:attrName>ppt_x</p:attrName>
+                                        </p:attrNameLst>
+                                      </p:cBhvr>
+                                      <p:tavLst>
+                                        <p:tav tm="0">
+                                          <p:val>
+                                            <p:strVal val="#ppt_x"/>
+                                          </p:val>
+                                        </p:tav>
+                                        <p:tav tm="100000">
+                                          <p:val>
+                                            <p:strVal val="#ppt_x"/>
+                                          </p:val>
+                                        </p:tav>
+                                      </p:tavLst>
+                                    </p:anim>
+                                    <p:anim calcmode="lin" valueType="num">
+                                      <p:cBhvr>
+                                        <p:cTn id="16" dur="1000" fill="hold"/>
+                                        <p:tgtEl>
+                                          <p:spTgt spid="3">
+                                            <p:txEl>
+                                              <p:pRg st="1" end="1"/>
+                                            </p:txEl>
+                                          </p:spTgt>
+                                        </p:tgtEl>
+                                        <p:attrNameLst>
+                                          <p:attrName>ppt_y</p:attrName>
+                                        </p:attrNameLst>
+                                      </p:cBhvr>
+                                      <p:tavLst>
+                                        <p:tav tm="0">
+                                          <p:val>
+                                            <p:strVal val="#ppt_y+.1"/>
+                                          </p:val>
+                                        </p:tav>
+                                        <p:tav tm="100000">
+                                          <p:val>
+                                            <p:strVal val="#ppt_y"/>
+                                          </p:val>
+                                        </p:tav>
+                                      </p:tavLst>
+                                    </p:anim>
+                                  </p:childTnLst>
+                                </p:cTn>
+                              </p:par>
+                            </p:childTnLst>
+                          </p:cTn>
+                        </p:par>
+                      </p:childTnLst>
+                    </p:cTn>
+                  </p:par>
+                  <p:par>
+                    <p:cTn id="17" fill="hold">
+                      <p:stCondLst>
+                        <p:cond delay="indefinite"/>
+                      </p:stCondLst>
+                      <p:childTnLst>
+                        <p:par>
+                          <p:cTn id="18" fill="hold">
+                            <p:stCondLst>
+                              <p:cond delay="0"/>
+                            </p:stCondLst>
+                            <p:childTnLst>
+                              <p:par>
+                                <p:cTn id="19" presetID="42" presetClass="entr" presetSubtype="0" fill="hold" grpId="0" nodeType="clickEffect">
+                                  <p:stCondLst>
+                                    <p:cond delay="0"/>
+                                  </p:stCondLst>
+                                  <p:childTnLst>
+                                    <p:set>
+                                      <p:cBhvr>
+                                        <p:cTn id="20" dur="1" fill="hold">
+                                          <p:stCondLst>
+                                            <p:cond delay="0"/>
+                                          </p:stCondLst>
+                                        </p:cTn>
+                                        <p:tgtEl>
+                                          <p:spTgt spid="3">
+                                            <p:txEl>
+                                              <p:pRg st="2" end="2"/>
+                                            </p:txEl>
+                                          </p:spTgt>
+                                        </p:tgtEl>
+                                        <p:attrNameLst>
+                                          <p:attrName>style.visibility</p:attrName>
+                                        </p:attrNameLst>
+                                      </p:cBhvr>
+                                      <p:to>
+                                        <p:strVal val="visible"/>
+                                      </p:to>
+                                    </p:set>
+                                    <p:animEffect transition="in" filter="fade">
+                                      <p:cBhvr>
+                                        <p:cTn id="21" dur="1000"/>
+                                        <p:tgtEl>
+                                          <p:spTgt spid="3">
+                                            <p:txEl>
+                                              <p:pRg st="2" end="2"/>
+                                            </p:txEl>
+                                          </p:spTgt>
+                                        </p:tgtEl>
+                                      </p:cBhvr>
+                                    </p:animEffect>
+                                    <p:anim calcmode="lin" valueType="num">
+                                      <p:cBhvr>
+                                        <p:cTn id="22" dur="1000" fill="hold"/>
+                                        <p:tgtEl>
+                                          <p:spTgt spid="3">
+                                            <p:txEl>
+                                              <p:pRg st="2" end="2"/>
+                                            </p:txEl>
+                                          </p:spTgt>
+                                        </p:tgtEl>
+                                        <p:attrNameLst>
+                                          <p:attrName>ppt_x</p:attrName>
+                                        </p:attrNameLst>
+                                      </p:cBhvr>
+                                      <p:tavLst>
+                                        <p:tav tm="0">
+                                          <p:val>
+                                            <p:strVal val="#ppt_x"/>
+                                          </p:val>
+                                        </p:tav>
+                                        <p:tav tm="100000">
+                                          <p:val>
+                                            <p:strVal val="#ppt_x"/>
+                                          </p:val>
+                                        </p:tav>
+                                      </p:tavLst>
+                                    </p:anim>
+                                    <p:anim calcmode="lin" valueType="num">
+                                      <p:cBhvr>
+                                        <p:cTn id="23" dur="1000" fill="hold"/>
+                                        <p:tgtEl>
+                                          <p:spTgt spid="3">
+                                            <p:txEl>
+                                              <p:pRg st="2" end="2"/>
+                                            </p:txEl>
+                                          </p:spTgt>
+                                        </p:tgtEl>
+                                        <p:attrNameLst>
+                                          <p:attrName>ppt_y</p:attrName>
+                                        </p:attrNameLst>
+                                      </p:cBhvr>
+                                      <p:tavLst>
+                                        <p:tav tm="0">
+                                          <p:val>
+                                            <p:strVal val="#ppt_y+.1"/>
+                                          </p:val>
+                                        </p:tav>
+                                        <p:tav tm="100000">
+                                          <p:val>
+                                            <p:strVal val="#ppt_y"/>
+                                          </p:val>
+                                        </p:tav>
+                                      </p:tavLst>
+                                    </p:anim>
+                                  </p:childTnLst>
+                                </p:cTn>
+                              </p:par>
+                            </p:childTnLst>
+                          </p:cTn>
+                        </p:par>
+                      </p:childTnLst>
+                    </p:cTn>
+                  </p:par>
+                  <p:par>
+                    <p:cTn id="24" fill="hold">
+                      <p:stCondLst>
+                        <p:cond delay="indefinite"/>
+                      </p:stCondLst>
+                      <p:childTnLst>
+                        <p:par>
+                          <p:cTn id="25" fill="hold">
+                            <p:stCondLst>
+                              <p:cond delay="0"/>
+                            </p:stCondLst>
+                            <p:childTnLst>
+                              <p:par>
+                                <p:cTn id="26" presetID="42" presetClass="entr" presetSubtype="0" fill="hold" grpId="0" nodeType="clickEffect">
+                                  <p:stCondLst>
+                                    <p:cond delay="0"/>
+                                  </p:stCondLst>
+                                  <p:childTnLst>
+                                    <p:set>
+                                      <p:cBhvr>
+                                        <p:cTn id="27" dur="1" fill="hold">
+                                          <p:stCondLst>
+                                            <p:cond delay="0"/>
+                                          </p:stCondLst>
+                                        </p:cTn>
+                                        <p:tgtEl>
+                                          <p:spTgt spid="3">
+                                            <p:txEl>
+                                              <p:pRg st="3" end="3"/>
+                                            </p:txEl>
+                                          </p:spTgt>
+                                        </p:tgtEl>
+                                        <p:attrNameLst>
+                                          <p:attrName>style.visibility</p:attrName>
+                                        </p:attrNameLst>
+                                      </p:cBhvr>
+                                      <p:to>
+                                        <p:strVal val="visible"/>
+                                      </p:to>
+                                    </p:set>
+                                    <p:animEffect transition="in" filter="fade">
+                                      <p:cBhvr>
+                                        <p:cTn id="28" dur="1000"/>
+                                        <p:tgtEl>
+                                          <p:spTgt spid="3">
+                                            <p:txEl>
+                                              <p:pRg st="3" end="3"/>
+                                            </p:txEl>
+                                          </p:spTgt>
+                                        </p:tgtEl>
+                                      </p:cBhvr>
+                                    </p:animEffect>
+                                    <p:anim calcmode="lin" valueType="num">
+                                      <p:cBhvr>
+                                        <p:cTn id="29" dur="1000" fill="hold"/>
+                                        <p:tgtEl>
+                                          <p:spTgt spid="3">
+                                            <p:txEl>
+                                              <p:pRg st="3" end="3"/>
+                                            </p:txEl>
+                                          </p:spTgt>
+                                        </p:tgtEl>
+                                        <p:attrNameLst>
+                                          <p:attrName>ppt_x</p:attrName>
+                                        </p:attrNameLst>
+                                      </p:cBhvr>
+                                      <p:tavLst>
+                                        <p:tav tm="0">
+                                          <p:val>
+                                            <p:strVal val="#ppt_x"/>
+                                          </p:val>
+                                        </p:tav>
+                                        <p:tav tm="100000">
+                                          <p:val>
+                                            <p:strVal val="#ppt_x"/>
+                                          </p:val>
+                                        </p:tav>
+                                      </p:tavLst>
+                                    </p:anim>
+                                    <p:anim calcmode="lin" valueType="num">
+                                      <p:cBhvr>
+                                        <p:cTn id="30" dur="1000" fill="hold"/>
+                                        <p:tgtEl>
+                                          <p:spTgt spid="3">
+                                            <p:txEl>
+                                              <p:pRg st="3" end="3"/>
+                                            </p:txEl>
+                                          </p:spTgt>
+                                        </p:tgtEl>
+                                        <p:attrNameLst>
+                                          <p:attrName>ppt_y</p:attrName>
+                                        </p:attrNameLst>
+                                      </p:cBhvr>
+                                      <p:tavLst>
+                                        <p:tav tm="0">
+                                          <p:val>
+                                            <p:strVal val="#ppt_y+.1"/>
+                                          </p:val>
+                                        </p:tav>
+                                        <p:tav tm="100000">
+                                          <p:val>
+                                            <p:strVal val="#ppt_y"/>
+                                          </p:val>
+                                        </p:tav>
+                                      </p:tavLst>
+                                    </p:anim>
+                                  </p:childTnLst>
+                                </p:cTn>
+                              </p:par>
+                            </p:childTnLst>
+                          </p:cTn>
+                        </p:par>
+                      </p:childTnLst>
+                    </p:cTn>
+                  </p:par>
+                  <p:par>
+                    <p:cTn id="31" fill="hold">
+                      <p:stCondLst>
+                        <p:cond delay="indefinite"/>
+                      </p:stCondLst>
+                      <p:childTnLst>
+                        <p:par>
+                          <p:cTn id="32" fill="hold">
+                            <p:stCondLst>
+                              <p:cond delay="0"/>
+                            </p:stCondLst>
+                            <p:childTnLst>
+                              <p:par>
+                                <p:cTn id="33" presetID="42" presetClass="entr" presetSubtype="0" fill="hold" grpId="0" nodeType="clickEffect">
+                                  <p:stCondLst>
+                                    <p:cond delay="0"/>
+                                  </p:stCondLst>
+                                  <p:childTnLst>
+                                    <p:set>
+                                      <p:cBhvr>
+                                        <p:cTn id="34" dur="1" fill="hold">
+                                          <p:stCondLst>
+                                            <p:cond delay="0"/>
+                                          </p:stCondLst>
+                                        </p:cTn>
+                                        <p:tgtEl>
+                                          <p:spTgt spid="4">
+                                            <p:txEl>
+                                              <p:pRg st="0" end="0"/>
+                                            </p:txEl>
+                                          </p:spTgt>
+                                        </p:tgtEl>
+                                        <p:attrNameLst>
+                                          <p:attrName>style.visibility</p:attrName>
+                                        </p:attrNameLst>
+                                      </p:cBhvr>
+                                      <p:to>
+                                        <p:strVal val="visible"/>
+                                      </p:to>
+                                    </p:set>
+                                    <p:animEffect transition="in" filter="fade">
+                                      <p:cBhvr>
+                                        <p:cTn id="35" dur="1000"/>
+                                        <p:tgtEl>
+                                          <p:spTgt spid="4">
+                                            <p:txEl>
+                                              <p:pRg st="0" end="0"/>
+                                            </p:txEl>
+                                          </p:spTgt>
+                                        </p:tgtEl>
+                                      </p:cBhvr>
+                                    </p:animEffect>
+                                    <p:anim calcmode="lin" valueType="num">
+                                      <p:cBhvr>
+                                        <p:cTn id="36" dur="1000" fill="hold"/>
+                                        <p:tgtEl>
+                                          <p:spTgt spid="4">
+                                            <p:txEl>
+                                              <p:pRg st="0" end="0"/>
+                                            </p:txEl>
+                                          </p:spTgt>
+                                        </p:tgtEl>
+                                        <p:attrNameLst>
+                                          <p:attrName>ppt_x</p:attrName>
+                                        </p:attrNameLst>
+                                      </p:cBhvr>
+                                      <p:tavLst>
+                                        <p:tav tm="0">
+                                          <p:val>
+                                            <p:strVal val="#ppt_x"/>
+                                          </p:val>
+                                        </p:tav>
+                                        <p:tav tm="100000">
+                                          <p:val>
+                                            <p:strVal val="#ppt_x"/>
+                                          </p:val>
+                                        </p:tav>
+                                      </p:tavLst>
+                                    </p:anim>
+                                    <p:anim calcmode="lin" valueType="num">
+                                      <p:cBhvr>
+                                        <p:cTn id="37" dur="1000" fill="hold"/>
+                                        <p:tgtEl>
+                                          <p:spTgt spid="4">
+                                            <p:txEl>
+                                              <p:pRg st="0" end="0"/>
+                                            </p:txEl>
+                                          </p:spTgt>
+                                        </p:tgtEl>
+                                        <p:attrNameLst>
+                                          <p:attrName>ppt_y</p:attrName>
+                                        </p:attrNameLst>
+                                      </p:cBhvr>
+                                      <p:tavLst>
+                                        <p:tav tm="0">
+                                          <p:val>
+                                            <p:strVal val="#ppt_y+.1"/>
+                                          </p:val>
+                                        </p:tav>
+                                        <p:tav tm="100000">
+                                          <p:val>
+                                            <p:strVal val="#ppt_y"/>
+                                          </p:val>
+                                        </p:tav>
+                                      </p:tavLst>
+                                    </p:anim>
+                                  </p:childTnLst>
+                                </p:cTn>
+                              </p:par>
+                            </p:childTnLst>
+                          </p:cTn>
+                        </p:par>
+                      </p:childTnLst>
+                    </p:cTn>
+                  </p:par>
+                  <p:par>
+                    <p:cTn id="38" fill="hold">
+                      <p:stCondLst>
+                        <p:cond delay="indefinite"/>
+                      </p:stCondLst>
+                      <p:childTnLst>
+                        <p:par>
+                          <p:cTn id="39" fill="hold">
+                            <p:stCondLst>
+                              <p:cond delay="0"/>
+                            </p:stCondLst>
+                            <p:childTnLst>
+                              <p:par>
+                                <p:cTn id="40" presetID="42" presetClass="entr" presetSubtype="0" fill="hold" grpId="0" nodeType="clickEffect">
+                                  <p:stCondLst>
+                                    <p:cond delay="0"/>
+                                  </p:stCondLst>
+                                  <p:childTnLst>
+                                    <p:set>
+                                      <p:cBhvr>
+                                        <p:cTn id="41" dur="1" fill="hold">
+                                          <p:stCondLst>
+                                            <p:cond delay="0"/>
+                                          </p:stCondLst>
+                                        </p:cTn>
+                                        <p:tgtEl>
+                                          <p:spTgt spid="4">
+                                            <p:txEl>
+                                              <p:pRg st="1" end="1"/>
+                                            </p:txEl>
+                                          </p:spTgt>
+                                        </p:tgtEl>
+                                        <p:attrNameLst>
+                                          <p:attrName>style.visibility</p:attrName>
+                                        </p:attrNameLst>
+                                      </p:cBhvr>
+                                      <p:to>
+                                        <p:strVal val="visible"/>
+                                      </p:to>
+                                    </p:set>
+                                    <p:animEffect transition="in" filter="fade">
+                                      <p:cBhvr>
+                                        <p:cTn id="42" dur="1000"/>
+                                        <p:tgtEl>
+                                          <p:spTgt spid="4">
+                                            <p:txEl>
+                                              <p:pRg st="1" end="1"/>
+                                            </p:txEl>
+                                          </p:spTgt>
+                                        </p:tgtEl>
+                                      </p:cBhvr>
+                                    </p:animEffect>
+                                    <p:anim calcmode="lin" valueType="num">
+                                      <p:cBhvr>
+                                        <p:cTn id="43" dur="1000" fill="hold"/>
+                                        <p:tgtEl>
+                                          <p:spTgt spid="4">
+                                            <p:txEl>
+                                              <p:pRg st="1" end="1"/>
+                                            </p:txEl>
+                                          </p:spTgt>
+                                        </p:tgtEl>
+                                        <p:attrNameLst>
+                                          <p:attrName>ppt_x</p:attrName>
+                                        </p:attrNameLst>
+                                      </p:cBhvr>
+                                      <p:tavLst>
+                                        <p:tav tm="0">
+                                          <p:val>
+                                            <p:strVal val="#ppt_x"/>
+                                          </p:val>
+                                        </p:tav>
+                                        <p:tav tm="100000">
+                                          <p:val>
+                                            <p:strVal val="#ppt_x"/>
+                                          </p:val>
+                                        </p:tav>
+                                      </p:tavLst>
+                                    </p:anim>
+                                    <p:anim calcmode="lin" valueType="num">
+                                      <p:cBhvr>
+                                        <p:cTn id="44" dur="1000" fill="hold"/>
+                                        <p:tgtEl>
+                                          <p:spTgt spid="4">
+                                            <p:txEl>
+                                              <p:pRg st="1" end="1"/>
+                                            </p:txEl>
+                                          </p:spTgt>
+                                        </p:tgtEl>
+                                        <p:attrNameLst>
+                                          <p:attrName>ppt_y</p:attrName>
+                                        </p:attrNameLst>
+                                      </p:cBhvr>
+                                      <p:tavLst>
+                                        <p:tav tm="0">
+                                          <p:val>
+                                            <p:strVal val="#ppt_y+.1"/>
+                                          </p:val>
+                                        </p:tav>
+                                        <p:tav tm="100000">
+                                          <p:val>
+                                            <p:strVal val="#ppt_y"/>
+                                          </p:val>
+                                        </p:tav>
+                                      </p:tavLst>
+                                    </p:anim>
+                                  </p:childTnLst>
+                                </p:cTn>
+                              </p:par>
+                            </p:childTnLst>
+                          </p:cTn>
+                        </p:par>
+                      </p:childTnLst>
+                    </p:cTn>
+                  </p:par>
+                </p:childTnLst>
+              </p:cTn>
+              <p:prevCondLst>
+                <p:cond evt="onPrev" delay="0">
+                  <p:tgtEl>
+                    <p:sldTgt/>
+                  </p:tgtEl>
+                </p:cond>
+              </p:prevCondLst>
+              <p:nextCondLst>
+                <p:cond evt="onNext" delay="0">
+                  <p:tgtEl>
+                    <p:sldTgt/>
+                  </p:tgtEl>
+                </p:cond>
+              </p:nextCondLst>
+            </p:seq>
+          </p:childTnLst>
+        </p:cTn>
+      </p:par>
+    </p:tnLst>
+    <p:bldLst>
+      <p:bldP spid="3" grpId="0" build="p"/>
+      <p:bldP spid="4" grpId="0" build="p"/>
+    </p:bldLst>
+  </p:timing>
+</p:sld>
+</file>
+
+<file path=ppt/slides/slide13.xml><?xml version="1.0" encoding="utf-8"?>
+<p:sld xmlns:a="http://schemas.openxmlformats.org/drawingml/2006/main" xmlns:r="http://schemas.openxmlformats.org/officeDocument/2006/relationships" xmlns:p="http://schemas.openxmlformats.org/presentationml/2006/main">
+  <p:cSld>
+    <p:spTree>
+      <p:nvGrpSpPr>
+        <p:cNvPr id="1" name=""/>
+        <p:cNvGrpSpPr/>
+        <p:nvPr/>
+      </p:nvGrpSpPr>
+      <p:grpSpPr>
+        <a:xfrm>
+          <a:off x="0" y="0"/>
+          <a:ext cx="0" cy="0"/>
+          <a:chOff x="0" y="0"/>
+          <a:chExt cx="0" cy="0"/>
+        </a:xfrm>
+      </p:grpSpPr>
+      <p:sp>
+        <p:nvSpPr>
+          <p:cNvPr id="2" name="Title 1">
+            <a:extLst>
+              <a:ext uri="{FF2B5EF4-FFF2-40B4-BE49-F238E27FC236}">
+                <a16:creationId xmlns:a16="http://schemas.microsoft.com/office/drawing/2014/main" id="{C06DC4FA-49BE-4168-A447-2AB4A7212545}"/>
+              </a:ext>
+            </a:extLst>
+          </p:cNvPr>
+          <p:cNvSpPr>
+            <a:spLocks noGrp="1"/>
+          </p:cNvSpPr>
+          <p:nvPr>
+            <p:ph type="title"/>
+          </p:nvPr>
+        </p:nvSpPr>
+        <p:spPr/>
+        <p:txBody>
+          <a:bodyPr/>
+          <a:lstStyle/>
+          <a:p>
+            <a:r>
+              <a:rPr lang="en-US" dirty="0"/>
+              <a:t>12.Deploying Micro services</a:t>
+            </a:r>
+          </a:p>
+        </p:txBody>
+      </p:sp>
+      <p:sp>
+        <p:nvSpPr>
+          <p:cNvPr id="3" name="Content Placeholder 2">
+            <a:extLst>
+              <a:ext uri="{FF2B5EF4-FFF2-40B4-BE49-F238E27FC236}">
+                <a16:creationId xmlns:a16="http://schemas.microsoft.com/office/drawing/2014/main" id="{8745D21E-31B2-4E1D-B399-79FE473C5620}"/>
+              </a:ext>
+            </a:extLst>
+          </p:cNvPr>
+          <p:cNvSpPr>
+            <a:spLocks noGrp="1"/>
+          </p:cNvSpPr>
+          <p:nvPr>
+            <p:ph idx="1"/>
+          </p:nvPr>
+        </p:nvSpPr>
+        <p:spPr/>
+        <p:txBody>
+          <a:bodyPr/>
+          <a:lstStyle/>
+          <a:p>
+            <a:pPr>
+              <a:buFont typeface="Courier New" panose="02070309020205020404" pitchFamily="49" charset="0"/>
+              <a:buChar char="o"/>
+            </a:pPr>
+            <a:r>
+              <a:rPr lang="en-US" dirty="0"/>
+              <a:t>Benefits - language-specific package</a:t>
+            </a:r>
+          </a:p>
+          <a:p>
+            <a:pPr>
+              <a:buFont typeface="Courier New" panose="02070309020205020404" pitchFamily="49" charset="0"/>
+              <a:buChar char="o"/>
+            </a:pPr>
+            <a:r>
+              <a:rPr lang="en-US" dirty="0"/>
+              <a:t>Drawbacks - language-specific package</a:t>
+            </a:r>
+          </a:p>
+          <a:p>
+            <a:pPr>
+              <a:buFont typeface="Courier New" panose="02070309020205020404" pitchFamily="49" charset="0"/>
+              <a:buChar char="o"/>
+            </a:pPr>
+            <a:r>
+              <a:rPr lang="en-US" dirty="0"/>
+              <a:t>Benefits – as VMs</a:t>
+            </a:r>
+          </a:p>
+          <a:p>
+            <a:pPr>
+              <a:buFont typeface="Courier New" panose="02070309020205020404" pitchFamily="49" charset="0"/>
+              <a:buChar char="o"/>
+            </a:pPr>
+            <a:r>
+              <a:rPr lang="en-US" dirty="0"/>
+              <a:t>Drawbacks – as VMs</a:t>
+            </a:r>
+          </a:p>
+          <a:p>
+            <a:pPr>
+              <a:buFont typeface="Courier New" panose="02070309020205020404" pitchFamily="49" charset="0"/>
+              <a:buChar char="o"/>
+            </a:pPr>
+            <a:r>
+              <a:rPr lang="en-US" dirty="0"/>
+              <a:t>Deploying services using Docker</a:t>
+            </a:r>
+          </a:p>
+          <a:p>
+            <a:pPr>
+              <a:buFont typeface="Courier New" panose="02070309020205020404" pitchFamily="49" charset="0"/>
+              <a:buChar char="o"/>
+            </a:pPr>
+            <a:r>
+              <a:rPr lang="en-US" dirty="0"/>
+              <a:t>Benefits of deploying as containers.</a:t>
+            </a:r>
+          </a:p>
+          <a:p>
+            <a:pPr>
+              <a:buFont typeface="Courier New" panose="02070309020205020404" pitchFamily="49" charset="0"/>
+              <a:buChar char="o"/>
+            </a:pPr>
+            <a:r>
+              <a:rPr lang="en-US" dirty="0"/>
+              <a:t>Drawbacks of deploying as containers.</a:t>
+            </a:r>
+          </a:p>
+        </p:txBody>
+      </p:sp>
+      <p:sp>
+        <p:nvSpPr>
+          <p:cNvPr id="4" name="Text Placeholder 3">
+            <a:extLst>
+              <a:ext uri="{FF2B5EF4-FFF2-40B4-BE49-F238E27FC236}">
+                <a16:creationId xmlns:a16="http://schemas.microsoft.com/office/drawing/2014/main" id="{5C691FAF-8EFC-4447-B8E6-0293604C19E9}"/>
+              </a:ext>
+            </a:extLst>
+          </p:cNvPr>
+          <p:cNvSpPr>
+            <a:spLocks noGrp="1"/>
+          </p:cNvSpPr>
+          <p:nvPr>
+            <p:ph type="body" sz="half" idx="2"/>
+          </p:nvPr>
+        </p:nvSpPr>
+        <p:spPr/>
+        <p:txBody>
+          <a:bodyPr/>
+          <a:lstStyle/>
+          <a:p>
+            <a:endParaRPr lang="en-US" dirty="0"/>
+          </a:p>
+          <a:p>
+            <a:pPr marL="285750" indent="-285750" algn="l">
+              <a:buFont typeface="Arial" panose="020B0604020202020204" pitchFamily="34" charset="0"/>
+              <a:buChar char="•"/>
+            </a:pPr>
+            <a:r>
+              <a:rPr lang="en-US" dirty="0"/>
+              <a:t>Deploying services using language specific packaging format pattern</a:t>
+            </a:r>
+          </a:p>
+          <a:p>
+            <a:pPr marL="285750" indent="-285750" algn="l">
+              <a:buFont typeface="Arial" panose="020B0604020202020204" pitchFamily="34" charset="0"/>
+              <a:buChar char="•"/>
+            </a:pPr>
+            <a:r>
+              <a:rPr lang="en-US" dirty="0"/>
+              <a:t>Virtual machine pattern</a:t>
+            </a:r>
+          </a:p>
+          <a:p>
+            <a:pPr marL="285750" indent="-285750" algn="l">
+              <a:buFont typeface="Arial" panose="020B0604020202020204" pitchFamily="34" charset="0"/>
+              <a:buChar char="•"/>
+            </a:pPr>
+            <a:r>
+              <a:rPr lang="en-US" dirty="0"/>
+              <a:t>Container pattern</a:t>
+            </a:r>
+          </a:p>
+          <a:p>
+            <a:pPr marL="285750" indent="-285750" algn="l">
+              <a:buFont typeface="Arial" panose="020B0604020202020204" pitchFamily="34" charset="0"/>
+              <a:buChar char="•"/>
+            </a:pPr>
+            <a:endParaRPr lang="en-US" dirty="0"/>
+          </a:p>
+        </p:txBody>
+      </p:sp>
+    </p:spTree>
+    <p:extLst>
+      <p:ext uri="{BB962C8B-B14F-4D97-AF65-F5344CB8AC3E}">
+        <p14:creationId xmlns:p14="http://schemas.microsoft.com/office/powerpoint/2010/main" val="3199986404"/>
+      </p:ext>
+    </p:extLst>
+  </p:cSld>
+  <p:clrMapOvr>
+    <a:masterClrMapping/>
+  </p:clrMapOvr>
+  <p:timing>
+    <p:tnLst>
+      <p:par>
+        <p:cTn id="1" dur="indefinite" restart="never" nodeType="tmRoot">
+          <p:childTnLst>
+            <p:seq concurrent="1" nextAc="seek">
+              <p:cTn id="2" dur="indefinite" nodeType="mainSeq">
+                <p:childTnLst>
+                  <p:par>
+                    <p:cTn id="3" fill="hold">
+                      <p:stCondLst>
+                        <p:cond delay="indefinite"/>
+                      </p:stCondLst>
+                      <p:childTnLst>
+                        <p:par>
+                          <p:cTn id="4" fill="hold">
+                            <p:stCondLst>
+                              <p:cond delay="0"/>
+                            </p:stCondLst>
+                            <p:childTnLst>
+                              <p:par>
+                                <p:cTn id="5" presetID="42" presetClass="entr" presetSubtype="0" fill="hold" grpId="0" nodeType="clickEffect">
+                                  <p:stCondLst>
+                                    <p:cond delay="0"/>
+                                  </p:stCondLst>
+                                  <p:childTnLst>
+                                    <p:set>
+                                      <p:cBhvr>
+                                        <p:cTn id="6" dur="1" fill="hold">
+                                          <p:stCondLst>
+                                            <p:cond delay="0"/>
+                                          </p:stCondLst>
+                                        </p:cTn>
+                                        <p:tgtEl>
+                                          <p:spTgt spid="4">
+                                            <p:txEl>
+                                              <p:pRg st="1" end="1"/>
+                                            </p:txEl>
+                                          </p:spTgt>
+                                        </p:tgtEl>
+                                        <p:attrNameLst>
+                                          <p:attrName>style.visibility</p:attrName>
+                                        </p:attrNameLst>
+                                      </p:cBhvr>
+                                      <p:to>
+                                        <p:strVal val="visible"/>
+                                      </p:to>
+                                    </p:set>
+                                    <p:animEffect transition="in" filter="fade">
+                                      <p:cBhvr>
+                                        <p:cTn id="7" dur="1000"/>
+                                        <p:tgtEl>
+                                          <p:spTgt spid="4">
+                                            <p:txEl>
+                                              <p:pRg st="1" end="1"/>
+                                            </p:txEl>
+                                          </p:spTgt>
+                                        </p:tgtEl>
+                                      </p:cBhvr>
+                                    </p:animEffect>
+                                    <p:anim calcmode="lin" valueType="num">
+                                      <p:cBhvr>
+                                        <p:cTn id="8" dur="1000" fill="hold"/>
+                                        <p:tgtEl>
+                                          <p:spTgt spid="4">
+                                            <p:txEl>
+                                              <p:pRg st="1" end="1"/>
+                                            </p:txEl>
+                                          </p:spTgt>
+                                        </p:tgtEl>
+                                        <p:attrNameLst>
+                                          <p:attrName>ppt_x</p:attrName>
+                                        </p:attrNameLst>
+                                      </p:cBhvr>
+                                      <p:tavLst>
+                                        <p:tav tm="0">
+                                          <p:val>
+                                            <p:strVal val="#ppt_x"/>
+                                          </p:val>
+                                        </p:tav>
+                                        <p:tav tm="100000">
+                                          <p:val>
+                                            <p:strVal val="#ppt_x"/>
+                                          </p:val>
+                                        </p:tav>
+                                      </p:tavLst>
+                                    </p:anim>
+                                    <p:anim calcmode="lin" valueType="num">
+                                      <p:cBhvr>
+                                        <p:cTn id="9" dur="1000" fill="hold"/>
+                                        <p:tgtEl>
+                                          <p:spTgt spid="4">
+                                            <p:txEl>
+                                              <p:pRg st="1" end="1"/>
+                                            </p:txEl>
+                                          </p:spTgt>
+                                        </p:tgtEl>
+                                        <p:attrNameLst>
+                                          <p:attrName>ppt_y</p:attrName>
+                                        </p:attrNameLst>
+                                      </p:cBhvr>
+                                      <p:tavLst>
+                                        <p:tav tm="0">
+                                          <p:val>
+                                            <p:strVal val="#ppt_y+.1"/>
+                                          </p:val>
+                                        </p:tav>
+                                        <p:tav tm="100000">
+                                          <p:val>
+                                            <p:strVal val="#ppt_y"/>
+                                          </p:val>
+                                        </p:tav>
+                                      </p:tavLst>
+                                    </p:anim>
+                                  </p:childTnLst>
+                                </p:cTn>
+                              </p:par>
+                            </p:childTnLst>
+                          </p:cTn>
+                        </p:par>
+                      </p:childTnLst>
+                    </p:cTn>
+                  </p:par>
+                  <p:par>
+                    <p:cTn id="10" fill="hold">
+                      <p:stCondLst>
+                        <p:cond delay="indefinite"/>
+                      </p:stCondLst>
+                      <p:childTnLst>
+                        <p:par>
+                          <p:cTn id="11" fill="hold">
+                            <p:stCondLst>
+                              <p:cond delay="0"/>
+                            </p:stCondLst>
+                            <p:childTnLst>
+                              <p:par>
+                                <p:cTn id="12" presetID="42" presetClass="entr" presetSubtype="0" fill="hold" grpId="0" nodeType="clickEffect">
+                                  <p:stCondLst>
+                                    <p:cond delay="0"/>
+                                  </p:stCondLst>
+                                  <p:childTnLst>
+                                    <p:set>
+                                      <p:cBhvr>
+                                        <p:cTn id="13" dur="1" fill="hold">
+                                          <p:stCondLst>
+                                            <p:cond delay="0"/>
+                                          </p:stCondLst>
+                                        </p:cTn>
+                                        <p:tgtEl>
+                                          <p:spTgt spid="3">
+                                            <p:txEl>
+                                              <p:pRg st="0" end="0"/>
+                                            </p:txEl>
+                                          </p:spTgt>
+                                        </p:tgtEl>
+                                        <p:attrNameLst>
+                                          <p:attrName>style.visibility</p:attrName>
+                                        </p:attrNameLst>
+                                      </p:cBhvr>
+                                      <p:to>
+                                        <p:strVal val="visible"/>
+                                      </p:to>
+                                    </p:set>
+                                    <p:animEffect transition="in" filter="fade">
+                                      <p:cBhvr>
+                                        <p:cTn id="14" dur="1000"/>
+                                        <p:tgtEl>
+                                          <p:spTgt spid="3">
+                                            <p:txEl>
+                                              <p:pRg st="0" end="0"/>
+                                            </p:txEl>
+                                          </p:spTgt>
+                                        </p:tgtEl>
+                                      </p:cBhvr>
+                                    </p:animEffect>
+                                    <p:anim calcmode="lin" valueType="num">
+                                      <p:cBhvr>
+                                        <p:cTn id="15" dur="1000" fill="hold"/>
+                                        <p:tgtEl>
+                                          <p:spTgt spid="3">
+                                            <p:txEl>
+                                              <p:pRg st="0" end="0"/>
+                                            </p:txEl>
+                                          </p:spTgt>
+                                        </p:tgtEl>
+                                        <p:attrNameLst>
+                                          <p:attrName>ppt_x</p:attrName>
+                                        </p:attrNameLst>
+                                      </p:cBhvr>
+                                      <p:tavLst>
+                                        <p:tav tm="0">
+                                          <p:val>
+                                            <p:strVal val="#ppt_x"/>
+                                          </p:val>
+                                        </p:tav>
+                                        <p:tav tm="100000">
+                                          <p:val>
+                                            <p:strVal val="#ppt_x"/>
+                                          </p:val>
+                                        </p:tav>
+                                      </p:tavLst>
+                                    </p:anim>
+                                    <p:anim calcmode="lin" valueType="num">
+                                      <p:cBhvr>
+                                        <p:cTn id="16" dur="1000" fill="hold"/>
+                                        <p:tgtEl>
+                                          <p:spTgt spid="3">
+                                            <p:txEl>
+                                              <p:pRg st="0" end="0"/>
+                                            </p:txEl>
+                                          </p:spTgt>
+                                        </p:tgtEl>
+                                        <p:attrNameLst>
+                                          <p:attrName>ppt_y</p:attrName>
+                                        </p:attrNameLst>
+                                      </p:cBhvr>
+                                      <p:tavLst>
+                                        <p:tav tm="0">
+                                          <p:val>
+                                            <p:strVal val="#ppt_y+.1"/>
+                                          </p:val>
+                                        </p:tav>
+                                        <p:tav tm="100000">
+                                          <p:val>
+                                            <p:strVal val="#ppt_y"/>
+                                          </p:val>
+                                        </p:tav>
+                                      </p:tavLst>
+                                    </p:anim>
+                                  </p:childTnLst>
+                                </p:cTn>
+                              </p:par>
+                            </p:childTnLst>
+                          </p:cTn>
+                        </p:par>
+                      </p:childTnLst>
+                    </p:cTn>
+                  </p:par>
+                  <p:par>
+                    <p:cTn id="17" fill="hold">
+                      <p:stCondLst>
+                        <p:cond delay="indefinite"/>
+                      </p:stCondLst>
+                      <p:childTnLst>
+                        <p:par>
+                          <p:cTn id="18" fill="hold">
+                            <p:stCondLst>
+                              <p:cond delay="0"/>
+                            </p:stCondLst>
+                            <p:childTnLst>
+                              <p:par>
+                                <p:cTn id="19" presetID="42" presetClass="entr" presetSubtype="0" fill="hold" grpId="0" nodeType="clickEffect">
+                                  <p:stCondLst>
+                                    <p:cond delay="0"/>
+                                  </p:stCondLst>
+                                  <p:childTnLst>
+                                    <p:set>
+                                      <p:cBhvr>
+                                        <p:cTn id="20" dur="1" fill="hold">
+                                          <p:stCondLst>
+                                            <p:cond delay="0"/>
+                                          </p:stCondLst>
+                                        </p:cTn>
+                                        <p:tgtEl>
+                                          <p:spTgt spid="3">
+                                            <p:txEl>
+                                              <p:pRg st="1" end="1"/>
+                                            </p:txEl>
+                                          </p:spTgt>
+                                        </p:tgtEl>
+                                        <p:attrNameLst>
+                                          <p:attrName>style.visibility</p:attrName>
+                                        </p:attrNameLst>
+                                      </p:cBhvr>
+                                      <p:to>
+                                        <p:strVal val="visible"/>
+                                      </p:to>
+                                    </p:set>
+                                    <p:animEffect transition="in" filter="fade">
+                                      <p:cBhvr>
+                                        <p:cTn id="21" dur="1000"/>
+                                        <p:tgtEl>
+                                          <p:spTgt spid="3">
+                                            <p:txEl>
+                                              <p:pRg st="1" end="1"/>
+                                            </p:txEl>
+                                          </p:spTgt>
+                                        </p:tgtEl>
+                                      </p:cBhvr>
+                                    </p:animEffect>
+                                    <p:anim calcmode="lin" valueType="num">
+                                      <p:cBhvr>
+                                        <p:cTn id="22" dur="1000" fill="hold"/>
+                                        <p:tgtEl>
+                                          <p:spTgt spid="3">
+                                            <p:txEl>
+                                              <p:pRg st="1" end="1"/>
+                                            </p:txEl>
+                                          </p:spTgt>
+                                        </p:tgtEl>
+                                        <p:attrNameLst>
+                                          <p:attrName>ppt_x</p:attrName>
+                                        </p:attrNameLst>
+                                      </p:cBhvr>
+                                      <p:tavLst>
+                                        <p:tav tm="0">
+                                          <p:val>
+                                            <p:strVal val="#ppt_x"/>
+                                          </p:val>
+                                        </p:tav>
+                                        <p:tav tm="100000">
+                                          <p:val>
+                                            <p:strVal val="#ppt_x"/>
+                                          </p:val>
+                                        </p:tav>
+                                      </p:tavLst>
+                                    </p:anim>
+                                    <p:anim calcmode="lin" valueType="num">
+                                      <p:cBhvr>
+                                        <p:cTn id="23" dur="1000" fill="hold"/>
+                                        <p:tgtEl>
+                                          <p:spTgt spid="3">
+                                            <p:txEl>
+                                              <p:pRg st="1" end="1"/>
+                                            </p:txEl>
+                                          </p:spTgt>
+                                        </p:tgtEl>
+                                        <p:attrNameLst>
+                                          <p:attrName>ppt_y</p:attrName>
+                                        </p:attrNameLst>
+                                      </p:cBhvr>
+                                      <p:tavLst>
+                                        <p:tav tm="0">
+                                          <p:val>
+                                            <p:strVal val="#ppt_y+.1"/>
+                                          </p:val>
+                                        </p:tav>
+                                        <p:tav tm="100000">
+                                          <p:val>
+                                            <p:strVal val="#ppt_y"/>
+                                          </p:val>
+                                        </p:tav>
+                                      </p:tavLst>
+                                    </p:anim>
+                                  </p:childTnLst>
+                                </p:cTn>
+                              </p:par>
+                            </p:childTnLst>
+                          </p:cTn>
+                        </p:par>
+                      </p:childTnLst>
+                    </p:cTn>
+                  </p:par>
+                  <p:par>
+                    <p:cTn id="24" fill="hold">
+                      <p:stCondLst>
+                        <p:cond delay="indefinite"/>
+                      </p:stCondLst>
+                      <p:childTnLst>
+                        <p:par>
+                          <p:cTn id="25" fill="hold">
+                            <p:stCondLst>
+                              <p:cond delay="0"/>
+                            </p:stCondLst>
+                            <p:childTnLst>
+                              <p:par>
+                                <p:cTn id="26" presetID="42" presetClass="entr" presetSubtype="0" fill="hold" grpId="0" nodeType="clickEffect">
+                                  <p:stCondLst>
+                                    <p:cond delay="0"/>
+                                  </p:stCondLst>
+                                  <p:childTnLst>
+                                    <p:set>
+                                      <p:cBhvr>
+                                        <p:cTn id="27" dur="1" fill="hold">
+                                          <p:stCondLst>
+                                            <p:cond delay="0"/>
+                                          </p:stCondLst>
+                                        </p:cTn>
+                                        <p:tgtEl>
+                                          <p:spTgt spid="4">
+                                            <p:txEl>
+                                              <p:pRg st="2" end="2"/>
+                                            </p:txEl>
+                                          </p:spTgt>
+                                        </p:tgtEl>
+                                        <p:attrNameLst>
+                                          <p:attrName>style.visibility</p:attrName>
+                                        </p:attrNameLst>
+                                      </p:cBhvr>
+                                      <p:to>
+                                        <p:strVal val="visible"/>
+                                      </p:to>
+                                    </p:set>
+                                    <p:animEffect transition="in" filter="fade">
+                                      <p:cBhvr>
+                                        <p:cTn id="28" dur="1000"/>
+                                        <p:tgtEl>
+                                          <p:spTgt spid="4">
+                                            <p:txEl>
+                                              <p:pRg st="2" end="2"/>
+                                            </p:txEl>
+                                          </p:spTgt>
+                                        </p:tgtEl>
+                                      </p:cBhvr>
+                                    </p:animEffect>
+                                    <p:anim calcmode="lin" valueType="num">
+                                      <p:cBhvr>
+                                        <p:cTn id="29" dur="1000" fill="hold"/>
+                                        <p:tgtEl>
+                                          <p:spTgt spid="4">
+                                            <p:txEl>
+                                              <p:pRg st="2" end="2"/>
+                                            </p:txEl>
+                                          </p:spTgt>
+                                        </p:tgtEl>
+                                        <p:attrNameLst>
+                                          <p:attrName>ppt_x</p:attrName>
+                                        </p:attrNameLst>
+                                      </p:cBhvr>
+                                      <p:tavLst>
+                                        <p:tav tm="0">
+                                          <p:val>
+                                            <p:strVal val="#ppt_x"/>
+                                          </p:val>
+                                        </p:tav>
+                                        <p:tav tm="100000">
+                                          <p:val>
+                                            <p:strVal val="#ppt_x"/>
+                                          </p:val>
+                                        </p:tav>
+                                      </p:tavLst>
+                                    </p:anim>
+                                    <p:anim calcmode="lin" valueType="num">
+                                      <p:cBhvr>
+                                        <p:cTn id="30" dur="1000" fill="hold"/>
+                                        <p:tgtEl>
+                                          <p:spTgt spid="4">
+                                            <p:txEl>
+                                              <p:pRg st="2" end="2"/>
+                                            </p:txEl>
+                                          </p:spTgt>
+                                        </p:tgtEl>
+                                        <p:attrNameLst>
+                                          <p:attrName>ppt_y</p:attrName>
+                                        </p:attrNameLst>
+                                      </p:cBhvr>
+                                      <p:tavLst>
+                                        <p:tav tm="0">
+                                          <p:val>
+                                            <p:strVal val="#ppt_y+.1"/>
+                                          </p:val>
+                                        </p:tav>
+                                        <p:tav tm="100000">
+                                          <p:val>
+                                            <p:strVal val="#ppt_y"/>
+                                          </p:val>
+                                        </p:tav>
+                                      </p:tavLst>
+                                    </p:anim>
+                                  </p:childTnLst>
+                                </p:cTn>
+                              </p:par>
+                            </p:childTnLst>
+                          </p:cTn>
+                        </p:par>
+                      </p:childTnLst>
+                    </p:cTn>
+                  </p:par>
+                  <p:par>
+                    <p:cTn id="31" fill="hold">
+                      <p:stCondLst>
+                        <p:cond delay="indefinite"/>
+                      </p:stCondLst>
+                      <p:childTnLst>
+                        <p:par>
+                          <p:cTn id="32" fill="hold">
+                            <p:stCondLst>
+                              <p:cond delay="0"/>
+                            </p:stCondLst>
+                            <p:childTnLst>
+                              <p:par>
+                                <p:cTn id="33" presetID="42" presetClass="entr" presetSubtype="0" fill="hold" grpId="0" nodeType="clickEffect">
+                                  <p:stCondLst>
+                                    <p:cond delay="0"/>
+                                  </p:stCondLst>
+                                  <p:childTnLst>
+                                    <p:set>
+                                      <p:cBhvr>
+                                        <p:cTn id="34" dur="1" fill="hold">
+                                          <p:stCondLst>
+                                            <p:cond delay="0"/>
+                                          </p:stCondLst>
+                                        </p:cTn>
+                                        <p:tgtEl>
+                                          <p:spTgt spid="3">
+                                            <p:txEl>
+                                              <p:pRg st="2" end="2"/>
+                                            </p:txEl>
+                                          </p:spTgt>
+                                        </p:tgtEl>
+                                        <p:attrNameLst>
+                                          <p:attrName>style.visibility</p:attrName>
+                                        </p:attrNameLst>
+                                      </p:cBhvr>
+                                      <p:to>
+                                        <p:strVal val="visible"/>
+                                      </p:to>
+                                    </p:set>
+                                    <p:animEffect transition="in" filter="fade">
+                                      <p:cBhvr>
+                                        <p:cTn id="35" dur="1000"/>
+                                        <p:tgtEl>
+                                          <p:spTgt spid="3">
+                                            <p:txEl>
+                                              <p:pRg st="2" end="2"/>
+                                            </p:txEl>
+                                          </p:spTgt>
+                                        </p:tgtEl>
+                                      </p:cBhvr>
+                                    </p:animEffect>
+                                    <p:anim calcmode="lin" valueType="num">
+                                      <p:cBhvr>
+                                        <p:cTn id="36" dur="1000" fill="hold"/>
+                                        <p:tgtEl>
+                                          <p:spTgt spid="3">
+                                            <p:txEl>
+                                              <p:pRg st="2" end="2"/>
+                                            </p:txEl>
+                                          </p:spTgt>
+                                        </p:tgtEl>
+                                        <p:attrNameLst>
+                                          <p:attrName>ppt_x</p:attrName>
+                                        </p:attrNameLst>
+                                      </p:cBhvr>
+                                      <p:tavLst>
+                                        <p:tav tm="0">
+                                          <p:val>
+                                            <p:strVal val="#ppt_x"/>
+                                          </p:val>
+                                        </p:tav>
+                                        <p:tav tm="100000">
+                                          <p:val>
+                                            <p:strVal val="#ppt_x"/>
+                                          </p:val>
+                                        </p:tav>
+                                      </p:tavLst>
+                                    </p:anim>
+                                    <p:anim calcmode="lin" valueType="num">
+                                      <p:cBhvr>
+                                        <p:cTn id="37" dur="1000" fill="hold"/>
+                                        <p:tgtEl>
+                                          <p:spTgt spid="3">
+                                            <p:txEl>
+                                              <p:pRg st="2" end="2"/>
+                                            </p:txEl>
+                                          </p:spTgt>
+                                        </p:tgtEl>
+                                        <p:attrNameLst>
+                                          <p:attrName>ppt_y</p:attrName>
+                                        </p:attrNameLst>
+                                      </p:cBhvr>
+                                      <p:tavLst>
+                                        <p:tav tm="0">
+                                          <p:val>
+                                            <p:strVal val="#ppt_y+.1"/>
+                                          </p:val>
+                                        </p:tav>
+                                        <p:tav tm="100000">
+                                          <p:val>
+                                            <p:strVal val="#ppt_y"/>
+                                          </p:val>
+                                        </p:tav>
+                                      </p:tavLst>
+                                    </p:anim>
+                                  </p:childTnLst>
+                                </p:cTn>
+                              </p:par>
+                            </p:childTnLst>
+                          </p:cTn>
+                        </p:par>
+                      </p:childTnLst>
+                    </p:cTn>
+                  </p:par>
+                  <p:par>
+                    <p:cTn id="38" fill="hold">
+                      <p:stCondLst>
+                        <p:cond delay="indefinite"/>
+                      </p:stCondLst>
+                      <p:childTnLst>
+                        <p:par>
+                          <p:cTn id="39" fill="hold">
+                            <p:stCondLst>
+                              <p:cond delay="0"/>
+                            </p:stCondLst>
+                            <p:childTnLst>
+                              <p:par>
+                                <p:cTn id="40" presetID="42" presetClass="entr" presetSubtype="0" fill="hold" grpId="0" nodeType="clickEffect">
+                                  <p:stCondLst>
+                                    <p:cond delay="0"/>
+                                  </p:stCondLst>
+                                  <p:childTnLst>
+                                    <p:set>
+                                      <p:cBhvr>
+                                        <p:cTn id="41" dur="1" fill="hold">
+                                          <p:stCondLst>
+                                            <p:cond delay="0"/>
+                                          </p:stCondLst>
+                                        </p:cTn>
+                                        <p:tgtEl>
+                                          <p:spTgt spid="3">
+                                            <p:txEl>
+                                              <p:pRg st="3" end="3"/>
+                                            </p:txEl>
+                                          </p:spTgt>
+                                        </p:tgtEl>
+                                        <p:attrNameLst>
+                                          <p:attrName>style.visibility</p:attrName>
+                                        </p:attrNameLst>
+                                      </p:cBhvr>
+                                      <p:to>
+                                        <p:strVal val="visible"/>
+                                      </p:to>
+                                    </p:set>
+                                    <p:animEffect transition="in" filter="fade">
+                                      <p:cBhvr>
+                                        <p:cTn id="42" dur="1000"/>
+                                        <p:tgtEl>
+                                          <p:spTgt spid="3">
+                                            <p:txEl>
+                                              <p:pRg st="3" end="3"/>
+                                            </p:txEl>
+                                          </p:spTgt>
+                                        </p:tgtEl>
+                                      </p:cBhvr>
+                                    </p:animEffect>
+                                    <p:anim calcmode="lin" valueType="num">
+                                      <p:cBhvr>
+                                        <p:cTn id="43" dur="1000" fill="hold"/>
+                                        <p:tgtEl>
+                                          <p:spTgt spid="3">
+                                            <p:txEl>
+                                              <p:pRg st="3" end="3"/>
+                                            </p:txEl>
+                                          </p:spTgt>
+                                        </p:tgtEl>
+                                        <p:attrNameLst>
+                                          <p:attrName>ppt_x</p:attrName>
+                                        </p:attrNameLst>
+                                      </p:cBhvr>
+                                      <p:tavLst>
+                                        <p:tav tm="0">
+                                          <p:val>
+                                            <p:strVal val="#ppt_x"/>
+                                          </p:val>
+                                        </p:tav>
+                                        <p:tav tm="100000">
+                                          <p:val>
+                                            <p:strVal val="#ppt_x"/>
+                                          </p:val>
+                                        </p:tav>
+                                      </p:tavLst>
+                                    </p:anim>
+                                    <p:anim calcmode="lin" valueType="num">
+                                      <p:cBhvr>
+                                        <p:cTn id="44" dur="1000" fill="hold"/>
+                                        <p:tgtEl>
+                                          <p:spTgt spid="3">
+                                            <p:txEl>
+                                              <p:pRg st="3" end="3"/>
+                                            </p:txEl>
+                                          </p:spTgt>
+                                        </p:tgtEl>
+                                        <p:attrNameLst>
+                                          <p:attrName>ppt_y</p:attrName>
+                                        </p:attrNameLst>
+                                      </p:cBhvr>
+                                      <p:tavLst>
+                                        <p:tav tm="0">
+                                          <p:val>
+                                            <p:strVal val="#ppt_y+.1"/>
+                                          </p:val>
+                                        </p:tav>
+                                        <p:tav tm="100000">
+                                          <p:val>
+                                            <p:strVal val="#ppt_y"/>
+                                          </p:val>
+                                        </p:tav>
+                                      </p:tavLst>
+                                    </p:anim>
+                                  </p:childTnLst>
+                                </p:cTn>
+                              </p:par>
+                            </p:childTnLst>
+                          </p:cTn>
+                        </p:par>
+                      </p:childTnLst>
+                    </p:cTn>
+                  </p:par>
+                  <p:par>
+                    <p:cTn id="45" fill="hold">
+                      <p:stCondLst>
+                        <p:cond delay="indefinite"/>
+                      </p:stCondLst>
+                      <p:childTnLst>
+                        <p:par>
+                          <p:cTn id="46" fill="hold">
+                            <p:stCondLst>
+                              <p:cond delay="0"/>
+                            </p:stCondLst>
+                            <p:childTnLst>
+                              <p:par>
+                                <p:cTn id="47" presetID="42" presetClass="entr" presetSubtype="0" fill="hold" grpId="0" nodeType="clickEffect">
+                                  <p:stCondLst>
+                                    <p:cond delay="0"/>
+                                  </p:stCondLst>
+                                  <p:childTnLst>
+                                    <p:set>
+                                      <p:cBhvr>
+                                        <p:cTn id="48" dur="1" fill="hold">
+                                          <p:stCondLst>
+                                            <p:cond delay="0"/>
+                                          </p:stCondLst>
+                                        </p:cTn>
+                                        <p:tgtEl>
+                                          <p:spTgt spid="4">
+                                            <p:txEl>
+                                              <p:pRg st="3" end="3"/>
+                                            </p:txEl>
+                                          </p:spTgt>
+                                        </p:tgtEl>
+                                        <p:attrNameLst>
+                                          <p:attrName>style.visibility</p:attrName>
+                                        </p:attrNameLst>
+                                      </p:cBhvr>
+                                      <p:to>
+                                        <p:strVal val="visible"/>
+                                      </p:to>
+                                    </p:set>
+                                    <p:animEffect transition="in" filter="fade">
+                                      <p:cBhvr>
+                                        <p:cTn id="49" dur="1000"/>
+                                        <p:tgtEl>
+                                          <p:spTgt spid="4">
+                                            <p:txEl>
+                                              <p:pRg st="3" end="3"/>
+                                            </p:txEl>
+                                          </p:spTgt>
+                                        </p:tgtEl>
+                                      </p:cBhvr>
+                                    </p:animEffect>
+                                    <p:anim calcmode="lin" valueType="num">
+                                      <p:cBhvr>
+                                        <p:cTn id="50" dur="1000" fill="hold"/>
+                                        <p:tgtEl>
+                                          <p:spTgt spid="4">
+                                            <p:txEl>
+                                              <p:pRg st="3" end="3"/>
+                                            </p:txEl>
+                                          </p:spTgt>
+                                        </p:tgtEl>
+                                        <p:attrNameLst>
+                                          <p:attrName>ppt_x</p:attrName>
+                                        </p:attrNameLst>
+                                      </p:cBhvr>
+                                      <p:tavLst>
+                                        <p:tav tm="0">
+                                          <p:val>
+                                            <p:strVal val="#ppt_x"/>
+                                          </p:val>
+                                        </p:tav>
+                                        <p:tav tm="100000">
+                                          <p:val>
+                                            <p:strVal val="#ppt_x"/>
+                                          </p:val>
+                                        </p:tav>
+                                      </p:tavLst>
+                                    </p:anim>
+                                    <p:anim calcmode="lin" valueType="num">
+                                      <p:cBhvr>
+                                        <p:cTn id="51" dur="1000" fill="hold"/>
+                                        <p:tgtEl>
+                                          <p:spTgt spid="4">
+                                            <p:txEl>
+                                              <p:pRg st="3" end="3"/>
+                                            </p:txEl>
+                                          </p:spTgt>
+                                        </p:tgtEl>
+                                        <p:attrNameLst>
+                                          <p:attrName>ppt_y</p:attrName>
+                                        </p:attrNameLst>
+                                      </p:cBhvr>
+                                      <p:tavLst>
+                                        <p:tav tm="0">
+                                          <p:val>
+                                            <p:strVal val="#ppt_y+.1"/>
+                                          </p:val>
+                                        </p:tav>
+                                        <p:tav tm="100000">
+                                          <p:val>
+                                            <p:strVal val="#ppt_y"/>
+                                          </p:val>
+                                        </p:tav>
+                                      </p:tavLst>
+                                    </p:anim>
+                                  </p:childTnLst>
+                                </p:cTn>
+                              </p:par>
+                            </p:childTnLst>
+                          </p:cTn>
+                        </p:par>
+                      </p:childTnLst>
+                    </p:cTn>
+                  </p:par>
+                  <p:par>
+                    <p:cTn id="52" fill="hold">
+                      <p:stCondLst>
+                        <p:cond delay="indefinite"/>
+                      </p:stCondLst>
+                      <p:childTnLst>
+                        <p:par>
+                          <p:cTn id="53" fill="hold">
+                            <p:stCondLst>
+                              <p:cond delay="0"/>
+                            </p:stCondLst>
+                            <p:childTnLst>
+                              <p:par>
+                                <p:cTn id="54" presetID="42" presetClass="entr" presetSubtype="0" fill="hold" grpId="0" nodeType="clickEffect">
+                                  <p:stCondLst>
+                                    <p:cond delay="0"/>
+                                  </p:stCondLst>
+                                  <p:childTnLst>
+                                    <p:set>
+                                      <p:cBhvr>
+                                        <p:cTn id="55" dur="1" fill="hold">
+                                          <p:stCondLst>
+                                            <p:cond delay="0"/>
+                                          </p:stCondLst>
+                                        </p:cTn>
+                                        <p:tgtEl>
+                                          <p:spTgt spid="3">
+                                            <p:txEl>
+                                              <p:pRg st="4" end="4"/>
+                                            </p:txEl>
+                                          </p:spTgt>
+                                        </p:tgtEl>
+                                        <p:attrNameLst>
+                                          <p:attrName>style.visibility</p:attrName>
+                                        </p:attrNameLst>
+                                      </p:cBhvr>
+                                      <p:to>
+                                        <p:strVal val="visible"/>
+                                      </p:to>
+                                    </p:set>
+                                    <p:animEffect transition="in" filter="fade">
+                                      <p:cBhvr>
+                                        <p:cTn id="56" dur="1000"/>
+                                        <p:tgtEl>
+                                          <p:spTgt spid="3">
+                                            <p:txEl>
+                                              <p:pRg st="4" end="4"/>
+                                            </p:txEl>
+                                          </p:spTgt>
+                                        </p:tgtEl>
+                                      </p:cBhvr>
+                                    </p:animEffect>
+                                    <p:anim calcmode="lin" valueType="num">
+                                      <p:cBhvr>
+                                        <p:cTn id="57" dur="1000" fill="hold"/>
+                                        <p:tgtEl>
+                                          <p:spTgt spid="3">
+                                            <p:txEl>
+                                              <p:pRg st="4" end="4"/>
+                                            </p:txEl>
+                                          </p:spTgt>
+                                        </p:tgtEl>
+                                        <p:attrNameLst>
+                                          <p:attrName>ppt_x</p:attrName>
+                                        </p:attrNameLst>
+                                      </p:cBhvr>
+                                      <p:tavLst>
+                                        <p:tav tm="0">
+                                          <p:val>
+                                            <p:strVal val="#ppt_x"/>
+                                          </p:val>
+                                        </p:tav>
+                                        <p:tav tm="100000">
+                                          <p:val>
+                                            <p:strVal val="#ppt_x"/>
+                                          </p:val>
+                                        </p:tav>
+                                      </p:tavLst>
+                                    </p:anim>
+                                    <p:anim calcmode="lin" valueType="num">
+                                      <p:cBhvr>
+                                        <p:cTn id="58" dur="1000" fill="hold"/>
+                                        <p:tgtEl>
+                                          <p:spTgt spid="3">
+                                            <p:txEl>
+                                              <p:pRg st="4" end="4"/>
+                                            </p:txEl>
+                                          </p:spTgt>
+                                        </p:tgtEl>
+                                        <p:attrNameLst>
+                                          <p:attrName>ppt_y</p:attrName>
+                                        </p:attrNameLst>
+                                      </p:cBhvr>
+                                      <p:tavLst>
+                                        <p:tav tm="0">
+                                          <p:val>
+                                            <p:strVal val="#ppt_y+.1"/>
+                                          </p:val>
+                                        </p:tav>
+                                        <p:tav tm="100000">
+                                          <p:val>
+                                            <p:strVal val="#ppt_y"/>
+                                          </p:val>
+                                        </p:tav>
+                                      </p:tavLst>
+                                    </p:anim>
+                                  </p:childTnLst>
+                                </p:cTn>
+                              </p:par>
+                            </p:childTnLst>
+                          </p:cTn>
+                        </p:par>
+                      </p:childTnLst>
+                    </p:cTn>
+                  </p:par>
+                  <p:par>
+                    <p:cTn id="59" fill="hold">
+                      <p:stCondLst>
+                        <p:cond delay="indefinite"/>
+                      </p:stCondLst>
+                      <p:childTnLst>
+                        <p:par>
+                          <p:cTn id="60" fill="hold">
+                            <p:stCondLst>
+                              <p:cond delay="0"/>
+                            </p:stCondLst>
+                            <p:childTnLst>
+                              <p:par>
+                                <p:cTn id="61" presetID="42" presetClass="entr" presetSubtype="0" fill="hold" grpId="0" nodeType="clickEffect">
+                                  <p:stCondLst>
+                                    <p:cond delay="0"/>
+                                  </p:stCondLst>
+                                  <p:childTnLst>
+                                    <p:set>
+                                      <p:cBhvr>
+                                        <p:cTn id="62" dur="1" fill="hold">
+                                          <p:stCondLst>
+                                            <p:cond delay="0"/>
+                                          </p:stCondLst>
+                                        </p:cTn>
+                                        <p:tgtEl>
+                                          <p:spTgt spid="3">
+                                            <p:txEl>
+                                              <p:pRg st="5" end="5"/>
+                                            </p:txEl>
+                                          </p:spTgt>
+                                        </p:tgtEl>
+                                        <p:attrNameLst>
+                                          <p:attrName>style.visibility</p:attrName>
+                                        </p:attrNameLst>
+                                      </p:cBhvr>
+                                      <p:to>
+                                        <p:strVal val="visible"/>
+                                      </p:to>
+                                    </p:set>
+                                    <p:animEffect transition="in" filter="fade">
+                                      <p:cBhvr>
+                                        <p:cTn id="63" dur="1000"/>
+                                        <p:tgtEl>
+                                          <p:spTgt spid="3">
+                                            <p:txEl>
+                                              <p:pRg st="5" end="5"/>
+                                            </p:txEl>
+                                          </p:spTgt>
+                                        </p:tgtEl>
+                                      </p:cBhvr>
+                                    </p:animEffect>
+                                    <p:anim calcmode="lin" valueType="num">
+                                      <p:cBhvr>
+                                        <p:cTn id="64" dur="1000" fill="hold"/>
+                                        <p:tgtEl>
+                                          <p:spTgt spid="3">
+                                            <p:txEl>
+                                              <p:pRg st="5" end="5"/>
+                                            </p:txEl>
+                                          </p:spTgt>
+                                        </p:tgtEl>
+                                        <p:attrNameLst>
+                                          <p:attrName>ppt_x</p:attrName>
+                                        </p:attrNameLst>
+                                      </p:cBhvr>
+                                      <p:tavLst>
+                                        <p:tav tm="0">
+                                          <p:val>
+                                            <p:strVal val="#ppt_x"/>
+                                          </p:val>
+                                        </p:tav>
+                                        <p:tav tm="100000">
+                                          <p:val>
+                                            <p:strVal val="#ppt_x"/>
+                                          </p:val>
+                                        </p:tav>
+                                      </p:tavLst>
+                                    </p:anim>
+                                    <p:anim calcmode="lin" valueType="num">
+                                      <p:cBhvr>
+                                        <p:cTn id="65" dur="1000" fill="hold"/>
+                                        <p:tgtEl>
+                                          <p:spTgt spid="3">
+                                            <p:txEl>
+                                              <p:pRg st="5" end="5"/>
+                                            </p:txEl>
+                                          </p:spTgt>
+                                        </p:tgtEl>
+                                        <p:attrNameLst>
+                                          <p:attrName>ppt_y</p:attrName>
+                                        </p:attrNameLst>
+                                      </p:cBhvr>
+                                      <p:tavLst>
+                                        <p:tav tm="0">
+                                          <p:val>
+                                            <p:strVal val="#ppt_y+.1"/>
+                                          </p:val>
+                                        </p:tav>
+                                        <p:tav tm="100000">
+                                          <p:val>
+                                            <p:strVal val="#ppt_y"/>
+                                          </p:val>
+                                        </p:tav>
+                                      </p:tavLst>
+                                    </p:anim>
+                                  </p:childTnLst>
+                                </p:cTn>
+                              </p:par>
+                            </p:childTnLst>
+                          </p:cTn>
+                        </p:par>
+                      </p:childTnLst>
+                    </p:cTn>
+                  </p:par>
+                  <p:par>
+                    <p:cTn id="66" fill="hold">
+                      <p:stCondLst>
+                        <p:cond delay="indefinite"/>
+                      </p:stCondLst>
+                      <p:childTnLst>
+                        <p:par>
+                          <p:cTn id="67" fill="hold">
+                            <p:stCondLst>
+                              <p:cond delay="0"/>
+                            </p:stCondLst>
+                            <p:childTnLst>
+                              <p:par>
+                                <p:cTn id="68" presetID="42" presetClass="entr" presetSubtype="0" fill="hold" grpId="0" nodeType="clickEffect">
+                                  <p:stCondLst>
+                                    <p:cond delay="0"/>
+                                  </p:stCondLst>
+                                  <p:childTnLst>
+                                    <p:set>
+                                      <p:cBhvr>
+                                        <p:cTn id="69" dur="1" fill="hold">
+                                          <p:stCondLst>
+                                            <p:cond delay="0"/>
+                                          </p:stCondLst>
+                                        </p:cTn>
+                                        <p:tgtEl>
+                                          <p:spTgt spid="3">
+                                            <p:txEl>
+                                              <p:pRg st="6" end="6"/>
+                                            </p:txEl>
+                                          </p:spTgt>
+                                        </p:tgtEl>
+                                        <p:attrNameLst>
+                                          <p:attrName>style.visibility</p:attrName>
+                                        </p:attrNameLst>
+                                      </p:cBhvr>
+                                      <p:to>
+                                        <p:strVal val="visible"/>
+                                      </p:to>
+                                    </p:set>
+                                    <p:animEffect transition="in" filter="fade">
+                                      <p:cBhvr>
+                                        <p:cTn id="70" dur="1000"/>
+                                        <p:tgtEl>
+                                          <p:spTgt spid="3">
+                                            <p:txEl>
+                                              <p:pRg st="6" end="6"/>
+                                            </p:txEl>
+                                          </p:spTgt>
+                                        </p:tgtEl>
+                                      </p:cBhvr>
+                                    </p:animEffect>
+                                    <p:anim calcmode="lin" valueType="num">
+                                      <p:cBhvr>
+                                        <p:cTn id="71" dur="1000" fill="hold"/>
+                                        <p:tgtEl>
+                                          <p:spTgt spid="3">
+                                            <p:txEl>
+                                              <p:pRg st="6" end="6"/>
+                                            </p:txEl>
+                                          </p:spTgt>
+                                        </p:tgtEl>
+                                        <p:attrNameLst>
+                                          <p:attrName>ppt_x</p:attrName>
+                                        </p:attrNameLst>
+                                      </p:cBhvr>
+                                      <p:tavLst>
+                                        <p:tav tm="0">
+                                          <p:val>
+                                            <p:strVal val="#ppt_x"/>
+                                          </p:val>
+                                        </p:tav>
+                                        <p:tav tm="100000">
+                                          <p:val>
+                                            <p:strVal val="#ppt_x"/>
+                                          </p:val>
+                                        </p:tav>
+                                      </p:tavLst>
+                                    </p:anim>
+                                    <p:anim calcmode="lin" valueType="num">
+                                      <p:cBhvr>
+                                        <p:cTn id="72" dur="1000" fill="hold"/>
+                                        <p:tgtEl>
+                                          <p:spTgt spid="3">
+                                            <p:txEl>
+                                              <p:pRg st="6" end="6"/>
+                                            </p:txEl>
+                                          </p:spTgt>
+                                        </p:tgtEl>
+                                        <p:attrNameLst>
+                                          <p:attrName>ppt_y</p:attrName>
+                                        </p:attrNameLst>
+                                      </p:cBhvr>
+                                      <p:tavLst>
+                                        <p:tav tm="0">
+                                          <p:val>
+                                            <p:strVal val="#ppt_y+.1"/>
+                                          </p:val>
+                                        </p:tav>
+                                        <p:tav tm="100000">
+                                          <p:val>
+                                            <p:strVal val="#ppt_y"/>
+                                          </p:val>
+                                        </p:tav>
+                                      </p:tavLst>
+                                    </p:anim>
+                                  </p:childTnLst>
+                                </p:cTn>
+                              </p:par>
+                            </p:childTnLst>
+                          </p:cTn>
+                        </p:par>
+                      </p:childTnLst>
+                    </p:cTn>
+                  </p:par>
+                </p:childTnLst>
+              </p:cTn>
+              <p:prevCondLst>
+                <p:cond evt="onPrev" delay="0">
+                  <p:tgtEl>
+                    <p:sldTgt/>
+                  </p:tgtEl>
+                </p:cond>
+              </p:prevCondLst>
+              <p:nextCondLst>
+                <p:cond evt="onNext" delay="0">
+                  <p:tgtEl>
+                    <p:sldTgt/>
+                  </p:tgtEl>
+                </p:cond>
+              </p:nextCondLst>
+            </p:seq>
+          </p:childTnLst>
+        </p:cTn>
+      </p:par>
+    </p:tnLst>
+    <p:bldLst>
+      <p:bldP spid="3" grpId="0" uiExpand="1" build="p"/>
+      <p:bldP spid="4" grpId="0" uiExpand="1" build="p"/>
+    </p:bldLst>
+  </p:timing>
+</p:sld>
+</file>
+
+<file path=ppt/slides/slide14.xml><?xml version="1.0" encoding="utf-8"?>
+<p:sld xmlns:a="http://schemas.openxmlformats.org/drawingml/2006/main" xmlns:r="http://schemas.openxmlformats.org/officeDocument/2006/relationships" xmlns:p="http://schemas.openxmlformats.org/presentationml/2006/main">
+  <p:cSld>
+    <p:spTree>
+      <p:nvGrpSpPr>
+        <p:cNvPr id="1" name=""/>
+        <p:cNvGrpSpPr/>
+        <p:nvPr/>
+      </p:nvGrpSpPr>
+      <p:grpSpPr>
+        <a:xfrm>
+          <a:off x="0" y="0"/>
+          <a:ext cx="0" cy="0"/>
+          <a:chOff x="0" y="0"/>
+          <a:chExt cx="0" cy="0"/>
+        </a:xfrm>
+      </p:grpSpPr>
+      <p:sp>
+        <p:nvSpPr>
+          <p:cNvPr id="2" name="Title 1">
+            <a:extLst>
+              <a:ext uri="{FF2B5EF4-FFF2-40B4-BE49-F238E27FC236}">
+                <a16:creationId xmlns:a16="http://schemas.microsoft.com/office/drawing/2014/main" id="{D8B05D10-66FC-4E85-9F40-791C4FD81DFD}"/>
+              </a:ext>
+            </a:extLst>
+          </p:cNvPr>
+          <p:cNvSpPr>
+            <a:spLocks noGrp="1"/>
+          </p:cNvSpPr>
+          <p:nvPr>
+            <p:ph type="title"/>
+          </p:nvPr>
+        </p:nvSpPr>
+        <p:spPr/>
+        <p:txBody>
+          <a:bodyPr/>
+          <a:lstStyle/>
+          <a:p>
+            <a:r>
+              <a:rPr lang="en-US" dirty="0"/>
+              <a:t>12. Deploying services </a:t>
+            </a:r>
+            <a:br>
+              <a:rPr lang="en-US" dirty="0"/>
+            </a:br>
+            <a:r>
+              <a:rPr lang="en-US" dirty="0"/>
+              <a:t>( example)</a:t>
+            </a:r>
+          </a:p>
+        </p:txBody>
+      </p:sp>
+      <p:sp>
+        <p:nvSpPr>
+          <p:cNvPr id="3" name="Content Placeholder 2">
+            <a:extLst>
+              <a:ext uri="{FF2B5EF4-FFF2-40B4-BE49-F238E27FC236}">
+                <a16:creationId xmlns:a16="http://schemas.microsoft.com/office/drawing/2014/main" id="{AFCDED3F-9F7E-4503-9B8C-0EF0AA236773}"/>
+              </a:ext>
+            </a:extLst>
+          </p:cNvPr>
+          <p:cNvSpPr>
+            <a:spLocks noGrp="1"/>
+          </p:cNvSpPr>
+          <p:nvPr>
+            <p:ph idx="1"/>
+          </p:nvPr>
+        </p:nvSpPr>
+        <p:spPr/>
+        <p:txBody>
+          <a:bodyPr/>
+          <a:lstStyle/>
+          <a:p>
+            <a:r>
+              <a:rPr lang="en-US" dirty="0"/>
+              <a:t>Overview of Kubernetes</a:t>
+            </a:r>
+          </a:p>
+          <a:p>
+            <a:r>
+              <a:rPr lang="en-US" dirty="0"/>
+              <a:t>Deploying sample service on Kubernetes</a:t>
+            </a:r>
+          </a:p>
+          <a:p>
+            <a:r>
+              <a:rPr lang="en-US" dirty="0"/>
+              <a:t>Deploying API gateway</a:t>
+            </a:r>
+          </a:p>
+          <a:p>
+            <a:r>
+              <a:rPr lang="en-US" dirty="0"/>
+              <a:t>Zero-downtime deployments.</a:t>
+            </a:r>
+          </a:p>
+          <a:p>
+            <a:r>
+              <a:rPr lang="en-US" dirty="0"/>
+              <a:t>Using a service mesh to separate deployment from release.</a:t>
+            </a:r>
+          </a:p>
+          <a:p>
+            <a:pPr marL="0" indent="0">
+              <a:buNone/>
+            </a:pPr>
+            <a:endParaRPr lang="en-US" dirty="0"/>
+          </a:p>
+        </p:txBody>
+      </p:sp>
+      <p:sp>
+        <p:nvSpPr>
+          <p:cNvPr id="4" name="Text Placeholder 3">
+            <a:extLst>
+              <a:ext uri="{FF2B5EF4-FFF2-40B4-BE49-F238E27FC236}">
+                <a16:creationId xmlns:a16="http://schemas.microsoft.com/office/drawing/2014/main" id="{7BD70DA7-58AB-4D92-B52B-C162A8353963}"/>
+              </a:ext>
+            </a:extLst>
+          </p:cNvPr>
+          <p:cNvSpPr>
+            <a:spLocks noGrp="1"/>
+          </p:cNvSpPr>
+          <p:nvPr>
+            <p:ph type="body" sz="half" idx="2"/>
+          </p:nvPr>
+        </p:nvSpPr>
+        <p:spPr/>
+        <p:txBody>
+          <a:bodyPr/>
+          <a:lstStyle/>
+          <a:p>
+            <a:pPr marL="285750" indent="-285750" algn="l">
+              <a:buFont typeface="Arial" panose="020B0604020202020204" pitchFamily="34" charset="0"/>
+              <a:buChar char="•"/>
+            </a:pPr>
+            <a:r>
+              <a:rPr lang="en-US" dirty="0"/>
+              <a:t>Deploying sample application with Kubernetes</a:t>
+            </a:r>
+          </a:p>
+          <a:p>
+            <a:pPr marL="285750" indent="-285750" algn="l">
+              <a:buFont typeface="Arial" panose="020B0604020202020204" pitchFamily="34" charset="0"/>
+              <a:buChar char="•"/>
+            </a:pPr>
+            <a:r>
+              <a:rPr lang="en-US" dirty="0"/>
+              <a:t>Using Serverless deployment pattern</a:t>
+            </a:r>
+          </a:p>
+          <a:p>
+            <a:pPr marL="285750" indent="-285750" algn="l">
+              <a:buFont typeface="Arial" panose="020B0604020202020204" pitchFamily="34" charset="0"/>
+              <a:buChar char="•"/>
+            </a:pPr>
+            <a:r>
+              <a:rPr lang="en-US" dirty="0"/>
+              <a:t>Using AWS Lambda and AWS gateway</a:t>
+            </a:r>
+          </a:p>
+        </p:txBody>
+      </p:sp>
+    </p:spTree>
+    <p:extLst>
+      <p:ext uri="{BB962C8B-B14F-4D97-AF65-F5344CB8AC3E}">
+        <p14:creationId xmlns:p14="http://schemas.microsoft.com/office/powerpoint/2010/main" val="3361128891"/>
+      </p:ext>
+    </p:extLst>
+  </p:cSld>
+  <p:clrMapOvr>
+    <a:masterClrMapping/>
+  </p:clrMapOvr>
+</p:sld>
+</file>
+
+<file path=ppt/slides/slide15.xml><?xml version="1.0" encoding="utf-8"?>
+<p:sld xmlns:a="http://schemas.openxmlformats.org/drawingml/2006/main" xmlns:r="http://schemas.openxmlformats.org/officeDocument/2006/relationships" xmlns:p="http://schemas.openxmlformats.org/presentationml/2006/main">
+  <p:cSld>
+    <p:spTree>
+      <p:nvGrpSpPr>
+        <p:cNvPr id="1" name=""/>
+        <p:cNvGrpSpPr/>
+        <p:nvPr/>
+      </p:nvGrpSpPr>
+      <p:grpSpPr>
+        <a:xfrm>
+          <a:off x="0" y="0"/>
+          <a:ext cx="0" cy="0"/>
+          <a:chOff x="0" y="0"/>
+          <a:chExt cx="0" cy="0"/>
+        </a:xfrm>
+      </p:grpSpPr>
+      <p:sp>
+        <p:nvSpPr>
+          <p:cNvPr id="2" name="Title 1">
+            <a:extLst>
+              <a:ext uri="{FF2B5EF4-FFF2-40B4-BE49-F238E27FC236}">
+                <a16:creationId xmlns:a16="http://schemas.microsoft.com/office/drawing/2014/main" id="{D8B05D10-66FC-4E85-9F40-791C4FD81DFD}"/>
+              </a:ext>
+            </a:extLst>
+          </p:cNvPr>
+          <p:cNvSpPr>
+            <a:spLocks noGrp="1"/>
+          </p:cNvSpPr>
+          <p:nvPr>
+            <p:ph type="title"/>
+          </p:nvPr>
+        </p:nvSpPr>
+        <p:spPr/>
+        <p:txBody>
+          <a:bodyPr/>
+          <a:lstStyle/>
+          <a:p>
+            <a:r>
+              <a:rPr lang="en-US" dirty="0"/>
+              <a:t>12. Deploying services </a:t>
+            </a:r>
+            <a:br>
+              <a:rPr lang="en-US" dirty="0"/>
+            </a:br>
+            <a:r>
+              <a:rPr lang="en-US" dirty="0"/>
+              <a:t>( example)</a:t>
+            </a:r>
+          </a:p>
+        </p:txBody>
+      </p:sp>
+      <p:sp>
+        <p:nvSpPr>
+          <p:cNvPr id="3" name="Content Placeholder 2">
+            <a:extLst>
+              <a:ext uri="{FF2B5EF4-FFF2-40B4-BE49-F238E27FC236}">
+                <a16:creationId xmlns:a16="http://schemas.microsoft.com/office/drawing/2014/main" id="{AFCDED3F-9F7E-4503-9B8C-0EF0AA236773}"/>
+              </a:ext>
+            </a:extLst>
+          </p:cNvPr>
+          <p:cNvSpPr>
+            <a:spLocks noGrp="1"/>
+          </p:cNvSpPr>
+          <p:nvPr>
+            <p:ph idx="1"/>
+          </p:nvPr>
+        </p:nvSpPr>
+        <p:spPr/>
+        <p:txBody>
+          <a:bodyPr>
+            <a:normAutofit lnSpcReduction="10000"/>
+          </a:bodyPr>
+          <a:lstStyle/>
+          <a:p>
+            <a:r>
+              <a:rPr lang="en-US" dirty="0"/>
+              <a:t>Using a service mesh to separate deployment from release.</a:t>
+            </a:r>
+          </a:p>
+          <a:p>
+            <a:r>
+              <a:rPr lang="en-US" dirty="0"/>
+              <a:t>Overview of serverless deployment with AWS lambda</a:t>
+            </a:r>
+          </a:p>
+          <a:p>
+            <a:r>
+              <a:rPr lang="en-US" dirty="0"/>
+              <a:t>Developing a lambda function</a:t>
+            </a:r>
+          </a:p>
+          <a:p>
+            <a:r>
+              <a:rPr lang="en-US" dirty="0"/>
+              <a:t>Invoking lambda function</a:t>
+            </a:r>
+          </a:p>
+          <a:p>
+            <a:r>
+              <a:rPr lang="en-US" dirty="0"/>
+              <a:t>Benefits of using lambda functions</a:t>
+            </a:r>
+          </a:p>
+          <a:p>
+            <a:r>
+              <a:rPr lang="en-US" dirty="0"/>
+              <a:t>Drawbacks of using Lambda functions.</a:t>
+            </a:r>
+          </a:p>
+          <a:p>
+            <a:r>
+              <a:rPr lang="en-US" dirty="0"/>
+              <a:t>Design of AWS lambda version of sample service</a:t>
+            </a:r>
+          </a:p>
+          <a:p>
+            <a:r>
+              <a:rPr lang="en-US" dirty="0"/>
+              <a:t>Packaging the service as Zip file</a:t>
+            </a:r>
+          </a:p>
+          <a:p>
+            <a:r>
+              <a:rPr lang="en-US" dirty="0"/>
+              <a:t>Deploying lambda function using serverless framework</a:t>
+            </a:r>
+          </a:p>
+          <a:p>
+            <a:pPr marL="0" indent="0">
+              <a:buNone/>
+            </a:pPr>
+            <a:endParaRPr lang="en-US" dirty="0"/>
+          </a:p>
+        </p:txBody>
+      </p:sp>
+      <p:sp>
+        <p:nvSpPr>
+          <p:cNvPr id="4" name="Text Placeholder 3">
+            <a:extLst>
+              <a:ext uri="{FF2B5EF4-FFF2-40B4-BE49-F238E27FC236}">
+                <a16:creationId xmlns:a16="http://schemas.microsoft.com/office/drawing/2014/main" id="{7BD70DA7-58AB-4D92-B52B-C162A8353963}"/>
+              </a:ext>
+            </a:extLst>
+          </p:cNvPr>
+          <p:cNvSpPr>
+            <a:spLocks noGrp="1"/>
+          </p:cNvSpPr>
+          <p:nvPr>
+            <p:ph type="body" sz="half" idx="2"/>
+          </p:nvPr>
+        </p:nvSpPr>
+        <p:spPr/>
+        <p:txBody>
+          <a:bodyPr/>
+          <a:lstStyle/>
+          <a:p>
+            <a:pPr marL="285750" indent="-285750" algn="l">
+              <a:buFont typeface="Arial" panose="020B0604020202020204" pitchFamily="34" charset="0"/>
+              <a:buChar char="•"/>
+            </a:pPr>
+            <a:r>
+              <a:rPr lang="en-US" dirty="0"/>
+              <a:t>Deploying sample application with Kubernetes</a:t>
+            </a:r>
+          </a:p>
+          <a:p>
+            <a:pPr marL="285750" indent="-285750" algn="l">
+              <a:buFont typeface="Arial" panose="020B0604020202020204" pitchFamily="34" charset="0"/>
+              <a:buChar char="•"/>
+            </a:pPr>
+            <a:r>
+              <a:rPr lang="en-US" dirty="0"/>
+              <a:t>Using Serverless deployment pattern</a:t>
+            </a:r>
+          </a:p>
+          <a:p>
+            <a:pPr marL="285750" indent="-285750" algn="l">
+              <a:buFont typeface="Arial" panose="020B0604020202020204" pitchFamily="34" charset="0"/>
+              <a:buChar char="•"/>
+            </a:pPr>
+            <a:r>
+              <a:rPr lang="en-US" dirty="0"/>
+              <a:t>Using AWS Lambda and AWS gateway</a:t>
+            </a:r>
+          </a:p>
+        </p:txBody>
+      </p:sp>
+    </p:spTree>
+    <p:extLst>
+      <p:ext uri="{BB962C8B-B14F-4D97-AF65-F5344CB8AC3E}">
+        <p14:creationId xmlns:p14="http://schemas.microsoft.com/office/powerpoint/2010/main" val="4047328001"/>
+      </p:ext>
+    </p:extLst>
+  </p:cSld>
+  <p:clrMapOvr>
+    <a:masterClrMapping/>
+  </p:clrMapOvr>
+</p:sld>
+</file>
+
+<file path=ppt/slides/slide16.xml><?xml version="1.0" encoding="utf-8"?>
+<p:sld xmlns:a="http://schemas.openxmlformats.org/drawingml/2006/main" xmlns:r="http://schemas.openxmlformats.org/officeDocument/2006/relationships" xmlns:p="http://schemas.openxmlformats.org/presentationml/2006/main">
+  <p:cSld>
+    <p:spTree>
+      <p:nvGrpSpPr>
+        <p:cNvPr id="1" name=""/>
+        <p:cNvGrpSpPr/>
+        <p:nvPr/>
+      </p:nvGrpSpPr>
+      <p:grpSpPr>
+        <a:xfrm>
+          <a:off x="0" y="0"/>
+          <a:ext cx="0" cy="0"/>
+          <a:chOff x="0" y="0"/>
+          <a:chExt cx="0" cy="0"/>
+        </a:xfrm>
+      </p:grpSpPr>
+      <p:sp>
+        <p:nvSpPr>
+          <p:cNvPr id="2" name="Title 1">
+            <a:extLst>
+              <a:ext uri="{FF2B5EF4-FFF2-40B4-BE49-F238E27FC236}">
+                <a16:creationId xmlns:a16="http://schemas.microsoft.com/office/drawing/2014/main" id="{D8B05D10-66FC-4E85-9F40-791C4FD81DFD}"/>
+              </a:ext>
+            </a:extLst>
+          </p:cNvPr>
+          <p:cNvSpPr>
+            <a:spLocks noGrp="1"/>
+          </p:cNvSpPr>
+          <p:nvPr>
+            <p:ph type="title"/>
+          </p:nvPr>
+        </p:nvSpPr>
+        <p:spPr/>
+        <p:txBody>
+          <a:bodyPr/>
+          <a:lstStyle/>
+          <a:p>
+            <a:r>
+              <a:rPr lang="en-US" dirty="0"/>
+              <a:t>13.Refactoring to Microservices</a:t>
+            </a:r>
+          </a:p>
+        </p:txBody>
+      </p:sp>
+      <p:sp>
+        <p:nvSpPr>
+          <p:cNvPr id="3" name="Content Placeholder 2">
+            <a:extLst>
+              <a:ext uri="{FF2B5EF4-FFF2-40B4-BE49-F238E27FC236}">
+                <a16:creationId xmlns:a16="http://schemas.microsoft.com/office/drawing/2014/main" id="{AFCDED3F-9F7E-4503-9B8C-0EF0AA236773}"/>
+              </a:ext>
+            </a:extLst>
+          </p:cNvPr>
+          <p:cNvSpPr>
+            <a:spLocks noGrp="1"/>
+          </p:cNvSpPr>
+          <p:nvPr>
+            <p:ph idx="1"/>
+          </p:nvPr>
+        </p:nvSpPr>
+        <p:spPr/>
+        <p:txBody>
+          <a:bodyPr/>
+          <a:lstStyle/>
+          <a:p>
+            <a:r>
+              <a:rPr lang="en-US" dirty="0"/>
+              <a:t>1.2. Strangling the monolith</a:t>
+            </a:r>
+          </a:p>
+          <a:p>
+            <a:r>
+              <a:rPr lang="en-US" dirty="0"/>
+              <a:t>2.1.Implement new features as services</a:t>
+            </a:r>
+          </a:p>
+          <a:p>
+            <a:r>
+              <a:rPr lang="en-US" dirty="0"/>
+              <a:t>2.2.Separate presentation tier from the backend</a:t>
+            </a:r>
+          </a:p>
+          <a:p>
+            <a:r>
+              <a:rPr lang="en-US" dirty="0"/>
+              <a:t>2.3.Extract business capabilities into services</a:t>
+            </a:r>
+          </a:p>
+          <a:p>
+            <a:r>
+              <a:rPr lang="en-US" dirty="0"/>
+              <a:t>3.1.Designing the integration glue</a:t>
+            </a:r>
+          </a:p>
+          <a:p>
+            <a:r>
+              <a:rPr lang="en-US" dirty="0"/>
+              <a:t>3.2.Maintaining data consistency across a service and a monolith</a:t>
+            </a:r>
+          </a:p>
+          <a:p>
+            <a:r>
+              <a:rPr lang="en-US" dirty="0"/>
+              <a:t>5.4.Handling authentication and authorization.</a:t>
+            </a:r>
+          </a:p>
+          <a:p>
+            <a:r>
+              <a:rPr lang="en-US" dirty="0"/>
+              <a:t>5.5.Changing the monolith to interact with delivery service</a:t>
+            </a:r>
+          </a:p>
+          <a:p>
+            <a:pPr marL="0" indent="0">
+              <a:buNone/>
+            </a:pPr>
+            <a:endParaRPr lang="en-US" dirty="0"/>
+          </a:p>
+        </p:txBody>
+      </p:sp>
+      <p:sp>
+        <p:nvSpPr>
+          <p:cNvPr id="4" name="Text Placeholder 3">
+            <a:extLst>
+              <a:ext uri="{FF2B5EF4-FFF2-40B4-BE49-F238E27FC236}">
+                <a16:creationId xmlns:a16="http://schemas.microsoft.com/office/drawing/2014/main" id="{7BD70DA7-58AB-4D92-B52B-C162A8353963}"/>
+              </a:ext>
+            </a:extLst>
+          </p:cNvPr>
+          <p:cNvSpPr>
+            <a:spLocks noGrp="1"/>
+          </p:cNvSpPr>
+          <p:nvPr>
+            <p:ph type="body" sz="half" idx="2"/>
+          </p:nvPr>
+        </p:nvSpPr>
+        <p:spPr/>
+        <p:txBody>
+          <a:bodyPr>
+            <a:normAutofit fontScale="92500" lnSpcReduction="20000"/>
+          </a:bodyPr>
+          <a:lstStyle/>
+          <a:p>
+            <a:pPr marL="285750" indent="-285750" algn="l">
+              <a:buFont typeface="Arial" panose="020B0604020202020204" pitchFamily="34" charset="0"/>
+              <a:buChar char="•"/>
+            </a:pPr>
+            <a:r>
+              <a:rPr lang="en-US" dirty="0"/>
+              <a:t>1.Overview of refactoring to microservices</a:t>
+            </a:r>
+          </a:p>
+          <a:p>
+            <a:pPr marL="285750" indent="-285750" algn="l">
+              <a:buFont typeface="Arial" panose="020B0604020202020204" pitchFamily="34" charset="0"/>
+              <a:buChar char="•"/>
+            </a:pPr>
+            <a:r>
+              <a:rPr lang="en-US" dirty="0"/>
+              <a:t>2.Strategies for refactoring a monolith to microservices</a:t>
+            </a:r>
+          </a:p>
+          <a:p>
+            <a:pPr marL="285750" indent="-285750" algn="l">
+              <a:buFont typeface="Arial" panose="020B0604020202020204" pitchFamily="34" charset="0"/>
+              <a:buChar char="•"/>
+            </a:pPr>
+            <a:r>
+              <a:rPr lang="en-US" dirty="0"/>
+              <a:t>3.Designing how service and monolith collaborate</a:t>
+            </a:r>
+          </a:p>
+          <a:p>
+            <a:pPr marL="285750" indent="-285750" algn="l">
+              <a:buFont typeface="Arial" panose="020B0604020202020204" pitchFamily="34" charset="0"/>
+              <a:buChar char="•"/>
+            </a:pPr>
+            <a:r>
+              <a:rPr lang="en-US" dirty="0"/>
+              <a:t>4. Implementing a new feature as a service </a:t>
+            </a:r>
+          </a:p>
+          <a:p>
+            <a:pPr marL="285750" indent="-285750" algn="l">
+              <a:buFont typeface="Arial" panose="020B0604020202020204" pitchFamily="34" charset="0"/>
+              <a:buChar char="•"/>
+            </a:pPr>
+            <a:r>
+              <a:rPr lang="en-US" dirty="0"/>
+              <a:t>5. Breaking apart the monolith</a:t>
+            </a:r>
+          </a:p>
+        </p:txBody>
+      </p:sp>
+    </p:spTree>
+    <p:extLst>
+      <p:ext uri="{BB962C8B-B14F-4D97-AF65-F5344CB8AC3E}">
+        <p14:creationId xmlns:p14="http://schemas.microsoft.com/office/powerpoint/2010/main" val="4173377585"/>
+      </p:ext>
+    </p:extLst>
+  </p:cSld>
+  <p:clrMapOvr>
+    <a:masterClrMapping/>
+  </p:clrMapOvr>
+</p:sld>
+</file>
+
+<file path=ppt/slides/slide17.xml><?xml version="1.0" encoding="utf-8"?>
+<p:sld xmlns:a="http://schemas.openxmlformats.org/drawingml/2006/main" xmlns:r="http://schemas.openxmlformats.org/officeDocument/2006/relationships" xmlns:p="http://schemas.openxmlformats.org/presentationml/2006/main">
+  <p:cSld>
+    <p:spTree>
+      <p:nvGrpSpPr>
+        <p:cNvPr id="1" name=""/>
+        <p:cNvGrpSpPr/>
+        <p:nvPr/>
+      </p:nvGrpSpPr>
+      <p:grpSpPr>
+        <a:xfrm>
+          <a:off x="0" y="0"/>
+          <a:ext cx="0" cy="0"/>
+          <a:chOff x="0" y="0"/>
+          <a:chExt cx="0" cy="0"/>
+        </a:xfrm>
+      </p:grpSpPr>
+      <p:sp>
+        <p:nvSpPr>
+          <p:cNvPr id="2" name="Title 1">
+            <a:extLst>
+              <a:ext uri="{FF2B5EF4-FFF2-40B4-BE49-F238E27FC236}">
+                <a16:creationId xmlns:a16="http://schemas.microsoft.com/office/drawing/2014/main" id="{D8B05D10-66FC-4E85-9F40-791C4FD81DFD}"/>
+              </a:ext>
+            </a:extLst>
+          </p:cNvPr>
+          <p:cNvSpPr>
+            <a:spLocks noGrp="1"/>
+          </p:cNvSpPr>
+          <p:nvPr>
+            <p:ph type="title"/>
+          </p:nvPr>
+        </p:nvSpPr>
+        <p:spPr/>
+        <p:txBody>
+          <a:bodyPr/>
+          <a:lstStyle/>
+          <a:p>
+            <a:r>
+              <a:rPr lang="en-US" dirty="0"/>
+              <a:t>13.Refactoring to Microservices</a:t>
+            </a:r>
+          </a:p>
+        </p:txBody>
+      </p:sp>
+      <p:sp>
+        <p:nvSpPr>
+          <p:cNvPr id="3" name="Content Placeholder 2">
+            <a:extLst>
+              <a:ext uri="{FF2B5EF4-FFF2-40B4-BE49-F238E27FC236}">
+                <a16:creationId xmlns:a16="http://schemas.microsoft.com/office/drawing/2014/main" id="{AFCDED3F-9F7E-4503-9B8C-0EF0AA236773}"/>
+              </a:ext>
+            </a:extLst>
+          </p:cNvPr>
+          <p:cNvSpPr>
+            <a:spLocks noGrp="1"/>
+          </p:cNvSpPr>
+          <p:nvPr>
+            <p:ph idx="1"/>
+          </p:nvPr>
+        </p:nvSpPr>
+        <p:spPr/>
+        <p:txBody>
+          <a:bodyPr/>
+          <a:lstStyle/>
+          <a:p>
+            <a:r>
+              <a:rPr lang="en-US" dirty="0"/>
+              <a:t>1.1.Why refactor a monolith</a:t>
+            </a:r>
+          </a:p>
+          <a:p>
+            <a:r>
+              <a:rPr lang="en-US" dirty="0"/>
+              <a:t>4.1.The design of delayed delivery service</a:t>
+            </a:r>
+          </a:p>
+          <a:p>
+            <a:r>
+              <a:rPr lang="en-US" dirty="0"/>
+              <a:t>4.2. Designing the integration glue for delayed delivery service</a:t>
+            </a:r>
+          </a:p>
+          <a:p>
+            <a:r>
+              <a:rPr lang="en-US" dirty="0"/>
+              <a:t>5.1.Overview of existing delivery management functionality.</a:t>
+            </a:r>
+          </a:p>
+          <a:p>
+            <a:r>
+              <a:rPr lang="en-US" dirty="0"/>
+              <a:t>5.2.Overview of delivery service.</a:t>
+            </a:r>
+          </a:p>
+          <a:p>
+            <a:r>
+              <a:rPr lang="en-US" dirty="0"/>
+              <a:t>5.3. Designing the delivery service domain model.</a:t>
+            </a:r>
+          </a:p>
+          <a:p>
+            <a:r>
+              <a:rPr lang="en-US" dirty="0"/>
+              <a:t>5.4.The design of the delivery service integration glue.</a:t>
+            </a:r>
+          </a:p>
+          <a:p>
+            <a:pPr marL="0" indent="0">
+              <a:buNone/>
+            </a:pPr>
+            <a:endParaRPr lang="en-US" dirty="0"/>
+          </a:p>
+        </p:txBody>
+      </p:sp>
+      <p:sp>
+        <p:nvSpPr>
+          <p:cNvPr id="4" name="Text Placeholder 3">
+            <a:extLst>
+              <a:ext uri="{FF2B5EF4-FFF2-40B4-BE49-F238E27FC236}">
+                <a16:creationId xmlns:a16="http://schemas.microsoft.com/office/drawing/2014/main" id="{7BD70DA7-58AB-4D92-B52B-C162A8353963}"/>
+              </a:ext>
+            </a:extLst>
+          </p:cNvPr>
+          <p:cNvSpPr>
+            <a:spLocks noGrp="1"/>
+          </p:cNvSpPr>
+          <p:nvPr>
+            <p:ph type="body" sz="half" idx="2"/>
+          </p:nvPr>
+        </p:nvSpPr>
+        <p:spPr/>
+        <p:txBody>
+          <a:bodyPr>
+            <a:normAutofit fontScale="92500" lnSpcReduction="20000"/>
+          </a:bodyPr>
+          <a:lstStyle/>
+          <a:p>
+            <a:pPr marL="285750" indent="-285750" algn="l">
+              <a:buFont typeface="Arial" panose="020B0604020202020204" pitchFamily="34" charset="0"/>
+              <a:buChar char="•"/>
+            </a:pPr>
+            <a:r>
+              <a:rPr lang="en-US" dirty="0"/>
+              <a:t>1.Overview of refactoring to microservices</a:t>
+            </a:r>
+          </a:p>
+          <a:p>
+            <a:pPr marL="285750" indent="-285750" algn="l">
+              <a:buFont typeface="Arial" panose="020B0604020202020204" pitchFamily="34" charset="0"/>
+              <a:buChar char="•"/>
+            </a:pPr>
+            <a:r>
+              <a:rPr lang="en-US" dirty="0"/>
+              <a:t>2.Strategies for refactoring a monolith to microservices</a:t>
+            </a:r>
+          </a:p>
+          <a:p>
+            <a:pPr marL="285750" indent="-285750" algn="l">
+              <a:buFont typeface="Arial" panose="020B0604020202020204" pitchFamily="34" charset="0"/>
+              <a:buChar char="•"/>
+            </a:pPr>
+            <a:r>
+              <a:rPr lang="en-US" dirty="0"/>
+              <a:t>3.Designing how service and monolith collaborate</a:t>
+            </a:r>
+          </a:p>
+          <a:p>
+            <a:pPr marL="285750" indent="-285750" algn="l">
+              <a:buFont typeface="Arial" panose="020B0604020202020204" pitchFamily="34" charset="0"/>
+              <a:buChar char="•"/>
+            </a:pPr>
+            <a:r>
+              <a:rPr lang="en-US" dirty="0"/>
+              <a:t>4. Implementing a new feature as a service </a:t>
+            </a:r>
+          </a:p>
+          <a:p>
+            <a:pPr marL="285750" indent="-285750" algn="l">
+              <a:buFont typeface="Arial" panose="020B0604020202020204" pitchFamily="34" charset="0"/>
+              <a:buChar char="•"/>
+            </a:pPr>
+            <a:r>
+              <a:rPr lang="en-US" dirty="0"/>
+              <a:t>5. Breaking apart the monolith</a:t>
+            </a:r>
+          </a:p>
+        </p:txBody>
+      </p:sp>
+    </p:spTree>
+    <p:extLst>
+      <p:ext uri="{BB962C8B-B14F-4D97-AF65-F5344CB8AC3E}">
+        <p14:creationId xmlns:p14="http://schemas.microsoft.com/office/powerpoint/2010/main" val="4231169089"/>
+      </p:ext>
+    </p:extLst>
+  </p:cSld>
+  <p:clrMapOvr>
+    <a:masterClrMapping/>
+  </p:clrMapOvr>
+</p:sld>
+</file>
+
+<file path=ppt/slides/slide18.xml><?xml version="1.0" encoding="utf-8"?>
+<p:sld xmlns:a="http://schemas.openxmlformats.org/drawingml/2006/main" xmlns:r="http://schemas.openxmlformats.org/officeDocument/2006/relationships" xmlns:p="http://schemas.openxmlformats.org/presentationml/2006/main">
+  <p:cSld>
+    <p:spTree>
+      <p:nvGrpSpPr>
+        <p:cNvPr id="1" name=""/>
+        <p:cNvGrpSpPr/>
+        <p:nvPr/>
+      </p:nvGrpSpPr>
+      <p:grpSpPr>
+        <a:xfrm>
+          <a:off x="0" y="0"/>
+          <a:ext cx="0" cy="0"/>
+          <a:chOff x="0" y="0"/>
+          <a:chExt cx="0" cy="0"/>
+        </a:xfrm>
+      </p:grpSpPr>
+      <p:sp>
+        <p:nvSpPr>
+          <p:cNvPr id="2" name="Title 1">
+            <a:extLst>
+              <a:ext uri="{FF2B5EF4-FFF2-40B4-BE49-F238E27FC236}">
+                <a16:creationId xmlns:a16="http://schemas.microsoft.com/office/drawing/2014/main" id="{DF8B1A67-F6C6-4315-A1F6-F21B262EF344}"/>
+              </a:ext>
+            </a:extLst>
+          </p:cNvPr>
+          <p:cNvSpPr>
+            <a:spLocks noGrp="1"/>
+          </p:cNvSpPr>
+          <p:nvPr>
+            <p:ph type="title"/>
+          </p:nvPr>
+        </p:nvSpPr>
+        <p:spPr/>
+        <p:txBody>
+          <a:bodyPr/>
+          <a:lstStyle/>
+          <a:p>
+            <a:endParaRPr lang="en-US" dirty="0"/>
+          </a:p>
+        </p:txBody>
+      </p:sp>
+      <p:sp>
+        <p:nvSpPr>
+          <p:cNvPr id="3" name="Content Placeholder 2">
+            <a:extLst>
+              <a:ext uri="{FF2B5EF4-FFF2-40B4-BE49-F238E27FC236}">
+                <a16:creationId xmlns:a16="http://schemas.microsoft.com/office/drawing/2014/main" id="{4912518F-2856-43DD-B9C2-0583A57789CB}"/>
+              </a:ext>
+            </a:extLst>
+          </p:cNvPr>
+          <p:cNvSpPr>
+            <a:spLocks noGrp="1"/>
+          </p:cNvSpPr>
+          <p:nvPr>
+            <p:ph idx="1"/>
+          </p:nvPr>
+        </p:nvSpPr>
+        <p:spPr/>
+        <p:txBody>
+          <a:bodyPr/>
+          <a:lstStyle/>
+          <a:p>
+            <a:endParaRPr lang="en-US"/>
+          </a:p>
+        </p:txBody>
+      </p:sp>
+      <p:sp>
+        <p:nvSpPr>
+          <p:cNvPr id="4" name="Text Placeholder 3">
+            <a:extLst>
+              <a:ext uri="{FF2B5EF4-FFF2-40B4-BE49-F238E27FC236}">
+                <a16:creationId xmlns:a16="http://schemas.microsoft.com/office/drawing/2014/main" id="{CF314CB7-539D-4C7E-A029-31198F87740D}"/>
+              </a:ext>
+            </a:extLst>
+          </p:cNvPr>
+          <p:cNvSpPr>
+            <a:spLocks noGrp="1"/>
+          </p:cNvSpPr>
+          <p:nvPr>
+            <p:ph type="body" sz="half" idx="2"/>
+          </p:nvPr>
+        </p:nvSpPr>
+        <p:spPr/>
+        <p:txBody>
+          <a:bodyPr/>
+          <a:lstStyle/>
+          <a:p>
+            <a:endParaRPr lang="en-US"/>
+          </a:p>
+        </p:txBody>
+      </p:sp>
+    </p:spTree>
+    <p:extLst>
+      <p:ext uri="{BB962C8B-B14F-4D97-AF65-F5344CB8AC3E}">
+        <p14:creationId xmlns:p14="http://schemas.microsoft.com/office/powerpoint/2010/main" val="2954949395"/>
+      </p:ext>
+    </p:extLst>
+  </p:cSld>
+  <p:clrMapOvr>
+    <a:masterClrMapping/>
+  </p:clrMapOvr>
+</p:sld>
+</file>
+
 <file path=ppt/slides/slide2.xml><?xml version="1.0" encoding="utf-8"?>
 <p:sld xmlns:a="http://schemas.openxmlformats.org/drawingml/2006/main" xmlns:r="http://schemas.openxmlformats.org/officeDocument/2006/relationships" xmlns:p="http://schemas.openxmlformats.org/presentationml/2006/main">
   <p:cSld>
@@ -5663,21 +9719,135 @@
         </p:nvSpPr>
         <p:spPr/>
         <p:txBody>
+          <a:bodyPr>
+            <a:normAutofit fontScale="92500" lnSpcReduction="10000"/>
+          </a:bodyPr>
+          <a:lstStyle/>
+          <a:p>
+            <a:pPr marL="0" indent="0">
+              <a:buNone/>
+            </a:pPr>
+            <a:r>
+              <a:rPr lang="en-US" dirty="0"/>
+              <a:t>1.1. What is software architecture and why does it matter?</a:t>
+            </a:r>
+          </a:p>
+          <a:p>
+            <a:pPr marL="0" indent="0">
+              <a:buNone/>
+            </a:pPr>
+            <a:r>
+              <a:rPr lang="en-US" dirty="0"/>
+              <a:t>1.2. Overview of architectural styles</a:t>
+            </a:r>
+          </a:p>
+          <a:p>
+            <a:pPr marL="0" indent="0">
+              <a:buNone/>
+            </a:pPr>
+            <a:r>
+              <a:rPr lang="en-US" dirty="0"/>
+              <a:t>1.3. The microservice architecture is an architectural style</a:t>
+            </a:r>
+          </a:p>
+          <a:p>
+            <a:pPr marL="0" indent="0">
+              <a:buNone/>
+            </a:pPr>
+            <a:r>
+              <a:rPr lang="en-US" dirty="0"/>
+              <a:t>2.1.Identifying the system operations</a:t>
+            </a:r>
+          </a:p>
+          <a:p>
+            <a:pPr marL="0" indent="0">
+              <a:buNone/>
+            </a:pPr>
+            <a:r>
+              <a:rPr lang="en-US" dirty="0"/>
+              <a:t>2.2.Defining services - decompose by business capability pattern</a:t>
+            </a:r>
+          </a:p>
+          <a:p>
+            <a:pPr marL="0" indent="0">
+              <a:buNone/>
+            </a:pPr>
+            <a:r>
+              <a:rPr lang="en-US" dirty="0"/>
+              <a:t>2.3. Defining services – decompose by sub-domain pattern</a:t>
+            </a:r>
+          </a:p>
+          <a:p>
+            <a:pPr marL="0" indent="0">
+              <a:buNone/>
+            </a:pPr>
+            <a:r>
+              <a:rPr lang="en-US" dirty="0"/>
+              <a:t>2.4. Decomposition guidelines</a:t>
+            </a:r>
+          </a:p>
+          <a:p>
+            <a:pPr marL="0" indent="0">
+              <a:buNone/>
+            </a:pPr>
+            <a:r>
+              <a:rPr lang="en-US" dirty="0"/>
+              <a:t>2.5.Obstracles to decomposing an application into services.</a:t>
+            </a:r>
+          </a:p>
+          <a:p>
+            <a:pPr marL="0" indent="0">
+              <a:buNone/>
+            </a:pPr>
+            <a:endParaRPr lang="en-US" dirty="0"/>
+          </a:p>
+        </p:txBody>
+      </p:sp>
+      <p:sp>
+        <p:nvSpPr>
+          <p:cNvPr id="4" name="Text Placeholder 3">
+            <a:extLst>
+              <a:ext uri="{FF2B5EF4-FFF2-40B4-BE49-F238E27FC236}">
+                <a16:creationId xmlns:a16="http://schemas.microsoft.com/office/drawing/2014/main" id="{4C5F33F0-00C6-406A-B281-F0E57B89BD33}"/>
+              </a:ext>
+            </a:extLst>
+          </p:cNvPr>
+          <p:cNvSpPr>
+            <a:spLocks noGrp="1"/>
+          </p:cNvSpPr>
+          <p:nvPr>
+            <p:ph type="body" sz="half" idx="2"/>
+          </p:nvPr>
+        </p:nvSpPr>
+        <p:spPr/>
+        <p:txBody>
           <a:bodyPr/>
           <a:lstStyle/>
           <a:p>
+            <a:pPr marL="342900" indent="-342900" algn="l">
+              <a:buFont typeface="+mj-lt"/>
+              <a:buAutoNum type="arabicPeriod"/>
+            </a:pPr>
             <a:r>
               <a:rPr lang="en-US" dirty="0"/>
               <a:t>What is Microservices architecture exactly?</a:t>
             </a:r>
           </a:p>
           <a:p>
+            <a:pPr marL="342900" indent="-342900" algn="l">
+              <a:buFont typeface="+mj-lt"/>
+              <a:buAutoNum type="arabicPeriod"/>
+            </a:pPr>
             <a:r>
               <a:rPr lang="en-US" dirty="0"/>
               <a:t>Defining an application’s microservices architecture.</a:t>
             </a:r>
           </a:p>
           <a:p>
+            <a:pPr marL="285750" indent="-285750" algn="l">
+              <a:buFont typeface="Arial" panose="020B0604020202020204" pitchFamily="34" charset="0"/>
+              <a:buChar char="•"/>
+            </a:pPr>
             <a:endParaRPr lang="en-US" dirty="0"/>
           </a:p>
         </p:txBody>
@@ -5726,7 +9896,7 @@
                                           </p:stCondLst>
                                         </p:cTn>
                                         <p:tgtEl>
-                                          <p:spTgt spid="3">
+                                          <p:spTgt spid="4">
                                             <p:txEl>
                                               <p:pRg st="0" end="0"/>
                                             </p:txEl>
@@ -5744,7 +9914,7 @@
                                       <p:cBhvr>
                                         <p:cTn id="7" dur="1000"/>
                                         <p:tgtEl>
-                                          <p:spTgt spid="3">
+                                          <p:spTgt spid="4">
                                             <p:txEl>
                                               <p:pRg st="0" end="0"/>
                                             </p:txEl>
@@ -5756,7 +9926,7 @@
                                       <p:cBhvr>
                                         <p:cTn id="8" dur="1000" fill="hold"/>
                                         <p:tgtEl>
-                                          <p:spTgt spid="3">
+                                          <p:spTgt spid="4">
                                             <p:txEl>
                                               <p:pRg st="0" end="0"/>
                                             </p:txEl>
@@ -5783,7 +9953,7 @@
                                       <p:cBhvr>
                                         <p:cTn id="9" dur="1000" fill="hold"/>
                                         <p:tgtEl>
-                                          <p:spTgt spid="3">
+                                          <p:spTgt spid="4">
                                             <p:txEl>
                                               <p:pRg st="0" end="0"/>
                                             </p:txEl>
@@ -5843,7 +10013,7 @@
                                         <p:tgtEl>
                                           <p:spTgt spid="3">
                                             <p:txEl>
-                                              <p:pRg st="1" end="1"/>
+                                              <p:pRg st="0" end="0"/>
                                             </p:txEl>
                                           </p:spTgt>
                                         </p:tgtEl>
@@ -5861,7 +10031,7 @@
                                         <p:tgtEl>
                                           <p:spTgt spid="3">
                                             <p:txEl>
-                                              <p:pRg st="1" end="1"/>
+                                              <p:pRg st="0" end="0"/>
                                             </p:txEl>
                                           </p:spTgt>
                                         </p:tgtEl>
@@ -5873,7 +10043,7 @@
                                         <p:tgtEl>
                                           <p:spTgt spid="3">
                                             <p:txEl>
-                                              <p:pRg st="1" end="1"/>
+                                              <p:pRg st="0" end="0"/>
                                             </p:txEl>
                                           </p:spTgt>
                                         </p:tgtEl>
@@ -5900,7 +10070,927 @@
                                         <p:tgtEl>
                                           <p:spTgt spid="3">
                                             <p:txEl>
+                                              <p:pRg st="0" end="0"/>
+                                            </p:txEl>
+                                          </p:spTgt>
+                                        </p:tgtEl>
+                                        <p:attrNameLst>
+                                          <p:attrName>ppt_y</p:attrName>
+                                        </p:attrNameLst>
+                                      </p:cBhvr>
+                                      <p:tavLst>
+                                        <p:tav tm="0">
+                                          <p:val>
+                                            <p:strVal val="#ppt_y+.1"/>
+                                          </p:val>
+                                        </p:tav>
+                                        <p:tav tm="100000">
+                                          <p:val>
+                                            <p:strVal val="#ppt_y"/>
+                                          </p:val>
+                                        </p:tav>
+                                      </p:tavLst>
+                                    </p:anim>
+                                  </p:childTnLst>
+                                </p:cTn>
+                              </p:par>
+                            </p:childTnLst>
+                          </p:cTn>
+                        </p:par>
+                      </p:childTnLst>
+                    </p:cTn>
+                  </p:par>
+                  <p:par>
+                    <p:cTn id="17" fill="hold">
+                      <p:stCondLst>
+                        <p:cond delay="indefinite"/>
+                      </p:stCondLst>
+                      <p:childTnLst>
+                        <p:par>
+                          <p:cTn id="18" fill="hold">
+                            <p:stCondLst>
+                              <p:cond delay="0"/>
+                            </p:stCondLst>
+                            <p:childTnLst>
+                              <p:par>
+                                <p:cTn id="19" presetID="42" presetClass="entr" presetSubtype="0" fill="hold" grpId="0" nodeType="clickEffect">
+                                  <p:stCondLst>
+                                    <p:cond delay="0"/>
+                                  </p:stCondLst>
+                                  <p:childTnLst>
+                                    <p:set>
+                                      <p:cBhvr>
+                                        <p:cTn id="20" dur="1" fill="hold">
+                                          <p:stCondLst>
+                                            <p:cond delay="0"/>
+                                          </p:stCondLst>
+                                        </p:cTn>
+                                        <p:tgtEl>
+                                          <p:spTgt spid="3">
+                                            <p:txEl>
                                               <p:pRg st="1" end="1"/>
+                                            </p:txEl>
+                                          </p:spTgt>
+                                        </p:tgtEl>
+                                        <p:attrNameLst>
+                                          <p:attrName>style.visibility</p:attrName>
+                                        </p:attrNameLst>
+                                      </p:cBhvr>
+                                      <p:to>
+                                        <p:strVal val="visible"/>
+                                      </p:to>
+                                    </p:set>
+                                    <p:animEffect transition="in" filter="fade">
+                                      <p:cBhvr>
+                                        <p:cTn id="21" dur="1000"/>
+                                        <p:tgtEl>
+                                          <p:spTgt spid="3">
+                                            <p:txEl>
+                                              <p:pRg st="1" end="1"/>
+                                            </p:txEl>
+                                          </p:spTgt>
+                                        </p:tgtEl>
+                                      </p:cBhvr>
+                                    </p:animEffect>
+                                    <p:anim calcmode="lin" valueType="num">
+                                      <p:cBhvr>
+                                        <p:cTn id="22" dur="1000" fill="hold"/>
+                                        <p:tgtEl>
+                                          <p:spTgt spid="3">
+                                            <p:txEl>
+                                              <p:pRg st="1" end="1"/>
+                                            </p:txEl>
+                                          </p:spTgt>
+                                        </p:tgtEl>
+                                        <p:attrNameLst>
+                                          <p:attrName>ppt_x</p:attrName>
+                                        </p:attrNameLst>
+                                      </p:cBhvr>
+                                      <p:tavLst>
+                                        <p:tav tm="0">
+                                          <p:val>
+                                            <p:strVal val="#ppt_x"/>
+                                          </p:val>
+                                        </p:tav>
+                                        <p:tav tm="100000">
+                                          <p:val>
+                                            <p:strVal val="#ppt_x"/>
+                                          </p:val>
+                                        </p:tav>
+                                      </p:tavLst>
+                                    </p:anim>
+                                    <p:anim calcmode="lin" valueType="num">
+                                      <p:cBhvr>
+                                        <p:cTn id="23" dur="1000" fill="hold"/>
+                                        <p:tgtEl>
+                                          <p:spTgt spid="3">
+                                            <p:txEl>
+                                              <p:pRg st="1" end="1"/>
+                                            </p:txEl>
+                                          </p:spTgt>
+                                        </p:tgtEl>
+                                        <p:attrNameLst>
+                                          <p:attrName>ppt_y</p:attrName>
+                                        </p:attrNameLst>
+                                      </p:cBhvr>
+                                      <p:tavLst>
+                                        <p:tav tm="0">
+                                          <p:val>
+                                            <p:strVal val="#ppt_y+.1"/>
+                                          </p:val>
+                                        </p:tav>
+                                        <p:tav tm="100000">
+                                          <p:val>
+                                            <p:strVal val="#ppt_y"/>
+                                          </p:val>
+                                        </p:tav>
+                                      </p:tavLst>
+                                    </p:anim>
+                                  </p:childTnLst>
+                                </p:cTn>
+                              </p:par>
+                            </p:childTnLst>
+                          </p:cTn>
+                        </p:par>
+                      </p:childTnLst>
+                    </p:cTn>
+                  </p:par>
+                  <p:par>
+                    <p:cTn id="24" fill="hold">
+                      <p:stCondLst>
+                        <p:cond delay="indefinite"/>
+                      </p:stCondLst>
+                      <p:childTnLst>
+                        <p:par>
+                          <p:cTn id="25" fill="hold">
+                            <p:stCondLst>
+                              <p:cond delay="0"/>
+                            </p:stCondLst>
+                            <p:childTnLst>
+                              <p:par>
+                                <p:cTn id="26" presetID="42" presetClass="entr" presetSubtype="0" fill="hold" grpId="0" nodeType="clickEffect">
+                                  <p:stCondLst>
+                                    <p:cond delay="0"/>
+                                  </p:stCondLst>
+                                  <p:childTnLst>
+                                    <p:set>
+                                      <p:cBhvr>
+                                        <p:cTn id="27" dur="1" fill="hold">
+                                          <p:stCondLst>
+                                            <p:cond delay="0"/>
+                                          </p:stCondLst>
+                                        </p:cTn>
+                                        <p:tgtEl>
+                                          <p:spTgt spid="3">
+                                            <p:txEl>
+                                              <p:pRg st="2" end="2"/>
+                                            </p:txEl>
+                                          </p:spTgt>
+                                        </p:tgtEl>
+                                        <p:attrNameLst>
+                                          <p:attrName>style.visibility</p:attrName>
+                                        </p:attrNameLst>
+                                      </p:cBhvr>
+                                      <p:to>
+                                        <p:strVal val="visible"/>
+                                      </p:to>
+                                    </p:set>
+                                    <p:animEffect transition="in" filter="fade">
+                                      <p:cBhvr>
+                                        <p:cTn id="28" dur="1000"/>
+                                        <p:tgtEl>
+                                          <p:spTgt spid="3">
+                                            <p:txEl>
+                                              <p:pRg st="2" end="2"/>
+                                            </p:txEl>
+                                          </p:spTgt>
+                                        </p:tgtEl>
+                                      </p:cBhvr>
+                                    </p:animEffect>
+                                    <p:anim calcmode="lin" valueType="num">
+                                      <p:cBhvr>
+                                        <p:cTn id="29" dur="1000" fill="hold"/>
+                                        <p:tgtEl>
+                                          <p:spTgt spid="3">
+                                            <p:txEl>
+                                              <p:pRg st="2" end="2"/>
+                                            </p:txEl>
+                                          </p:spTgt>
+                                        </p:tgtEl>
+                                        <p:attrNameLst>
+                                          <p:attrName>ppt_x</p:attrName>
+                                        </p:attrNameLst>
+                                      </p:cBhvr>
+                                      <p:tavLst>
+                                        <p:tav tm="0">
+                                          <p:val>
+                                            <p:strVal val="#ppt_x"/>
+                                          </p:val>
+                                        </p:tav>
+                                        <p:tav tm="100000">
+                                          <p:val>
+                                            <p:strVal val="#ppt_x"/>
+                                          </p:val>
+                                        </p:tav>
+                                      </p:tavLst>
+                                    </p:anim>
+                                    <p:anim calcmode="lin" valueType="num">
+                                      <p:cBhvr>
+                                        <p:cTn id="30" dur="1000" fill="hold"/>
+                                        <p:tgtEl>
+                                          <p:spTgt spid="3">
+                                            <p:txEl>
+                                              <p:pRg st="2" end="2"/>
+                                            </p:txEl>
+                                          </p:spTgt>
+                                        </p:tgtEl>
+                                        <p:attrNameLst>
+                                          <p:attrName>ppt_y</p:attrName>
+                                        </p:attrNameLst>
+                                      </p:cBhvr>
+                                      <p:tavLst>
+                                        <p:tav tm="0">
+                                          <p:val>
+                                            <p:strVal val="#ppt_y+.1"/>
+                                          </p:val>
+                                        </p:tav>
+                                        <p:tav tm="100000">
+                                          <p:val>
+                                            <p:strVal val="#ppt_y"/>
+                                          </p:val>
+                                        </p:tav>
+                                      </p:tavLst>
+                                    </p:anim>
+                                  </p:childTnLst>
+                                </p:cTn>
+                              </p:par>
+                            </p:childTnLst>
+                          </p:cTn>
+                        </p:par>
+                      </p:childTnLst>
+                    </p:cTn>
+                  </p:par>
+                  <p:par>
+                    <p:cTn id="31" fill="hold">
+                      <p:stCondLst>
+                        <p:cond delay="indefinite"/>
+                      </p:stCondLst>
+                      <p:childTnLst>
+                        <p:par>
+                          <p:cTn id="32" fill="hold">
+                            <p:stCondLst>
+                              <p:cond delay="0"/>
+                            </p:stCondLst>
+                            <p:childTnLst>
+                              <p:par>
+                                <p:cTn id="33" presetID="42" presetClass="entr" presetSubtype="0" fill="hold" grpId="0" nodeType="clickEffect">
+                                  <p:stCondLst>
+                                    <p:cond delay="0"/>
+                                  </p:stCondLst>
+                                  <p:childTnLst>
+                                    <p:set>
+                                      <p:cBhvr>
+                                        <p:cTn id="34" dur="1" fill="hold">
+                                          <p:stCondLst>
+                                            <p:cond delay="0"/>
+                                          </p:stCondLst>
+                                        </p:cTn>
+                                        <p:tgtEl>
+                                          <p:spTgt spid="4">
+                                            <p:txEl>
+                                              <p:pRg st="1" end="1"/>
+                                            </p:txEl>
+                                          </p:spTgt>
+                                        </p:tgtEl>
+                                        <p:attrNameLst>
+                                          <p:attrName>style.visibility</p:attrName>
+                                        </p:attrNameLst>
+                                      </p:cBhvr>
+                                      <p:to>
+                                        <p:strVal val="visible"/>
+                                      </p:to>
+                                    </p:set>
+                                    <p:animEffect transition="in" filter="fade">
+                                      <p:cBhvr>
+                                        <p:cTn id="35" dur="1000"/>
+                                        <p:tgtEl>
+                                          <p:spTgt spid="4">
+                                            <p:txEl>
+                                              <p:pRg st="1" end="1"/>
+                                            </p:txEl>
+                                          </p:spTgt>
+                                        </p:tgtEl>
+                                      </p:cBhvr>
+                                    </p:animEffect>
+                                    <p:anim calcmode="lin" valueType="num">
+                                      <p:cBhvr>
+                                        <p:cTn id="36" dur="1000" fill="hold"/>
+                                        <p:tgtEl>
+                                          <p:spTgt spid="4">
+                                            <p:txEl>
+                                              <p:pRg st="1" end="1"/>
+                                            </p:txEl>
+                                          </p:spTgt>
+                                        </p:tgtEl>
+                                        <p:attrNameLst>
+                                          <p:attrName>ppt_x</p:attrName>
+                                        </p:attrNameLst>
+                                      </p:cBhvr>
+                                      <p:tavLst>
+                                        <p:tav tm="0">
+                                          <p:val>
+                                            <p:strVal val="#ppt_x"/>
+                                          </p:val>
+                                        </p:tav>
+                                        <p:tav tm="100000">
+                                          <p:val>
+                                            <p:strVal val="#ppt_x"/>
+                                          </p:val>
+                                        </p:tav>
+                                      </p:tavLst>
+                                    </p:anim>
+                                    <p:anim calcmode="lin" valueType="num">
+                                      <p:cBhvr>
+                                        <p:cTn id="37" dur="1000" fill="hold"/>
+                                        <p:tgtEl>
+                                          <p:spTgt spid="4">
+                                            <p:txEl>
+                                              <p:pRg st="1" end="1"/>
+                                            </p:txEl>
+                                          </p:spTgt>
+                                        </p:tgtEl>
+                                        <p:attrNameLst>
+                                          <p:attrName>ppt_y</p:attrName>
+                                        </p:attrNameLst>
+                                      </p:cBhvr>
+                                      <p:tavLst>
+                                        <p:tav tm="0">
+                                          <p:val>
+                                            <p:strVal val="#ppt_y+.1"/>
+                                          </p:val>
+                                        </p:tav>
+                                        <p:tav tm="100000">
+                                          <p:val>
+                                            <p:strVal val="#ppt_y"/>
+                                          </p:val>
+                                        </p:tav>
+                                      </p:tavLst>
+                                    </p:anim>
+                                  </p:childTnLst>
+                                </p:cTn>
+                              </p:par>
+                            </p:childTnLst>
+                          </p:cTn>
+                        </p:par>
+                      </p:childTnLst>
+                    </p:cTn>
+                  </p:par>
+                  <p:par>
+                    <p:cTn id="38" fill="hold">
+                      <p:stCondLst>
+                        <p:cond delay="indefinite"/>
+                      </p:stCondLst>
+                      <p:childTnLst>
+                        <p:par>
+                          <p:cTn id="39" fill="hold">
+                            <p:stCondLst>
+                              <p:cond delay="0"/>
+                            </p:stCondLst>
+                            <p:childTnLst>
+                              <p:par>
+                                <p:cTn id="40" presetID="42" presetClass="entr" presetSubtype="0" fill="hold" grpId="0" nodeType="clickEffect">
+                                  <p:stCondLst>
+                                    <p:cond delay="0"/>
+                                  </p:stCondLst>
+                                  <p:childTnLst>
+                                    <p:set>
+                                      <p:cBhvr>
+                                        <p:cTn id="41" dur="1" fill="hold">
+                                          <p:stCondLst>
+                                            <p:cond delay="0"/>
+                                          </p:stCondLst>
+                                        </p:cTn>
+                                        <p:tgtEl>
+                                          <p:spTgt spid="3">
+                                            <p:txEl>
+                                              <p:pRg st="3" end="3"/>
+                                            </p:txEl>
+                                          </p:spTgt>
+                                        </p:tgtEl>
+                                        <p:attrNameLst>
+                                          <p:attrName>style.visibility</p:attrName>
+                                        </p:attrNameLst>
+                                      </p:cBhvr>
+                                      <p:to>
+                                        <p:strVal val="visible"/>
+                                      </p:to>
+                                    </p:set>
+                                    <p:animEffect transition="in" filter="fade">
+                                      <p:cBhvr>
+                                        <p:cTn id="42" dur="1000"/>
+                                        <p:tgtEl>
+                                          <p:spTgt spid="3">
+                                            <p:txEl>
+                                              <p:pRg st="3" end="3"/>
+                                            </p:txEl>
+                                          </p:spTgt>
+                                        </p:tgtEl>
+                                      </p:cBhvr>
+                                    </p:animEffect>
+                                    <p:anim calcmode="lin" valueType="num">
+                                      <p:cBhvr>
+                                        <p:cTn id="43" dur="1000" fill="hold"/>
+                                        <p:tgtEl>
+                                          <p:spTgt spid="3">
+                                            <p:txEl>
+                                              <p:pRg st="3" end="3"/>
+                                            </p:txEl>
+                                          </p:spTgt>
+                                        </p:tgtEl>
+                                        <p:attrNameLst>
+                                          <p:attrName>ppt_x</p:attrName>
+                                        </p:attrNameLst>
+                                      </p:cBhvr>
+                                      <p:tavLst>
+                                        <p:tav tm="0">
+                                          <p:val>
+                                            <p:strVal val="#ppt_x"/>
+                                          </p:val>
+                                        </p:tav>
+                                        <p:tav tm="100000">
+                                          <p:val>
+                                            <p:strVal val="#ppt_x"/>
+                                          </p:val>
+                                        </p:tav>
+                                      </p:tavLst>
+                                    </p:anim>
+                                    <p:anim calcmode="lin" valueType="num">
+                                      <p:cBhvr>
+                                        <p:cTn id="44" dur="1000" fill="hold"/>
+                                        <p:tgtEl>
+                                          <p:spTgt spid="3">
+                                            <p:txEl>
+                                              <p:pRg st="3" end="3"/>
+                                            </p:txEl>
+                                          </p:spTgt>
+                                        </p:tgtEl>
+                                        <p:attrNameLst>
+                                          <p:attrName>ppt_y</p:attrName>
+                                        </p:attrNameLst>
+                                      </p:cBhvr>
+                                      <p:tavLst>
+                                        <p:tav tm="0">
+                                          <p:val>
+                                            <p:strVal val="#ppt_y+.1"/>
+                                          </p:val>
+                                        </p:tav>
+                                        <p:tav tm="100000">
+                                          <p:val>
+                                            <p:strVal val="#ppt_y"/>
+                                          </p:val>
+                                        </p:tav>
+                                      </p:tavLst>
+                                    </p:anim>
+                                  </p:childTnLst>
+                                </p:cTn>
+                              </p:par>
+                            </p:childTnLst>
+                          </p:cTn>
+                        </p:par>
+                      </p:childTnLst>
+                    </p:cTn>
+                  </p:par>
+                  <p:par>
+                    <p:cTn id="45" fill="hold">
+                      <p:stCondLst>
+                        <p:cond delay="indefinite"/>
+                      </p:stCondLst>
+                      <p:childTnLst>
+                        <p:par>
+                          <p:cTn id="46" fill="hold">
+                            <p:stCondLst>
+                              <p:cond delay="0"/>
+                            </p:stCondLst>
+                            <p:childTnLst>
+                              <p:par>
+                                <p:cTn id="47" presetID="42" presetClass="entr" presetSubtype="0" fill="hold" grpId="0" nodeType="clickEffect">
+                                  <p:stCondLst>
+                                    <p:cond delay="0"/>
+                                  </p:stCondLst>
+                                  <p:childTnLst>
+                                    <p:set>
+                                      <p:cBhvr>
+                                        <p:cTn id="48" dur="1" fill="hold">
+                                          <p:stCondLst>
+                                            <p:cond delay="0"/>
+                                          </p:stCondLst>
+                                        </p:cTn>
+                                        <p:tgtEl>
+                                          <p:spTgt spid="3">
+                                            <p:txEl>
+                                              <p:pRg st="4" end="4"/>
+                                            </p:txEl>
+                                          </p:spTgt>
+                                        </p:tgtEl>
+                                        <p:attrNameLst>
+                                          <p:attrName>style.visibility</p:attrName>
+                                        </p:attrNameLst>
+                                      </p:cBhvr>
+                                      <p:to>
+                                        <p:strVal val="visible"/>
+                                      </p:to>
+                                    </p:set>
+                                    <p:animEffect transition="in" filter="fade">
+                                      <p:cBhvr>
+                                        <p:cTn id="49" dur="1000"/>
+                                        <p:tgtEl>
+                                          <p:spTgt spid="3">
+                                            <p:txEl>
+                                              <p:pRg st="4" end="4"/>
+                                            </p:txEl>
+                                          </p:spTgt>
+                                        </p:tgtEl>
+                                      </p:cBhvr>
+                                    </p:animEffect>
+                                    <p:anim calcmode="lin" valueType="num">
+                                      <p:cBhvr>
+                                        <p:cTn id="50" dur="1000" fill="hold"/>
+                                        <p:tgtEl>
+                                          <p:spTgt spid="3">
+                                            <p:txEl>
+                                              <p:pRg st="4" end="4"/>
+                                            </p:txEl>
+                                          </p:spTgt>
+                                        </p:tgtEl>
+                                        <p:attrNameLst>
+                                          <p:attrName>ppt_x</p:attrName>
+                                        </p:attrNameLst>
+                                      </p:cBhvr>
+                                      <p:tavLst>
+                                        <p:tav tm="0">
+                                          <p:val>
+                                            <p:strVal val="#ppt_x"/>
+                                          </p:val>
+                                        </p:tav>
+                                        <p:tav tm="100000">
+                                          <p:val>
+                                            <p:strVal val="#ppt_x"/>
+                                          </p:val>
+                                        </p:tav>
+                                      </p:tavLst>
+                                    </p:anim>
+                                    <p:anim calcmode="lin" valueType="num">
+                                      <p:cBhvr>
+                                        <p:cTn id="51" dur="1000" fill="hold"/>
+                                        <p:tgtEl>
+                                          <p:spTgt spid="3">
+                                            <p:txEl>
+                                              <p:pRg st="4" end="4"/>
+                                            </p:txEl>
+                                          </p:spTgt>
+                                        </p:tgtEl>
+                                        <p:attrNameLst>
+                                          <p:attrName>ppt_y</p:attrName>
+                                        </p:attrNameLst>
+                                      </p:cBhvr>
+                                      <p:tavLst>
+                                        <p:tav tm="0">
+                                          <p:val>
+                                            <p:strVal val="#ppt_y+.1"/>
+                                          </p:val>
+                                        </p:tav>
+                                        <p:tav tm="100000">
+                                          <p:val>
+                                            <p:strVal val="#ppt_y"/>
+                                          </p:val>
+                                        </p:tav>
+                                      </p:tavLst>
+                                    </p:anim>
+                                  </p:childTnLst>
+                                </p:cTn>
+                              </p:par>
+                            </p:childTnLst>
+                          </p:cTn>
+                        </p:par>
+                      </p:childTnLst>
+                    </p:cTn>
+                  </p:par>
+                  <p:par>
+                    <p:cTn id="52" fill="hold">
+                      <p:stCondLst>
+                        <p:cond delay="indefinite"/>
+                      </p:stCondLst>
+                      <p:childTnLst>
+                        <p:par>
+                          <p:cTn id="53" fill="hold">
+                            <p:stCondLst>
+                              <p:cond delay="0"/>
+                            </p:stCondLst>
+                            <p:childTnLst>
+                              <p:par>
+                                <p:cTn id="54" presetID="42" presetClass="entr" presetSubtype="0" fill="hold" grpId="0" nodeType="clickEffect">
+                                  <p:stCondLst>
+                                    <p:cond delay="0"/>
+                                  </p:stCondLst>
+                                  <p:childTnLst>
+                                    <p:set>
+                                      <p:cBhvr>
+                                        <p:cTn id="55" dur="1" fill="hold">
+                                          <p:stCondLst>
+                                            <p:cond delay="0"/>
+                                          </p:stCondLst>
+                                        </p:cTn>
+                                        <p:tgtEl>
+                                          <p:spTgt spid="3">
+                                            <p:txEl>
+                                              <p:pRg st="5" end="5"/>
+                                            </p:txEl>
+                                          </p:spTgt>
+                                        </p:tgtEl>
+                                        <p:attrNameLst>
+                                          <p:attrName>style.visibility</p:attrName>
+                                        </p:attrNameLst>
+                                      </p:cBhvr>
+                                      <p:to>
+                                        <p:strVal val="visible"/>
+                                      </p:to>
+                                    </p:set>
+                                    <p:animEffect transition="in" filter="fade">
+                                      <p:cBhvr>
+                                        <p:cTn id="56" dur="1000"/>
+                                        <p:tgtEl>
+                                          <p:spTgt spid="3">
+                                            <p:txEl>
+                                              <p:pRg st="5" end="5"/>
+                                            </p:txEl>
+                                          </p:spTgt>
+                                        </p:tgtEl>
+                                      </p:cBhvr>
+                                    </p:animEffect>
+                                    <p:anim calcmode="lin" valueType="num">
+                                      <p:cBhvr>
+                                        <p:cTn id="57" dur="1000" fill="hold"/>
+                                        <p:tgtEl>
+                                          <p:spTgt spid="3">
+                                            <p:txEl>
+                                              <p:pRg st="5" end="5"/>
+                                            </p:txEl>
+                                          </p:spTgt>
+                                        </p:tgtEl>
+                                        <p:attrNameLst>
+                                          <p:attrName>ppt_x</p:attrName>
+                                        </p:attrNameLst>
+                                      </p:cBhvr>
+                                      <p:tavLst>
+                                        <p:tav tm="0">
+                                          <p:val>
+                                            <p:strVal val="#ppt_x"/>
+                                          </p:val>
+                                        </p:tav>
+                                        <p:tav tm="100000">
+                                          <p:val>
+                                            <p:strVal val="#ppt_x"/>
+                                          </p:val>
+                                        </p:tav>
+                                      </p:tavLst>
+                                    </p:anim>
+                                    <p:anim calcmode="lin" valueType="num">
+                                      <p:cBhvr>
+                                        <p:cTn id="58" dur="1000" fill="hold"/>
+                                        <p:tgtEl>
+                                          <p:spTgt spid="3">
+                                            <p:txEl>
+                                              <p:pRg st="5" end="5"/>
+                                            </p:txEl>
+                                          </p:spTgt>
+                                        </p:tgtEl>
+                                        <p:attrNameLst>
+                                          <p:attrName>ppt_y</p:attrName>
+                                        </p:attrNameLst>
+                                      </p:cBhvr>
+                                      <p:tavLst>
+                                        <p:tav tm="0">
+                                          <p:val>
+                                            <p:strVal val="#ppt_y+.1"/>
+                                          </p:val>
+                                        </p:tav>
+                                        <p:tav tm="100000">
+                                          <p:val>
+                                            <p:strVal val="#ppt_y"/>
+                                          </p:val>
+                                        </p:tav>
+                                      </p:tavLst>
+                                    </p:anim>
+                                  </p:childTnLst>
+                                </p:cTn>
+                              </p:par>
+                            </p:childTnLst>
+                          </p:cTn>
+                        </p:par>
+                      </p:childTnLst>
+                    </p:cTn>
+                  </p:par>
+                  <p:par>
+                    <p:cTn id="59" fill="hold">
+                      <p:stCondLst>
+                        <p:cond delay="indefinite"/>
+                      </p:stCondLst>
+                      <p:childTnLst>
+                        <p:par>
+                          <p:cTn id="60" fill="hold">
+                            <p:stCondLst>
+                              <p:cond delay="0"/>
+                            </p:stCondLst>
+                            <p:childTnLst>
+                              <p:par>
+                                <p:cTn id="61" presetID="42" presetClass="entr" presetSubtype="0" fill="hold" grpId="0" nodeType="clickEffect">
+                                  <p:stCondLst>
+                                    <p:cond delay="0"/>
+                                  </p:stCondLst>
+                                  <p:childTnLst>
+                                    <p:set>
+                                      <p:cBhvr>
+                                        <p:cTn id="62" dur="1" fill="hold">
+                                          <p:stCondLst>
+                                            <p:cond delay="0"/>
+                                          </p:stCondLst>
+                                        </p:cTn>
+                                        <p:tgtEl>
+                                          <p:spTgt spid="3">
+                                            <p:txEl>
+                                              <p:pRg st="6" end="6"/>
+                                            </p:txEl>
+                                          </p:spTgt>
+                                        </p:tgtEl>
+                                        <p:attrNameLst>
+                                          <p:attrName>style.visibility</p:attrName>
+                                        </p:attrNameLst>
+                                      </p:cBhvr>
+                                      <p:to>
+                                        <p:strVal val="visible"/>
+                                      </p:to>
+                                    </p:set>
+                                    <p:animEffect transition="in" filter="fade">
+                                      <p:cBhvr>
+                                        <p:cTn id="63" dur="1000"/>
+                                        <p:tgtEl>
+                                          <p:spTgt spid="3">
+                                            <p:txEl>
+                                              <p:pRg st="6" end="6"/>
+                                            </p:txEl>
+                                          </p:spTgt>
+                                        </p:tgtEl>
+                                      </p:cBhvr>
+                                    </p:animEffect>
+                                    <p:anim calcmode="lin" valueType="num">
+                                      <p:cBhvr>
+                                        <p:cTn id="64" dur="1000" fill="hold"/>
+                                        <p:tgtEl>
+                                          <p:spTgt spid="3">
+                                            <p:txEl>
+                                              <p:pRg st="6" end="6"/>
+                                            </p:txEl>
+                                          </p:spTgt>
+                                        </p:tgtEl>
+                                        <p:attrNameLst>
+                                          <p:attrName>ppt_x</p:attrName>
+                                        </p:attrNameLst>
+                                      </p:cBhvr>
+                                      <p:tavLst>
+                                        <p:tav tm="0">
+                                          <p:val>
+                                            <p:strVal val="#ppt_x"/>
+                                          </p:val>
+                                        </p:tav>
+                                        <p:tav tm="100000">
+                                          <p:val>
+                                            <p:strVal val="#ppt_x"/>
+                                          </p:val>
+                                        </p:tav>
+                                      </p:tavLst>
+                                    </p:anim>
+                                    <p:anim calcmode="lin" valueType="num">
+                                      <p:cBhvr>
+                                        <p:cTn id="65" dur="1000" fill="hold"/>
+                                        <p:tgtEl>
+                                          <p:spTgt spid="3">
+                                            <p:txEl>
+                                              <p:pRg st="6" end="6"/>
+                                            </p:txEl>
+                                          </p:spTgt>
+                                        </p:tgtEl>
+                                        <p:attrNameLst>
+                                          <p:attrName>ppt_y</p:attrName>
+                                        </p:attrNameLst>
+                                      </p:cBhvr>
+                                      <p:tavLst>
+                                        <p:tav tm="0">
+                                          <p:val>
+                                            <p:strVal val="#ppt_y+.1"/>
+                                          </p:val>
+                                        </p:tav>
+                                        <p:tav tm="100000">
+                                          <p:val>
+                                            <p:strVal val="#ppt_y"/>
+                                          </p:val>
+                                        </p:tav>
+                                      </p:tavLst>
+                                    </p:anim>
+                                  </p:childTnLst>
+                                </p:cTn>
+                              </p:par>
+                            </p:childTnLst>
+                          </p:cTn>
+                        </p:par>
+                      </p:childTnLst>
+                    </p:cTn>
+                  </p:par>
+                  <p:par>
+                    <p:cTn id="66" fill="hold">
+                      <p:stCondLst>
+                        <p:cond delay="indefinite"/>
+                      </p:stCondLst>
+                      <p:childTnLst>
+                        <p:par>
+                          <p:cTn id="67" fill="hold">
+                            <p:stCondLst>
+                              <p:cond delay="0"/>
+                            </p:stCondLst>
+                            <p:childTnLst>
+                              <p:par>
+                                <p:cTn id="68" presetID="42" presetClass="entr" presetSubtype="0" fill="hold" grpId="0" nodeType="clickEffect">
+                                  <p:stCondLst>
+                                    <p:cond delay="0"/>
+                                  </p:stCondLst>
+                                  <p:childTnLst>
+                                    <p:set>
+                                      <p:cBhvr>
+                                        <p:cTn id="69" dur="1" fill="hold">
+                                          <p:stCondLst>
+                                            <p:cond delay="0"/>
+                                          </p:stCondLst>
+                                        </p:cTn>
+                                        <p:tgtEl>
+                                          <p:spTgt spid="3">
+                                            <p:txEl>
+                                              <p:pRg st="7" end="7"/>
+                                            </p:txEl>
+                                          </p:spTgt>
+                                        </p:tgtEl>
+                                        <p:attrNameLst>
+                                          <p:attrName>style.visibility</p:attrName>
+                                        </p:attrNameLst>
+                                      </p:cBhvr>
+                                      <p:to>
+                                        <p:strVal val="visible"/>
+                                      </p:to>
+                                    </p:set>
+                                    <p:animEffect transition="in" filter="fade">
+                                      <p:cBhvr>
+                                        <p:cTn id="70" dur="1000"/>
+                                        <p:tgtEl>
+                                          <p:spTgt spid="3">
+                                            <p:txEl>
+                                              <p:pRg st="7" end="7"/>
+                                            </p:txEl>
+                                          </p:spTgt>
+                                        </p:tgtEl>
+                                      </p:cBhvr>
+                                    </p:animEffect>
+                                    <p:anim calcmode="lin" valueType="num">
+                                      <p:cBhvr>
+                                        <p:cTn id="71" dur="1000" fill="hold"/>
+                                        <p:tgtEl>
+                                          <p:spTgt spid="3">
+                                            <p:txEl>
+                                              <p:pRg st="7" end="7"/>
+                                            </p:txEl>
+                                          </p:spTgt>
+                                        </p:tgtEl>
+                                        <p:attrNameLst>
+                                          <p:attrName>ppt_x</p:attrName>
+                                        </p:attrNameLst>
+                                      </p:cBhvr>
+                                      <p:tavLst>
+                                        <p:tav tm="0">
+                                          <p:val>
+                                            <p:strVal val="#ppt_x"/>
+                                          </p:val>
+                                        </p:tav>
+                                        <p:tav tm="100000">
+                                          <p:val>
+                                            <p:strVal val="#ppt_x"/>
+                                          </p:val>
+                                        </p:tav>
+                                      </p:tavLst>
+                                    </p:anim>
+                                    <p:anim calcmode="lin" valueType="num">
+                                      <p:cBhvr>
+                                        <p:cTn id="72" dur="1000" fill="hold"/>
+                                        <p:tgtEl>
+                                          <p:spTgt spid="3">
+                                            <p:txEl>
+                                              <p:pRg st="7" end="7"/>
                                             </p:txEl>
                                           </p:spTgt>
                                         </p:tgtEl>
@@ -5952,7 +11042,8 @@
       </p:par>
     </p:tnLst>
     <p:bldLst>
-      <p:bldP spid="3" grpId="0" build="p"/>
+      <p:bldP spid="3" grpId="0" uiExpand="1" build="p"/>
+      <p:bldP spid="4" grpId="0" uiExpand="1" build="p"/>
     </p:bldLst>
   </p:timing>
 </p:sld>
@@ -5998,7 +11089,7 @@
           <a:p>
             <a:r>
               <a:rPr lang="en-US" dirty="0"/>
-              <a:t>Inter process communication in MSA</a:t>
+              <a:t>3.Inter process communication in MSA</a:t>
             </a:r>
           </a:p>
         </p:txBody>
@@ -6026,38 +11117,127 @@
           <a:p>
             <a:r>
               <a:rPr lang="en-US" dirty="0"/>
-              <a:t>Overview of </a:t>
+              <a:t>1.1.Interaction styles</a:t>
+            </a:r>
+          </a:p>
+          <a:p>
+            <a:r>
+              <a:rPr lang="en-US" dirty="0"/>
+              <a:t>1.2.Defining APIs in a MSA.</a:t>
+            </a:r>
+          </a:p>
+          <a:p>
+            <a:r>
+              <a:rPr lang="en-US" dirty="0"/>
+              <a:t>1.3. Evolving APIs</a:t>
+            </a:r>
+          </a:p>
+          <a:p>
+            <a:r>
+              <a:rPr lang="en-US" dirty="0"/>
+              <a:t>1.4.Messaging Formats.</a:t>
+            </a:r>
+          </a:p>
+          <a:p>
+            <a:r>
+              <a:rPr lang="en-US" dirty="0"/>
+              <a:t>2.1. Using REST</a:t>
+            </a:r>
+          </a:p>
+          <a:p>
+            <a:r>
+              <a:rPr lang="en-US" dirty="0"/>
+              <a:t>2.2. Using </a:t>
             </a:r>
             <a:r>
               <a:rPr lang="en-US" dirty="0" err="1"/>
-              <a:t>interprocess</a:t>
-            </a:r>
-            <a:r>
-              <a:rPr lang="en-US" dirty="0"/>
-              <a:t> communication</a:t>
-            </a:r>
-          </a:p>
-          <a:p>
+              <a:t>gRPC</a:t>
+            </a:r>
+            <a:endParaRPr lang="en-US" dirty="0"/>
+          </a:p>
+          <a:p>
+            <a:r>
+              <a:rPr lang="en-US" dirty="0"/>
+              <a:t>2.3. Handling partial failure using Circuit pattern</a:t>
+            </a:r>
+          </a:p>
+          <a:p>
+            <a:r>
+              <a:rPr lang="en-US" dirty="0"/>
+              <a:t>2.4. Using Service discovery.</a:t>
+            </a:r>
+          </a:p>
+          <a:p>
+            <a:pPr marL="0" indent="0">
+              <a:buNone/>
+            </a:pPr>
+            <a:endParaRPr lang="en-US" dirty="0"/>
+          </a:p>
+        </p:txBody>
+      </p:sp>
+      <p:sp>
+        <p:nvSpPr>
+          <p:cNvPr id="4" name="Text Placeholder 3">
+            <a:extLst>
+              <a:ext uri="{FF2B5EF4-FFF2-40B4-BE49-F238E27FC236}">
+                <a16:creationId xmlns:a16="http://schemas.microsoft.com/office/drawing/2014/main" id="{B61D5D11-1EE2-47BC-B3DF-8D5F0057648B}"/>
+              </a:ext>
+            </a:extLst>
+          </p:cNvPr>
+          <p:cNvSpPr>
+            <a:spLocks noGrp="1"/>
+          </p:cNvSpPr>
+          <p:nvPr>
+            <p:ph type="body" sz="half" idx="2"/>
+          </p:nvPr>
+        </p:nvSpPr>
+        <p:spPr/>
+        <p:txBody>
+          <a:bodyPr>
+            <a:normAutofit fontScale="92500" lnSpcReduction="10000"/>
+          </a:bodyPr>
+          <a:lstStyle/>
+          <a:p>
+            <a:pPr marL="342900" indent="-342900" algn="l">
+              <a:buFont typeface="+mj-lt"/>
+              <a:buAutoNum type="arabicPeriod"/>
+            </a:pPr>
+            <a:r>
+              <a:rPr lang="en-US" dirty="0"/>
+              <a:t>Overview of inter process communication</a:t>
+            </a:r>
+          </a:p>
+          <a:p>
+            <a:pPr marL="342900" indent="-342900" algn="l">
+              <a:buFont typeface="+mj-lt"/>
+              <a:buAutoNum type="arabicPeriod"/>
+            </a:pPr>
             <a:r>
               <a:rPr lang="en-US" dirty="0"/>
               <a:t>Communicating using the synchronous Remote procedure invocation</a:t>
             </a:r>
           </a:p>
           <a:p>
+            <a:pPr marL="342900" indent="-342900" algn="l">
+              <a:buFont typeface="+mj-lt"/>
+              <a:buAutoNum type="arabicPeriod"/>
+            </a:pPr>
             <a:r>
               <a:rPr lang="en-US" dirty="0"/>
               <a:t>Communicating using Asynchronous messaging pattern</a:t>
             </a:r>
           </a:p>
           <a:p>
-            <a:r>
-              <a:rPr lang="en-US" dirty="0"/>
-              <a:t>Using asynchronous messaging to improve </a:t>
-            </a:r>
-            <a:r>
-              <a:rPr lang="en-US" dirty="0" err="1"/>
-              <a:t>avaialability</a:t>
-            </a:r>
+            <a:pPr marL="342900" indent="-342900" algn="l">
+              <a:buFont typeface="+mj-lt"/>
+              <a:buAutoNum type="arabicPeriod"/>
+            </a:pPr>
+            <a:r>
+              <a:rPr lang="en-US" dirty="0"/>
+              <a:t>Using asynchronous messaging to improve availability</a:t>
+            </a:r>
+          </a:p>
+          <a:p>
             <a:endParaRPr lang="en-US" dirty="0"/>
           </a:p>
         </p:txBody>
@@ -6511,6 +11691,466 @@
                                           <p:spTgt spid="3">
                                             <p:txEl>
                                               <p:pRg st="3" end="3"/>
+                                            </p:txEl>
+                                          </p:spTgt>
+                                        </p:tgtEl>
+                                        <p:attrNameLst>
+                                          <p:attrName>ppt_y</p:attrName>
+                                        </p:attrNameLst>
+                                      </p:cBhvr>
+                                      <p:tavLst>
+                                        <p:tav tm="0">
+                                          <p:val>
+                                            <p:strVal val="#ppt_y+.1"/>
+                                          </p:val>
+                                        </p:tav>
+                                        <p:tav tm="100000">
+                                          <p:val>
+                                            <p:strVal val="#ppt_y"/>
+                                          </p:val>
+                                        </p:tav>
+                                      </p:tavLst>
+                                    </p:anim>
+                                  </p:childTnLst>
+                                </p:cTn>
+                              </p:par>
+                            </p:childTnLst>
+                          </p:cTn>
+                        </p:par>
+                      </p:childTnLst>
+                    </p:cTn>
+                  </p:par>
+                  <p:par>
+                    <p:cTn id="31" fill="hold">
+                      <p:stCondLst>
+                        <p:cond delay="indefinite"/>
+                      </p:stCondLst>
+                      <p:childTnLst>
+                        <p:par>
+                          <p:cTn id="32" fill="hold">
+                            <p:stCondLst>
+                              <p:cond delay="0"/>
+                            </p:stCondLst>
+                            <p:childTnLst>
+                              <p:par>
+                                <p:cTn id="33" presetID="42" presetClass="entr" presetSubtype="0" fill="hold" grpId="0" nodeType="clickEffect">
+                                  <p:stCondLst>
+                                    <p:cond delay="0"/>
+                                  </p:stCondLst>
+                                  <p:childTnLst>
+                                    <p:set>
+                                      <p:cBhvr>
+                                        <p:cTn id="34" dur="1" fill="hold">
+                                          <p:stCondLst>
+                                            <p:cond delay="0"/>
+                                          </p:stCondLst>
+                                        </p:cTn>
+                                        <p:tgtEl>
+                                          <p:spTgt spid="3">
+                                            <p:txEl>
+                                              <p:pRg st="4" end="4"/>
+                                            </p:txEl>
+                                          </p:spTgt>
+                                        </p:tgtEl>
+                                        <p:attrNameLst>
+                                          <p:attrName>style.visibility</p:attrName>
+                                        </p:attrNameLst>
+                                      </p:cBhvr>
+                                      <p:to>
+                                        <p:strVal val="visible"/>
+                                      </p:to>
+                                    </p:set>
+                                    <p:animEffect transition="in" filter="fade">
+                                      <p:cBhvr>
+                                        <p:cTn id="35" dur="1000"/>
+                                        <p:tgtEl>
+                                          <p:spTgt spid="3">
+                                            <p:txEl>
+                                              <p:pRg st="4" end="4"/>
+                                            </p:txEl>
+                                          </p:spTgt>
+                                        </p:tgtEl>
+                                      </p:cBhvr>
+                                    </p:animEffect>
+                                    <p:anim calcmode="lin" valueType="num">
+                                      <p:cBhvr>
+                                        <p:cTn id="36" dur="1000" fill="hold"/>
+                                        <p:tgtEl>
+                                          <p:spTgt spid="3">
+                                            <p:txEl>
+                                              <p:pRg st="4" end="4"/>
+                                            </p:txEl>
+                                          </p:spTgt>
+                                        </p:tgtEl>
+                                        <p:attrNameLst>
+                                          <p:attrName>ppt_x</p:attrName>
+                                        </p:attrNameLst>
+                                      </p:cBhvr>
+                                      <p:tavLst>
+                                        <p:tav tm="0">
+                                          <p:val>
+                                            <p:strVal val="#ppt_x"/>
+                                          </p:val>
+                                        </p:tav>
+                                        <p:tav tm="100000">
+                                          <p:val>
+                                            <p:strVal val="#ppt_x"/>
+                                          </p:val>
+                                        </p:tav>
+                                      </p:tavLst>
+                                    </p:anim>
+                                    <p:anim calcmode="lin" valueType="num">
+                                      <p:cBhvr>
+                                        <p:cTn id="37" dur="1000" fill="hold"/>
+                                        <p:tgtEl>
+                                          <p:spTgt spid="3">
+                                            <p:txEl>
+                                              <p:pRg st="4" end="4"/>
+                                            </p:txEl>
+                                          </p:spTgt>
+                                        </p:tgtEl>
+                                        <p:attrNameLst>
+                                          <p:attrName>ppt_y</p:attrName>
+                                        </p:attrNameLst>
+                                      </p:cBhvr>
+                                      <p:tavLst>
+                                        <p:tav tm="0">
+                                          <p:val>
+                                            <p:strVal val="#ppt_y+.1"/>
+                                          </p:val>
+                                        </p:tav>
+                                        <p:tav tm="100000">
+                                          <p:val>
+                                            <p:strVal val="#ppt_y"/>
+                                          </p:val>
+                                        </p:tav>
+                                      </p:tavLst>
+                                    </p:anim>
+                                  </p:childTnLst>
+                                </p:cTn>
+                              </p:par>
+                            </p:childTnLst>
+                          </p:cTn>
+                        </p:par>
+                      </p:childTnLst>
+                    </p:cTn>
+                  </p:par>
+                  <p:par>
+                    <p:cTn id="38" fill="hold">
+                      <p:stCondLst>
+                        <p:cond delay="indefinite"/>
+                      </p:stCondLst>
+                      <p:childTnLst>
+                        <p:par>
+                          <p:cTn id="39" fill="hold">
+                            <p:stCondLst>
+                              <p:cond delay="0"/>
+                            </p:stCondLst>
+                            <p:childTnLst>
+                              <p:par>
+                                <p:cTn id="40" presetID="42" presetClass="entr" presetSubtype="0" fill="hold" grpId="0" nodeType="clickEffect">
+                                  <p:stCondLst>
+                                    <p:cond delay="0"/>
+                                  </p:stCondLst>
+                                  <p:childTnLst>
+                                    <p:set>
+                                      <p:cBhvr>
+                                        <p:cTn id="41" dur="1" fill="hold">
+                                          <p:stCondLst>
+                                            <p:cond delay="0"/>
+                                          </p:stCondLst>
+                                        </p:cTn>
+                                        <p:tgtEl>
+                                          <p:spTgt spid="3">
+                                            <p:txEl>
+                                              <p:pRg st="5" end="5"/>
+                                            </p:txEl>
+                                          </p:spTgt>
+                                        </p:tgtEl>
+                                        <p:attrNameLst>
+                                          <p:attrName>style.visibility</p:attrName>
+                                        </p:attrNameLst>
+                                      </p:cBhvr>
+                                      <p:to>
+                                        <p:strVal val="visible"/>
+                                      </p:to>
+                                    </p:set>
+                                    <p:animEffect transition="in" filter="fade">
+                                      <p:cBhvr>
+                                        <p:cTn id="42" dur="1000"/>
+                                        <p:tgtEl>
+                                          <p:spTgt spid="3">
+                                            <p:txEl>
+                                              <p:pRg st="5" end="5"/>
+                                            </p:txEl>
+                                          </p:spTgt>
+                                        </p:tgtEl>
+                                      </p:cBhvr>
+                                    </p:animEffect>
+                                    <p:anim calcmode="lin" valueType="num">
+                                      <p:cBhvr>
+                                        <p:cTn id="43" dur="1000" fill="hold"/>
+                                        <p:tgtEl>
+                                          <p:spTgt spid="3">
+                                            <p:txEl>
+                                              <p:pRg st="5" end="5"/>
+                                            </p:txEl>
+                                          </p:spTgt>
+                                        </p:tgtEl>
+                                        <p:attrNameLst>
+                                          <p:attrName>ppt_x</p:attrName>
+                                        </p:attrNameLst>
+                                      </p:cBhvr>
+                                      <p:tavLst>
+                                        <p:tav tm="0">
+                                          <p:val>
+                                            <p:strVal val="#ppt_x"/>
+                                          </p:val>
+                                        </p:tav>
+                                        <p:tav tm="100000">
+                                          <p:val>
+                                            <p:strVal val="#ppt_x"/>
+                                          </p:val>
+                                        </p:tav>
+                                      </p:tavLst>
+                                    </p:anim>
+                                    <p:anim calcmode="lin" valueType="num">
+                                      <p:cBhvr>
+                                        <p:cTn id="44" dur="1000" fill="hold"/>
+                                        <p:tgtEl>
+                                          <p:spTgt spid="3">
+                                            <p:txEl>
+                                              <p:pRg st="5" end="5"/>
+                                            </p:txEl>
+                                          </p:spTgt>
+                                        </p:tgtEl>
+                                        <p:attrNameLst>
+                                          <p:attrName>ppt_y</p:attrName>
+                                        </p:attrNameLst>
+                                      </p:cBhvr>
+                                      <p:tavLst>
+                                        <p:tav tm="0">
+                                          <p:val>
+                                            <p:strVal val="#ppt_y+.1"/>
+                                          </p:val>
+                                        </p:tav>
+                                        <p:tav tm="100000">
+                                          <p:val>
+                                            <p:strVal val="#ppt_y"/>
+                                          </p:val>
+                                        </p:tav>
+                                      </p:tavLst>
+                                    </p:anim>
+                                  </p:childTnLst>
+                                </p:cTn>
+                              </p:par>
+                            </p:childTnLst>
+                          </p:cTn>
+                        </p:par>
+                      </p:childTnLst>
+                    </p:cTn>
+                  </p:par>
+                  <p:par>
+                    <p:cTn id="45" fill="hold">
+                      <p:stCondLst>
+                        <p:cond delay="indefinite"/>
+                      </p:stCondLst>
+                      <p:childTnLst>
+                        <p:par>
+                          <p:cTn id="46" fill="hold">
+                            <p:stCondLst>
+                              <p:cond delay="0"/>
+                            </p:stCondLst>
+                            <p:childTnLst>
+                              <p:par>
+                                <p:cTn id="47" presetID="42" presetClass="entr" presetSubtype="0" fill="hold" grpId="0" nodeType="clickEffect">
+                                  <p:stCondLst>
+                                    <p:cond delay="0"/>
+                                  </p:stCondLst>
+                                  <p:childTnLst>
+                                    <p:set>
+                                      <p:cBhvr>
+                                        <p:cTn id="48" dur="1" fill="hold">
+                                          <p:stCondLst>
+                                            <p:cond delay="0"/>
+                                          </p:stCondLst>
+                                        </p:cTn>
+                                        <p:tgtEl>
+                                          <p:spTgt spid="3">
+                                            <p:txEl>
+                                              <p:pRg st="6" end="6"/>
+                                            </p:txEl>
+                                          </p:spTgt>
+                                        </p:tgtEl>
+                                        <p:attrNameLst>
+                                          <p:attrName>style.visibility</p:attrName>
+                                        </p:attrNameLst>
+                                      </p:cBhvr>
+                                      <p:to>
+                                        <p:strVal val="visible"/>
+                                      </p:to>
+                                    </p:set>
+                                    <p:animEffect transition="in" filter="fade">
+                                      <p:cBhvr>
+                                        <p:cTn id="49" dur="1000"/>
+                                        <p:tgtEl>
+                                          <p:spTgt spid="3">
+                                            <p:txEl>
+                                              <p:pRg st="6" end="6"/>
+                                            </p:txEl>
+                                          </p:spTgt>
+                                        </p:tgtEl>
+                                      </p:cBhvr>
+                                    </p:animEffect>
+                                    <p:anim calcmode="lin" valueType="num">
+                                      <p:cBhvr>
+                                        <p:cTn id="50" dur="1000" fill="hold"/>
+                                        <p:tgtEl>
+                                          <p:spTgt spid="3">
+                                            <p:txEl>
+                                              <p:pRg st="6" end="6"/>
+                                            </p:txEl>
+                                          </p:spTgt>
+                                        </p:tgtEl>
+                                        <p:attrNameLst>
+                                          <p:attrName>ppt_x</p:attrName>
+                                        </p:attrNameLst>
+                                      </p:cBhvr>
+                                      <p:tavLst>
+                                        <p:tav tm="0">
+                                          <p:val>
+                                            <p:strVal val="#ppt_x"/>
+                                          </p:val>
+                                        </p:tav>
+                                        <p:tav tm="100000">
+                                          <p:val>
+                                            <p:strVal val="#ppt_x"/>
+                                          </p:val>
+                                        </p:tav>
+                                      </p:tavLst>
+                                    </p:anim>
+                                    <p:anim calcmode="lin" valueType="num">
+                                      <p:cBhvr>
+                                        <p:cTn id="51" dur="1000" fill="hold"/>
+                                        <p:tgtEl>
+                                          <p:spTgt spid="3">
+                                            <p:txEl>
+                                              <p:pRg st="6" end="6"/>
+                                            </p:txEl>
+                                          </p:spTgt>
+                                        </p:tgtEl>
+                                        <p:attrNameLst>
+                                          <p:attrName>ppt_y</p:attrName>
+                                        </p:attrNameLst>
+                                      </p:cBhvr>
+                                      <p:tavLst>
+                                        <p:tav tm="0">
+                                          <p:val>
+                                            <p:strVal val="#ppt_y+.1"/>
+                                          </p:val>
+                                        </p:tav>
+                                        <p:tav tm="100000">
+                                          <p:val>
+                                            <p:strVal val="#ppt_y"/>
+                                          </p:val>
+                                        </p:tav>
+                                      </p:tavLst>
+                                    </p:anim>
+                                  </p:childTnLst>
+                                </p:cTn>
+                              </p:par>
+                            </p:childTnLst>
+                          </p:cTn>
+                        </p:par>
+                      </p:childTnLst>
+                    </p:cTn>
+                  </p:par>
+                  <p:par>
+                    <p:cTn id="52" fill="hold">
+                      <p:stCondLst>
+                        <p:cond delay="indefinite"/>
+                      </p:stCondLst>
+                      <p:childTnLst>
+                        <p:par>
+                          <p:cTn id="53" fill="hold">
+                            <p:stCondLst>
+                              <p:cond delay="0"/>
+                            </p:stCondLst>
+                            <p:childTnLst>
+                              <p:par>
+                                <p:cTn id="54" presetID="42" presetClass="entr" presetSubtype="0" fill="hold" grpId="0" nodeType="clickEffect">
+                                  <p:stCondLst>
+                                    <p:cond delay="0"/>
+                                  </p:stCondLst>
+                                  <p:childTnLst>
+                                    <p:set>
+                                      <p:cBhvr>
+                                        <p:cTn id="55" dur="1" fill="hold">
+                                          <p:stCondLst>
+                                            <p:cond delay="0"/>
+                                          </p:stCondLst>
+                                        </p:cTn>
+                                        <p:tgtEl>
+                                          <p:spTgt spid="3">
+                                            <p:txEl>
+                                              <p:pRg st="7" end="7"/>
+                                            </p:txEl>
+                                          </p:spTgt>
+                                        </p:tgtEl>
+                                        <p:attrNameLst>
+                                          <p:attrName>style.visibility</p:attrName>
+                                        </p:attrNameLst>
+                                      </p:cBhvr>
+                                      <p:to>
+                                        <p:strVal val="visible"/>
+                                      </p:to>
+                                    </p:set>
+                                    <p:animEffect transition="in" filter="fade">
+                                      <p:cBhvr>
+                                        <p:cTn id="56" dur="1000"/>
+                                        <p:tgtEl>
+                                          <p:spTgt spid="3">
+                                            <p:txEl>
+                                              <p:pRg st="7" end="7"/>
+                                            </p:txEl>
+                                          </p:spTgt>
+                                        </p:tgtEl>
+                                      </p:cBhvr>
+                                    </p:animEffect>
+                                    <p:anim calcmode="lin" valueType="num">
+                                      <p:cBhvr>
+                                        <p:cTn id="57" dur="1000" fill="hold"/>
+                                        <p:tgtEl>
+                                          <p:spTgt spid="3">
+                                            <p:txEl>
+                                              <p:pRg st="7" end="7"/>
+                                            </p:txEl>
+                                          </p:spTgt>
+                                        </p:tgtEl>
+                                        <p:attrNameLst>
+                                          <p:attrName>ppt_x</p:attrName>
+                                        </p:attrNameLst>
+                                      </p:cBhvr>
+                                      <p:tavLst>
+                                        <p:tav tm="0">
+                                          <p:val>
+                                            <p:strVal val="#ppt_x"/>
+                                          </p:val>
+                                        </p:tav>
+                                        <p:tav tm="100000">
+                                          <p:val>
+                                            <p:strVal val="#ppt_x"/>
+                                          </p:val>
+                                        </p:tav>
+                                      </p:tavLst>
+                                    </p:anim>
+                                    <p:anim calcmode="lin" valueType="num">
+                                      <p:cBhvr>
+                                        <p:cTn id="58" dur="1000" fill="hold"/>
+                                        <p:tgtEl>
+                                          <p:spTgt spid="3">
+                                            <p:txEl>
+                                              <p:pRg st="7" end="7"/>
                                             </p:txEl>
                                           </p:spTgt>
                                         </p:tgtEl>
@@ -6590,7 +12230,7 @@
           <p:cNvPr id="2" name="Title 1">
             <a:extLst>
               <a:ext uri="{FF2B5EF4-FFF2-40B4-BE49-F238E27FC236}">
-                <a16:creationId xmlns:a16="http://schemas.microsoft.com/office/drawing/2014/main" id="{2694B56A-F15B-4F10-A696-156423FE3AA5}"/>
+                <a16:creationId xmlns:a16="http://schemas.microsoft.com/office/drawing/2014/main" id="{4F81B611-39B3-4716-9DC6-8D8E83396147}"/>
               </a:ext>
             </a:extLst>
           </p:cNvPr>
@@ -6608,7 +12248,7 @@
           <a:p>
             <a:r>
               <a:rPr lang="en-US" dirty="0"/>
-              <a:t>Managing transactions</a:t>
+              <a:t>3.Inter process communication in MSA</a:t>
             </a:r>
           </a:p>
         </p:txBody>
@@ -6618,7 +12258,7 @@
           <p:cNvPr id="3" name="Content Placeholder 2">
             <a:extLst>
               <a:ext uri="{FF2B5EF4-FFF2-40B4-BE49-F238E27FC236}">
-                <a16:creationId xmlns:a16="http://schemas.microsoft.com/office/drawing/2014/main" id="{594C6CCC-E923-4ADE-B3B1-FF7664957271}"/>
+                <a16:creationId xmlns:a16="http://schemas.microsoft.com/office/drawing/2014/main" id="{D4648240-4741-4007-A3B1-AA76B715ED04}"/>
               </a:ext>
             </a:extLst>
           </p:cNvPr>
@@ -6631,38 +12271,131 @@
         </p:nvSpPr>
         <p:spPr/>
         <p:txBody>
-          <a:bodyPr/>
+          <a:bodyPr>
+            <a:normAutofit fontScale="92500" lnSpcReduction="10000"/>
+          </a:bodyPr>
           <a:lstStyle/>
           <a:p>
             <a:r>
               <a:rPr lang="en-US" dirty="0"/>
-              <a:t>Transaction Management in MSA</a:t>
-            </a:r>
-          </a:p>
-          <a:p>
-            <a:r>
-              <a:rPr lang="en-US" dirty="0"/>
-              <a:t>Co-ordinating Sagas</a:t>
-            </a:r>
-          </a:p>
-          <a:p>
-            <a:r>
-              <a:rPr lang="en-US" dirty="0"/>
-              <a:t>Handling the lack of isolation</a:t>
-            </a:r>
-          </a:p>
-          <a:p>
-            <a:r>
-              <a:rPr lang="en-US" dirty="0"/>
-              <a:t>Design a service with Saga ( example)</a:t>
-            </a:r>
+              <a:t>3.1. Overview of messaging</a:t>
+            </a:r>
+          </a:p>
+          <a:p>
+            <a:r>
+              <a:rPr lang="en-US" dirty="0"/>
+              <a:t>3.2 Implementing the interaction styles using messaging.</a:t>
+            </a:r>
+          </a:p>
+          <a:p>
+            <a:r>
+              <a:rPr lang="en-US" dirty="0"/>
+              <a:t>3.3. Creating an API specification for a message based service API.</a:t>
+            </a:r>
+          </a:p>
+          <a:p>
+            <a:r>
+              <a:rPr lang="en-US" dirty="0"/>
+              <a:t>3.4.Using Message broker.</a:t>
+            </a:r>
+          </a:p>
+          <a:p>
+            <a:r>
+              <a:rPr lang="en-US" dirty="0"/>
+              <a:t>3.5. Competing receivers and message ordering.</a:t>
+            </a:r>
+          </a:p>
+          <a:p>
+            <a:r>
+              <a:rPr lang="en-US" dirty="0"/>
+              <a:t>3.6. Handling duplicate messages.</a:t>
+            </a:r>
+          </a:p>
+          <a:p>
+            <a:r>
+              <a:rPr lang="en-US" dirty="0"/>
+              <a:t>3.7. Transactional Messaging.</a:t>
+            </a:r>
+          </a:p>
+          <a:p>
+            <a:r>
+              <a:rPr lang="en-US" dirty="0"/>
+              <a:t>3.8. Libraries and frameworks for messaging</a:t>
+            </a:r>
+          </a:p>
+          <a:p>
+            <a:r>
+              <a:rPr lang="en-US" dirty="0"/>
+              <a:t>4.1. Synchronous </a:t>
+            </a:r>
+            <a:r>
+              <a:rPr lang="en-US" dirty="0" err="1"/>
+              <a:t>Comm..reduces</a:t>
+            </a:r>
+            <a:r>
+              <a:rPr lang="en-US" dirty="0"/>
+              <a:t> availability.</a:t>
+            </a:r>
+          </a:p>
+          <a:p>
+            <a:r>
+              <a:rPr lang="en-US" dirty="0"/>
+              <a:t>4.2. Eliminating synchronous interaction</a:t>
+            </a:r>
+          </a:p>
+          <a:p>
+            <a:pPr marL="0" indent="0">
+              <a:buNone/>
+            </a:pPr>
+            <a:endParaRPr lang="en-US" dirty="0"/>
+          </a:p>
+        </p:txBody>
+      </p:sp>
+      <p:sp>
+        <p:nvSpPr>
+          <p:cNvPr id="4" name="Text Placeholder 3">
+            <a:extLst>
+              <a:ext uri="{FF2B5EF4-FFF2-40B4-BE49-F238E27FC236}">
+                <a16:creationId xmlns:a16="http://schemas.microsoft.com/office/drawing/2014/main" id="{B61D5D11-1EE2-47BC-B3DF-8D5F0057648B}"/>
+              </a:ext>
+            </a:extLst>
+          </p:cNvPr>
+          <p:cNvSpPr>
+            <a:spLocks noGrp="1"/>
+          </p:cNvSpPr>
+          <p:nvPr>
+            <p:ph type="body" sz="half" idx="2"/>
+          </p:nvPr>
+        </p:nvSpPr>
+        <p:spPr/>
+        <p:txBody>
+          <a:bodyPr>
+            <a:normAutofit/>
+          </a:bodyPr>
+          <a:lstStyle/>
+          <a:p>
+            <a:pPr algn="l"/>
+            <a:r>
+              <a:rPr lang="en-US" dirty="0"/>
+              <a:t>3. Communicating using Asynchronous messaging pattern</a:t>
+            </a:r>
+          </a:p>
+          <a:p>
+            <a:pPr algn="l"/>
+            <a:r>
+              <a:rPr lang="en-US" dirty="0"/>
+              <a:t>4. Using asynchronous messaging to improve availability</a:t>
+            </a:r>
+          </a:p>
+          <a:p>
+            <a:endParaRPr lang="en-US" dirty="0"/>
           </a:p>
         </p:txBody>
       </p:sp>
     </p:spTree>
     <p:extLst>
       <p:ext uri="{BB962C8B-B14F-4D97-AF65-F5344CB8AC3E}">
-        <p14:creationId xmlns:p14="http://schemas.microsoft.com/office/powerpoint/2010/main" val="4181169429"/>
+        <p14:creationId xmlns:p14="http://schemas.microsoft.com/office/powerpoint/2010/main" val="1444678025"/>
       </p:ext>
     </p:extLst>
   </p:cSld>
@@ -6703,7 +12436,7 @@
                                           </p:stCondLst>
                                         </p:cTn>
                                         <p:tgtEl>
-                                          <p:spTgt spid="3">
+                                          <p:spTgt spid="4">
                                             <p:txEl>
                                               <p:pRg st="0" end="0"/>
                                             </p:txEl>
@@ -6721,7 +12454,7 @@
                                       <p:cBhvr>
                                         <p:cTn id="7" dur="1000"/>
                                         <p:tgtEl>
-                                          <p:spTgt spid="3">
+                                          <p:spTgt spid="4">
                                             <p:txEl>
                                               <p:pRg st="0" end="0"/>
                                             </p:txEl>
@@ -6733,7 +12466,7 @@
                                       <p:cBhvr>
                                         <p:cTn id="8" dur="1000" fill="hold"/>
                                         <p:tgtEl>
-                                          <p:spTgt spid="3">
+                                          <p:spTgt spid="4">
                                             <p:txEl>
                                               <p:pRg st="0" end="0"/>
                                             </p:txEl>
@@ -6760,7 +12493,7 @@
                                       <p:cBhvr>
                                         <p:cTn id="9" dur="1000" fill="hold"/>
                                         <p:tgtEl>
-                                          <p:spTgt spid="3">
+                                          <p:spTgt spid="4">
                                             <p:txEl>
                                               <p:pRg st="0" end="0"/>
                                             </p:txEl>
@@ -6820,7 +12553,7 @@
                                         <p:tgtEl>
                                           <p:spTgt spid="3">
                                             <p:txEl>
-                                              <p:pRg st="1" end="1"/>
+                                              <p:pRg st="0" end="0"/>
                                             </p:txEl>
                                           </p:spTgt>
                                         </p:tgtEl>
@@ -6838,7 +12571,7 @@
                                         <p:tgtEl>
                                           <p:spTgt spid="3">
                                             <p:txEl>
-                                              <p:pRg st="1" end="1"/>
+                                              <p:pRg st="0" end="0"/>
                                             </p:txEl>
                                           </p:spTgt>
                                         </p:tgtEl>
@@ -6850,7 +12583,7 @@
                                         <p:tgtEl>
                                           <p:spTgt spid="3">
                                             <p:txEl>
-                                              <p:pRg st="1" end="1"/>
+                                              <p:pRg st="0" end="0"/>
                                             </p:txEl>
                                           </p:spTgt>
                                         </p:tgtEl>
@@ -6877,7 +12610,7 @@
                                         <p:tgtEl>
                                           <p:spTgt spid="3">
                                             <p:txEl>
-                                              <p:pRg st="1" end="1"/>
+                                              <p:pRg st="0" end="0"/>
                                             </p:txEl>
                                           </p:spTgt>
                                         </p:tgtEl>
@@ -6935,7 +12668,7 @@
                                         <p:tgtEl>
                                           <p:spTgt spid="3">
                                             <p:txEl>
-                                              <p:pRg st="2" end="2"/>
+                                              <p:pRg st="1" end="1"/>
                                             </p:txEl>
                                           </p:spTgt>
                                         </p:tgtEl>
@@ -6953,7 +12686,7 @@
                                         <p:tgtEl>
                                           <p:spTgt spid="3">
                                             <p:txEl>
-                                              <p:pRg st="2" end="2"/>
+                                              <p:pRg st="1" end="1"/>
                                             </p:txEl>
                                           </p:spTgt>
                                         </p:tgtEl>
@@ -6965,7 +12698,7 @@
                                         <p:tgtEl>
                                           <p:spTgt spid="3">
                                             <p:txEl>
-                                              <p:pRg st="2" end="2"/>
+                                              <p:pRg st="1" end="1"/>
                                             </p:txEl>
                                           </p:spTgt>
                                         </p:tgtEl>
@@ -6992,7 +12725,7 @@
                                         <p:tgtEl>
                                           <p:spTgt spid="3">
                                             <p:txEl>
-                                              <p:pRg st="2" end="2"/>
+                                              <p:pRg st="1" end="1"/>
                                             </p:txEl>
                                           </p:spTgt>
                                         </p:tgtEl>
@@ -7050,7 +12783,7 @@
                                         <p:tgtEl>
                                           <p:spTgt spid="3">
                                             <p:txEl>
-                                              <p:pRg st="3" end="3"/>
+                                              <p:pRg st="2" end="2"/>
                                             </p:txEl>
                                           </p:spTgt>
                                         </p:tgtEl>
@@ -7068,7 +12801,7 @@
                                         <p:tgtEl>
                                           <p:spTgt spid="3">
                                             <p:txEl>
-                                              <p:pRg st="3" end="3"/>
+                                              <p:pRg st="2" end="2"/>
                                             </p:txEl>
                                           </p:spTgt>
                                         </p:tgtEl>
@@ -7080,7 +12813,7 @@
                                         <p:tgtEl>
                                           <p:spTgt spid="3">
                                             <p:txEl>
-                                              <p:pRg st="3" end="3"/>
+                                              <p:pRg st="2" end="2"/>
                                             </p:txEl>
                                           </p:spTgt>
                                         </p:tgtEl>
@@ -7107,7 +12840,927 @@
                                         <p:tgtEl>
                                           <p:spTgt spid="3">
                                             <p:txEl>
+                                              <p:pRg st="2" end="2"/>
+                                            </p:txEl>
+                                          </p:spTgt>
+                                        </p:tgtEl>
+                                        <p:attrNameLst>
+                                          <p:attrName>ppt_y</p:attrName>
+                                        </p:attrNameLst>
+                                      </p:cBhvr>
+                                      <p:tavLst>
+                                        <p:tav tm="0">
+                                          <p:val>
+                                            <p:strVal val="#ppt_y+.1"/>
+                                          </p:val>
+                                        </p:tav>
+                                        <p:tav tm="100000">
+                                          <p:val>
+                                            <p:strVal val="#ppt_y"/>
+                                          </p:val>
+                                        </p:tav>
+                                      </p:tavLst>
+                                    </p:anim>
+                                  </p:childTnLst>
+                                </p:cTn>
+                              </p:par>
+                            </p:childTnLst>
+                          </p:cTn>
+                        </p:par>
+                      </p:childTnLst>
+                    </p:cTn>
+                  </p:par>
+                  <p:par>
+                    <p:cTn id="31" fill="hold">
+                      <p:stCondLst>
+                        <p:cond delay="indefinite"/>
+                      </p:stCondLst>
+                      <p:childTnLst>
+                        <p:par>
+                          <p:cTn id="32" fill="hold">
+                            <p:stCondLst>
+                              <p:cond delay="0"/>
+                            </p:stCondLst>
+                            <p:childTnLst>
+                              <p:par>
+                                <p:cTn id="33" presetID="42" presetClass="entr" presetSubtype="0" fill="hold" grpId="0" nodeType="clickEffect">
+                                  <p:stCondLst>
+                                    <p:cond delay="0"/>
+                                  </p:stCondLst>
+                                  <p:childTnLst>
+                                    <p:set>
+                                      <p:cBhvr>
+                                        <p:cTn id="34" dur="1" fill="hold">
+                                          <p:stCondLst>
+                                            <p:cond delay="0"/>
+                                          </p:stCondLst>
+                                        </p:cTn>
+                                        <p:tgtEl>
+                                          <p:spTgt spid="3">
+                                            <p:txEl>
                                               <p:pRg st="3" end="3"/>
+                                            </p:txEl>
+                                          </p:spTgt>
+                                        </p:tgtEl>
+                                        <p:attrNameLst>
+                                          <p:attrName>style.visibility</p:attrName>
+                                        </p:attrNameLst>
+                                      </p:cBhvr>
+                                      <p:to>
+                                        <p:strVal val="visible"/>
+                                      </p:to>
+                                    </p:set>
+                                    <p:animEffect transition="in" filter="fade">
+                                      <p:cBhvr>
+                                        <p:cTn id="35" dur="1000"/>
+                                        <p:tgtEl>
+                                          <p:spTgt spid="3">
+                                            <p:txEl>
+                                              <p:pRg st="3" end="3"/>
+                                            </p:txEl>
+                                          </p:spTgt>
+                                        </p:tgtEl>
+                                      </p:cBhvr>
+                                    </p:animEffect>
+                                    <p:anim calcmode="lin" valueType="num">
+                                      <p:cBhvr>
+                                        <p:cTn id="36" dur="1000" fill="hold"/>
+                                        <p:tgtEl>
+                                          <p:spTgt spid="3">
+                                            <p:txEl>
+                                              <p:pRg st="3" end="3"/>
+                                            </p:txEl>
+                                          </p:spTgt>
+                                        </p:tgtEl>
+                                        <p:attrNameLst>
+                                          <p:attrName>ppt_x</p:attrName>
+                                        </p:attrNameLst>
+                                      </p:cBhvr>
+                                      <p:tavLst>
+                                        <p:tav tm="0">
+                                          <p:val>
+                                            <p:strVal val="#ppt_x"/>
+                                          </p:val>
+                                        </p:tav>
+                                        <p:tav tm="100000">
+                                          <p:val>
+                                            <p:strVal val="#ppt_x"/>
+                                          </p:val>
+                                        </p:tav>
+                                      </p:tavLst>
+                                    </p:anim>
+                                    <p:anim calcmode="lin" valueType="num">
+                                      <p:cBhvr>
+                                        <p:cTn id="37" dur="1000" fill="hold"/>
+                                        <p:tgtEl>
+                                          <p:spTgt spid="3">
+                                            <p:txEl>
+                                              <p:pRg st="3" end="3"/>
+                                            </p:txEl>
+                                          </p:spTgt>
+                                        </p:tgtEl>
+                                        <p:attrNameLst>
+                                          <p:attrName>ppt_y</p:attrName>
+                                        </p:attrNameLst>
+                                      </p:cBhvr>
+                                      <p:tavLst>
+                                        <p:tav tm="0">
+                                          <p:val>
+                                            <p:strVal val="#ppt_y+.1"/>
+                                          </p:val>
+                                        </p:tav>
+                                        <p:tav tm="100000">
+                                          <p:val>
+                                            <p:strVal val="#ppt_y"/>
+                                          </p:val>
+                                        </p:tav>
+                                      </p:tavLst>
+                                    </p:anim>
+                                  </p:childTnLst>
+                                </p:cTn>
+                              </p:par>
+                            </p:childTnLst>
+                          </p:cTn>
+                        </p:par>
+                      </p:childTnLst>
+                    </p:cTn>
+                  </p:par>
+                  <p:par>
+                    <p:cTn id="38" fill="hold">
+                      <p:stCondLst>
+                        <p:cond delay="indefinite"/>
+                      </p:stCondLst>
+                      <p:childTnLst>
+                        <p:par>
+                          <p:cTn id="39" fill="hold">
+                            <p:stCondLst>
+                              <p:cond delay="0"/>
+                            </p:stCondLst>
+                            <p:childTnLst>
+                              <p:par>
+                                <p:cTn id="40" presetID="42" presetClass="entr" presetSubtype="0" fill="hold" grpId="0" nodeType="clickEffect">
+                                  <p:stCondLst>
+                                    <p:cond delay="0"/>
+                                  </p:stCondLst>
+                                  <p:childTnLst>
+                                    <p:set>
+                                      <p:cBhvr>
+                                        <p:cTn id="41" dur="1" fill="hold">
+                                          <p:stCondLst>
+                                            <p:cond delay="0"/>
+                                          </p:stCondLst>
+                                        </p:cTn>
+                                        <p:tgtEl>
+                                          <p:spTgt spid="3">
+                                            <p:txEl>
+                                              <p:pRg st="4" end="4"/>
+                                            </p:txEl>
+                                          </p:spTgt>
+                                        </p:tgtEl>
+                                        <p:attrNameLst>
+                                          <p:attrName>style.visibility</p:attrName>
+                                        </p:attrNameLst>
+                                      </p:cBhvr>
+                                      <p:to>
+                                        <p:strVal val="visible"/>
+                                      </p:to>
+                                    </p:set>
+                                    <p:animEffect transition="in" filter="fade">
+                                      <p:cBhvr>
+                                        <p:cTn id="42" dur="1000"/>
+                                        <p:tgtEl>
+                                          <p:spTgt spid="3">
+                                            <p:txEl>
+                                              <p:pRg st="4" end="4"/>
+                                            </p:txEl>
+                                          </p:spTgt>
+                                        </p:tgtEl>
+                                      </p:cBhvr>
+                                    </p:animEffect>
+                                    <p:anim calcmode="lin" valueType="num">
+                                      <p:cBhvr>
+                                        <p:cTn id="43" dur="1000" fill="hold"/>
+                                        <p:tgtEl>
+                                          <p:spTgt spid="3">
+                                            <p:txEl>
+                                              <p:pRg st="4" end="4"/>
+                                            </p:txEl>
+                                          </p:spTgt>
+                                        </p:tgtEl>
+                                        <p:attrNameLst>
+                                          <p:attrName>ppt_x</p:attrName>
+                                        </p:attrNameLst>
+                                      </p:cBhvr>
+                                      <p:tavLst>
+                                        <p:tav tm="0">
+                                          <p:val>
+                                            <p:strVal val="#ppt_x"/>
+                                          </p:val>
+                                        </p:tav>
+                                        <p:tav tm="100000">
+                                          <p:val>
+                                            <p:strVal val="#ppt_x"/>
+                                          </p:val>
+                                        </p:tav>
+                                      </p:tavLst>
+                                    </p:anim>
+                                    <p:anim calcmode="lin" valueType="num">
+                                      <p:cBhvr>
+                                        <p:cTn id="44" dur="1000" fill="hold"/>
+                                        <p:tgtEl>
+                                          <p:spTgt spid="3">
+                                            <p:txEl>
+                                              <p:pRg st="4" end="4"/>
+                                            </p:txEl>
+                                          </p:spTgt>
+                                        </p:tgtEl>
+                                        <p:attrNameLst>
+                                          <p:attrName>ppt_y</p:attrName>
+                                        </p:attrNameLst>
+                                      </p:cBhvr>
+                                      <p:tavLst>
+                                        <p:tav tm="0">
+                                          <p:val>
+                                            <p:strVal val="#ppt_y+.1"/>
+                                          </p:val>
+                                        </p:tav>
+                                        <p:tav tm="100000">
+                                          <p:val>
+                                            <p:strVal val="#ppt_y"/>
+                                          </p:val>
+                                        </p:tav>
+                                      </p:tavLst>
+                                    </p:anim>
+                                  </p:childTnLst>
+                                </p:cTn>
+                              </p:par>
+                            </p:childTnLst>
+                          </p:cTn>
+                        </p:par>
+                      </p:childTnLst>
+                    </p:cTn>
+                  </p:par>
+                  <p:par>
+                    <p:cTn id="45" fill="hold">
+                      <p:stCondLst>
+                        <p:cond delay="indefinite"/>
+                      </p:stCondLst>
+                      <p:childTnLst>
+                        <p:par>
+                          <p:cTn id="46" fill="hold">
+                            <p:stCondLst>
+                              <p:cond delay="0"/>
+                            </p:stCondLst>
+                            <p:childTnLst>
+                              <p:par>
+                                <p:cTn id="47" presetID="42" presetClass="entr" presetSubtype="0" fill="hold" grpId="0" nodeType="clickEffect">
+                                  <p:stCondLst>
+                                    <p:cond delay="0"/>
+                                  </p:stCondLst>
+                                  <p:childTnLst>
+                                    <p:set>
+                                      <p:cBhvr>
+                                        <p:cTn id="48" dur="1" fill="hold">
+                                          <p:stCondLst>
+                                            <p:cond delay="0"/>
+                                          </p:stCondLst>
+                                        </p:cTn>
+                                        <p:tgtEl>
+                                          <p:spTgt spid="3">
+                                            <p:txEl>
+                                              <p:pRg st="5" end="5"/>
+                                            </p:txEl>
+                                          </p:spTgt>
+                                        </p:tgtEl>
+                                        <p:attrNameLst>
+                                          <p:attrName>style.visibility</p:attrName>
+                                        </p:attrNameLst>
+                                      </p:cBhvr>
+                                      <p:to>
+                                        <p:strVal val="visible"/>
+                                      </p:to>
+                                    </p:set>
+                                    <p:animEffect transition="in" filter="fade">
+                                      <p:cBhvr>
+                                        <p:cTn id="49" dur="1000"/>
+                                        <p:tgtEl>
+                                          <p:spTgt spid="3">
+                                            <p:txEl>
+                                              <p:pRg st="5" end="5"/>
+                                            </p:txEl>
+                                          </p:spTgt>
+                                        </p:tgtEl>
+                                      </p:cBhvr>
+                                    </p:animEffect>
+                                    <p:anim calcmode="lin" valueType="num">
+                                      <p:cBhvr>
+                                        <p:cTn id="50" dur="1000" fill="hold"/>
+                                        <p:tgtEl>
+                                          <p:spTgt spid="3">
+                                            <p:txEl>
+                                              <p:pRg st="5" end="5"/>
+                                            </p:txEl>
+                                          </p:spTgt>
+                                        </p:tgtEl>
+                                        <p:attrNameLst>
+                                          <p:attrName>ppt_x</p:attrName>
+                                        </p:attrNameLst>
+                                      </p:cBhvr>
+                                      <p:tavLst>
+                                        <p:tav tm="0">
+                                          <p:val>
+                                            <p:strVal val="#ppt_x"/>
+                                          </p:val>
+                                        </p:tav>
+                                        <p:tav tm="100000">
+                                          <p:val>
+                                            <p:strVal val="#ppt_x"/>
+                                          </p:val>
+                                        </p:tav>
+                                      </p:tavLst>
+                                    </p:anim>
+                                    <p:anim calcmode="lin" valueType="num">
+                                      <p:cBhvr>
+                                        <p:cTn id="51" dur="1000" fill="hold"/>
+                                        <p:tgtEl>
+                                          <p:spTgt spid="3">
+                                            <p:txEl>
+                                              <p:pRg st="5" end="5"/>
+                                            </p:txEl>
+                                          </p:spTgt>
+                                        </p:tgtEl>
+                                        <p:attrNameLst>
+                                          <p:attrName>ppt_y</p:attrName>
+                                        </p:attrNameLst>
+                                      </p:cBhvr>
+                                      <p:tavLst>
+                                        <p:tav tm="0">
+                                          <p:val>
+                                            <p:strVal val="#ppt_y+.1"/>
+                                          </p:val>
+                                        </p:tav>
+                                        <p:tav tm="100000">
+                                          <p:val>
+                                            <p:strVal val="#ppt_y"/>
+                                          </p:val>
+                                        </p:tav>
+                                      </p:tavLst>
+                                    </p:anim>
+                                  </p:childTnLst>
+                                </p:cTn>
+                              </p:par>
+                            </p:childTnLst>
+                          </p:cTn>
+                        </p:par>
+                      </p:childTnLst>
+                    </p:cTn>
+                  </p:par>
+                  <p:par>
+                    <p:cTn id="52" fill="hold">
+                      <p:stCondLst>
+                        <p:cond delay="indefinite"/>
+                      </p:stCondLst>
+                      <p:childTnLst>
+                        <p:par>
+                          <p:cTn id="53" fill="hold">
+                            <p:stCondLst>
+                              <p:cond delay="0"/>
+                            </p:stCondLst>
+                            <p:childTnLst>
+                              <p:par>
+                                <p:cTn id="54" presetID="42" presetClass="entr" presetSubtype="0" fill="hold" grpId="0" nodeType="clickEffect">
+                                  <p:stCondLst>
+                                    <p:cond delay="0"/>
+                                  </p:stCondLst>
+                                  <p:childTnLst>
+                                    <p:set>
+                                      <p:cBhvr>
+                                        <p:cTn id="55" dur="1" fill="hold">
+                                          <p:stCondLst>
+                                            <p:cond delay="0"/>
+                                          </p:stCondLst>
+                                        </p:cTn>
+                                        <p:tgtEl>
+                                          <p:spTgt spid="3">
+                                            <p:txEl>
+                                              <p:pRg st="6" end="6"/>
+                                            </p:txEl>
+                                          </p:spTgt>
+                                        </p:tgtEl>
+                                        <p:attrNameLst>
+                                          <p:attrName>style.visibility</p:attrName>
+                                        </p:attrNameLst>
+                                      </p:cBhvr>
+                                      <p:to>
+                                        <p:strVal val="visible"/>
+                                      </p:to>
+                                    </p:set>
+                                    <p:animEffect transition="in" filter="fade">
+                                      <p:cBhvr>
+                                        <p:cTn id="56" dur="1000"/>
+                                        <p:tgtEl>
+                                          <p:spTgt spid="3">
+                                            <p:txEl>
+                                              <p:pRg st="6" end="6"/>
+                                            </p:txEl>
+                                          </p:spTgt>
+                                        </p:tgtEl>
+                                      </p:cBhvr>
+                                    </p:animEffect>
+                                    <p:anim calcmode="lin" valueType="num">
+                                      <p:cBhvr>
+                                        <p:cTn id="57" dur="1000" fill="hold"/>
+                                        <p:tgtEl>
+                                          <p:spTgt spid="3">
+                                            <p:txEl>
+                                              <p:pRg st="6" end="6"/>
+                                            </p:txEl>
+                                          </p:spTgt>
+                                        </p:tgtEl>
+                                        <p:attrNameLst>
+                                          <p:attrName>ppt_x</p:attrName>
+                                        </p:attrNameLst>
+                                      </p:cBhvr>
+                                      <p:tavLst>
+                                        <p:tav tm="0">
+                                          <p:val>
+                                            <p:strVal val="#ppt_x"/>
+                                          </p:val>
+                                        </p:tav>
+                                        <p:tav tm="100000">
+                                          <p:val>
+                                            <p:strVal val="#ppt_x"/>
+                                          </p:val>
+                                        </p:tav>
+                                      </p:tavLst>
+                                    </p:anim>
+                                    <p:anim calcmode="lin" valueType="num">
+                                      <p:cBhvr>
+                                        <p:cTn id="58" dur="1000" fill="hold"/>
+                                        <p:tgtEl>
+                                          <p:spTgt spid="3">
+                                            <p:txEl>
+                                              <p:pRg st="6" end="6"/>
+                                            </p:txEl>
+                                          </p:spTgt>
+                                        </p:tgtEl>
+                                        <p:attrNameLst>
+                                          <p:attrName>ppt_y</p:attrName>
+                                        </p:attrNameLst>
+                                      </p:cBhvr>
+                                      <p:tavLst>
+                                        <p:tav tm="0">
+                                          <p:val>
+                                            <p:strVal val="#ppt_y+.1"/>
+                                          </p:val>
+                                        </p:tav>
+                                        <p:tav tm="100000">
+                                          <p:val>
+                                            <p:strVal val="#ppt_y"/>
+                                          </p:val>
+                                        </p:tav>
+                                      </p:tavLst>
+                                    </p:anim>
+                                  </p:childTnLst>
+                                </p:cTn>
+                              </p:par>
+                            </p:childTnLst>
+                          </p:cTn>
+                        </p:par>
+                      </p:childTnLst>
+                    </p:cTn>
+                  </p:par>
+                  <p:par>
+                    <p:cTn id="59" fill="hold">
+                      <p:stCondLst>
+                        <p:cond delay="indefinite"/>
+                      </p:stCondLst>
+                      <p:childTnLst>
+                        <p:par>
+                          <p:cTn id="60" fill="hold">
+                            <p:stCondLst>
+                              <p:cond delay="0"/>
+                            </p:stCondLst>
+                            <p:childTnLst>
+                              <p:par>
+                                <p:cTn id="61" presetID="42" presetClass="entr" presetSubtype="0" fill="hold" grpId="0" nodeType="clickEffect">
+                                  <p:stCondLst>
+                                    <p:cond delay="0"/>
+                                  </p:stCondLst>
+                                  <p:childTnLst>
+                                    <p:set>
+                                      <p:cBhvr>
+                                        <p:cTn id="62" dur="1" fill="hold">
+                                          <p:stCondLst>
+                                            <p:cond delay="0"/>
+                                          </p:stCondLst>
+                                        </p:cTn>
+                                        <p:tgtEl>
+                                          <p:spTgt spid="3">
+                                            <p:txEl>
+                                              <p:pRg st="7" end="7"/>
+                                            </p:txEl>
+                                          </p:spTgt>
+                                        </p:tgtEl>
+                                        <p:attrNameLst>
+                                          <p:attrName>style.visibility</p:attrName>
+                                        </p:attrNameLst>
+                                      </p:cBhvr>
+                                      <p:to>
+                                        <p:strVal val="visible"/>
+                                      </p:to>
+                                    </p:set>
+                                    <p:animEffect transition="in" filter="fade">
+                                      <p:cBhvr>
+                                        <p:cTn id="63" dur="1000"/>
+                                        <p:tgtEl>
+                                          <p:spTgt spid="3">
+                                            <p:txEl>
+                                              <p:pRg st="7" end="7"/>
+                                            </p:txEl>
+                                          </p:spTgt>
+                                        </p:tgtEl>
+                                      </p:cBhvr>
+                                    </p:animEffect>
+                                    <p:anim calcmode="lin" valueType="num">
+                                      <p:cBhvr>
+                                        <p:cTn id="64" dur="1000" fill="hold"/>
+                                        <p:tgtEl>
+                                          <p:spTgt spid="3">
+                                            <p:txEl>
+                                              <p:pRg st="7" end="7"/>
+                                            </p:txEl>
+                                          </p:spTgt>
+                                        </p:tgtEl>
+                                        <p:attrNameLst>
+                                          <p:attrName>ppt_x</p:attrName>
+                                        </p:attrNameLst>
+                                      </p:cBhvr>
+                                      <p:tavLst>
+                                        <p:tav tm="0">
+                                          <p:val>
+                                            <p:strVal val="#ppt_x"/>
+                                          </p:val>
+                                        </p:tav>
+                                        <p:tav tm="100000">
+                                          <p:val>
+                                            <p:strVal val="#ppt_x"/>
+                                          </p:val>
+                                        </p:tav>
+                                      </p:tavLst>
+                                    </p:anim>
+                                    <p:anim calcmode="lin" valueType="num">
+                                      <p:cBhvr>
+                                        <p:cTn id="65" dur="1000" fill="hold"/>
+                                        <p:tgtEl>
+                                          <p:spTgt spid="3">
+                                            <p:txEl>
+                                              <p:pRg st="7" end="7"/>
+                                            </p:txEl>
+                                          </p:spTgt>
+                                        </p:tgtEl>
+                                        <p:attrNameLst>
+                                          <p:attrName>ppt_y</p:attrName>
+                                        </p:attrNameLst>
+                                      </p:cBhvr>
+                                      <p:tavLst>
+                                        <p:tav tm="0">
+                                          <p:val>
+                                            <p:strVal val="#ppt_y+.1"/>
+                                          </p:val>
+                                        </p:tav>
+                                        <p:tav tm="100000">
+                                          <p:val>
+                                            <p:strVal val="#ppt_y"/>
+                                          </p:val>
+                                        </p:tav>
+                                      </p:tavLst>
+                                    </p:anim>
+                                  </p:childTnLst>
+                                </p:cTn>
+                              </p:par>
+                            </p:childTnLst>
+                          </p:cTn>
+                        </p:par>
+                      </p:childTnLst>
+                    </p:cTn>
+                  </p:par>
+                  <p:par>
+                    <p:cTn id="66" fill="hold">
+                      <p:stCondLst>
+                        <p:cond delay="indefinite"/>
+                      </p:stCondLst>
+                      <p:childTnLst>
+                        <p:par>
+                          <p:cTn id="67" fill="hold">
+                            <p:stCondLst>
+                              <p:cond delay="0"/>
+                            </p:stCondLst>
+                            <p:childTnLst>
+                              <p:par>
+                                <p:cTn id="68" presetID="42" presetClass="entr" presetSubtype="0" fill="hold" grpId="0" nodeType="clickEffect">
+                                  <p:stCondLst>
+                                    <p:cond delay="0"/>
+                                  </p:stCondLst>
+                                  <p:childTnLst>
+                                    <p:set>
+                                      <p:cBhvr>
+                                        <p:cTn id="69" dur="1" fill="hold">
+                                          <p:stCondLst>
+                                            <p:cond delay="0"/>
+                                          </p:stCondLst>
+                                        </p:cTn>
+                                        <p:tgtEl>
+                                          <p:spTgt spid="4">
+                                            <p:txEl>
+                                              <p:pRg st="1" end="1"/>
+                                            </p:txEl>
+                                          </p:spTgt>
+                                        </p:tgtEl>
+                                        <p:attrNameLst>
+                                          <p:attrName>style.visibility</p:attrName>
+                                        </p:attrNameLst>
+                                      </p:cBhvr>
+                                      <p:to>
+                                        <p:strVal val="visible"/>
+                                      </p:to>
+                                    </p:set>
+                                    <p:animEffect transition="in" filter="fade">
+                                      <p:cBhvr>
+                                        <p:cTn id="70" dur="1000"/>
+                                        <p:tgtEl>
+                                          <p:spTgt spid="4">
+                                            <p:txEl>
+                                              <p:pRg st="1" end="1"/>
+                                            </p:txEl>
+                                          </p:spTgt>
+                                        </p:tgtEl>
+                                      </p:cBhvr>
+                                    </p:animEffect>
+                                    <p:anim calcmode="lin" valueType="num">
+                                      <p:cBhvr>
+                                        <p:cTn id="71" dur="1000" fill="hold"/>
+                                        <p:tgtEl>
+                                          <p:spTgt spid="4">
+                                            <p:txEl>
+                                              <p:pRg st="1" end="1"/>
+                                            </p:txEl>
+                                          </p:spTgt>
+                                        </p:tgtEl>
+                                        <p:attrNameLst>
+                                          <p:attrName>ppt_x</p:attrName>
+                                        </p:attrNameLst>
+                                      </p:cBhvr>
+                                      <p:tavLst>
+                                        <p:tav tm="0">
+                                          <p:val>
+                                            <p:strVal val="#ppt_x"/>
+                                          </p:val>
+                                        </p:tav>
+                                        <p:tav tm="100000">
+                                          <p:val>
+                                            <p:strVal val="#ppt_x"/>
+                                          </p:val>
+                                        </p:tav>
+                                      </p:tavLst>
+                                    </p:anim>
+                                    <p:anim calcmode="lin" valueType="num">
+                                      <p:cBhvr>
+                                        <p:cTn id="72" dur="1000" fill="hold"/>
+                                        <p:tgtEl>
+                                          <p:spTgt spid="4">
+                                            <p:txEl>
+                                              <p:pRg st="1" end="1"/>
+                                            </p:txEl>
+                                          </p:spTgt>
+                                        </p:tgtEl>
+                                        <p:attrNameLst>
+                                          <p:attrName>ppt_y</p:attrName>
+                                        </p:attrNameLst>
+                                      </p:cBhvr>
+                                      <p:tavLst>
+                                        <p:tav tm="0">
+                                          <p:val>
+                                            <p:strVal val="#ppt_y+.1"/>
+                                          </p:val>
+                                        </p:tav>
+                                        <p:tav tm="100000">
+                                          <p:val>
+                                            <p:strVal val="#ppt_y"/>
+                                          </p:val>
+                                        </p:tav>
+                                      </p:tavLst>
+                                    </p:anim>
+                                  </p:childTnLst>
+                                </p:cTn>
+                              </p:par>
+                            </p:childTnLst>
+                          </p:cTn>
+                        </p:par>
+                      </p:childTnLst>
+                    </p:cTn>
+                  </p:par>
+                  <p:par>
+                    <p:cTn id="73" fill="hold">
+                      <p:stCondLst>
+                        <p:cond delay="indefinite"/>
+                      </p:stCondLst>
+                      <p:childTnLst>
+                        <p:par>
+                          <p:cTn id="74" fill="hold">
+                            <p:stCondLst>
+                              <p:cond delay="0"/>
+                            </p:stCondLst>
+                            <p:childTnLst>
+                              <p:par>
+                                <p:cTn id="75" presetID="42" presetClass="entr" presetSubtype="0" fill="hold" grpId="0" nodeType="clickEffect">
+                                  <p:stCondLst>
+                                    <p:cond delay="0"/>
+                                  </p:stCondLst>
+                                  <p:childTnLst>
+                                    <p:set>
+                                      <p:cBhvr>
+                                        <p:cTn id="76" dur="1" fill="hold">
+                                          <p:stCondLst>
+                                            <p:cond delay="0"/>
+                                          </p:stCondLst>
+                                        </p:cTn>
+                                        <p:tgtEl>
+                                          <p:spTgt spid="3">
+                                            <p:txEl>
+                                              <p:pRg st="8" end="8"/>
+                                            </p:txEl>
+                                          </p:spTgt>
+                                        </p:tgtEl>
+                                        <p:attrNameLst>
+                                          <p:attrName>style.visibility</p:attrName>
+                                        </p:attrNameLst>
+                                      </p:cBhvr>
+                                      <p:to>
+                                        <p:strVal val="visible"/>
+                                      </p:to>
+                                    </p:set>
+                                    <p:animEffect transition="in" filter="fade">
+                                      <p:cBhvr>
+                                        <p:cTn id="77" dur="1000"/>
+                                        <p:tgtEl>
+                                          <p:spTgt spid="3">
+                                            <p:txEl>
+                                              <p:pRg st="8" end="8"/>
+                                            </p:txEl>
+                                          </p:spTgt>
+                                        </p:tgtEl>
+                                      </p:cBhvr>
+                                    </p:animEffect>
+                                    <p:anim calcmode="lin" valueType="num">
+                                      <p:cBhvr>
+                                        <p:cTn id="78" dur="1000" fill="hold"/>
+                                        <p:tgtEl>
+                                          <p:spTgt spid="3">
+                                            <p:txEl>
+                                              <p:pRg st="8" end="8"/>
+                                            </p:txEl>
+                                          </p:spTgt>
+                                        </p:tgtEl>
+                                        <p:attrNameLst>
+                                          <p:attrName>ppt_x</p:attrName>
+                                        </p:attrNameLst>
+                                      </p:cBhvr>
+                                      <p:tavLst>
+                                        <p:tav tm="0">
+                                          <p:val>
+                                            <p:strVal val="#ppt_x"/>
+                                          </p:val>
+                                        </p:tav>
+                                        <p:tav tm="100000">
+                                          <p:val>
+                                            <p:strVal val="#ppt_x"/>
+                                          </p:val>
+                                        </p:tav>
+                                      </p:tavLst>
+                                    </p:anim>
+                                    <p:anim calcmode="lin" valueType="num">
+                                      <p:cBhvr>
+                                        <p:cTn id="79" dur="1000" fill="hold"/>
+                                        <p:tgtEl>
+                                          <p:spTgt spid="3">
+                                            <p:txEl>
+                                              <p:pRg st="8" end="8"/>
+                                            </p:txEl>
+                                          </p:spTgt>
+                                        </p:tgtEl>
+                                        <p:attrNameLst>
+                                          <p:attrName>ppt_y</p:attrName>
+                                        </p:attrNameLst>
+                                      </p:cBhvr>
+                                      <p:tavLst>
+                                        <p:tav tm="0">
+                                          <p:val>
+                                            <p:strVal val="#ppt_y+.1"/>
+                                          </p:val>
+                                        </p:tav>
+                                        <p:tav tm="100000">
+                                          <p:val>
+                                            <p:strVal val="#ppt_y"/>
+                                          </p:val>
+                                        </p:tav>
+                                      </p:tavLst>
+                                    </p:anim>
+                                  </p:childTnLst>
+                                </p:cTn>
+                              </p:par>
+                            </p:childTnLst>
+                          </p:cTn>
+                        </p:par>
+                      </p:childTnLst>
+                    </p:cTn>
+                  </p:par>
+                  <p:par>
+                    <p:cTn id="80" fill="hold">
+                      <p:stCondLst>
+                        <p:cond delay="indefinite"/>
+                      </p:stCondLst>
+                      <p:childTnLst>
+                        <p:par>
+                          <p:cTn id="81" fill="hold">
+                            <p:stCondLst>
+                              <p:cond delay="0"/>
+                            </p:stCondLst>
+                            <p:childTnLst>
+                              <p:par>
+                                <p:cTn id="82" presetID="42" presetClass="entr" presetSubtype="0" fill="hold" grpId="0" nodeType="clickEffect">
+                                  <p:stCondLst>
+                                    <p:cond delay="0"/>
+                                  </p:stCondLst>
+                                  <p:childTnLst>
+                                    <p:set>
+                                      <p:cBhvr>
+                                        <p:cTn id="83" dur="1" fill="hold">
+                                          <p:stCondLst>
+                                            <p:cond delay="0"/>
+                                          </p:stCondLst>
+                                        </p:cTn>
+                                        <p:tgtEl>
+                                          <p:spTgt spid="3">
+                                            <p:txEl>
+                                              <p:pRg st="9" end="9"/>
+                                            </p:txEl>
+                                          </p:spTgt>
+                                        </p:tgtEl>
+                                        <p:attrNameLst>
+                                          <p:attrName>style.visibility</p:attrName>
+                                        </p:attrNameLst>
+                                      </p:cBhvr>
+                                      <p:to>
+                                        <p:strVal val="visible"/>
+                                      </p:to>
+                                    </p:set>
+                                    <p:animEffect transition="in" filter="fade">
+                                      <p:cBhvr>
+                                        <p:cTn id="84" dur="1000"/>
+                                        <p:tgtEl>
+                                          <p:spTgt spid="3">
+                                            <p:txEl>
+                                              <p:pRg st="9" end="9"/>
+                                            </p:txEl>
+                                          </p:spTgt>
+                                        </p:tgtEl>
+                                      </p:cBhvr>
+                                    </p:animEffect>
+                                    <p:anim calcmode="lin" valueType="num">
+                                      <p:cBhvr>
+                                        <p:cTn id="85" dur="1000" fill="hold"/>
+                                        <p:tgtEl>
+                                          <p:spTgt spid="3">
+                                            <p:txEl>
+                                              <p:pRg st="9" end="9"/>
+                                            </p:txEl>
+                                          </p:spTgt>
+                                        </p:tgtEl>
+                                        <p:attrNameLst>
+                                          <p:attrName>ppt_x</p:attrName>
+                                        </p:attrNameLst>
+                                      </p:cBhvr>
+                                      <p:tavLst>
+                                        <p:tav tm="0">
+                                          <p:val>
+                                            <p:strVal val="#ppt_x"/>
+                                          </p:val>
+                                        </p:tav>
+                                        <p:tav tm="100000">
+                                          <p:val>
+                                            <p:strVal val="#ppt_x"/>
+                                          </p:val>
+                                        </p:tav>
+                                      </p:tavLst>
+                                    </p:anim>
+                                    <p:anim calcmode="lin" valueType="num">
+                                      <p:cBhvr>
+                                        <p:cTn id="86" dur="1000" fill="hold"/>
+                                        <p:tgtEl>
+                                          <p:spTgt spid="3">
+                                            <p:txEl>
+                                              <p:pRg st="9" end="9"/>
                                             </p:txEl>
                                           </p:spTgt>
                                         </p:tgtEl>
@@ -7159,7 +13812,8 @@
       </p:par>
     </p:tnLst>
     <p:bldLst>
-      <p:bldP spid="3" grpId="0" build="p"/>
+      <p:bldP spid="3" grpId="0" uiExpand="1" build="p"/>
+      <p:bldP spid="4" grpId="0" uiExpand="1" build="p"/>
     </p:bldLst>
   </p:timing>
 </p:sld>
@@ -7187,7 +13841,7 @@
           <p:cNvPr id="2" name="Title 1">
             <a:extLst>
               <a:ext uri="{FF2B5EF4-FFF2-40B4-BE49-F238E27FC236}">
-                <a16:creationId xmlns:a16="http://schemas.microsoft.com/office/drawing/2014/main" id="{A2B988E6-E355-4115-9187-0425450CEB77}"/>
+                <a16:creationId xmlns:a16="http://schemas.microsoft.com/office/drawing/2014/main" id="{2694B56A-F15B-4F10-A696-156423FE3AA5}"/>
               </a:ext>
             </a:extLst>
           </p:cNvPr>
@@ -7205,7 +13859,7 @@
           <a:p>
             <a:r>
               <a:rPr lang="en-US" dirty="0"/>
-              <a:t>Designing business logic in MSA</a:t>
+              <a:t>4.Managing transactions</a:t>
             </a:r>
           </a:p>
         </p:txBody>
@@ -7215,7 +13869,7 @@
           <p:cNvPr id="3" name="Content Placeholder 2">
             <a:extLst>
               <a:ext uri="{FF2B5EF4-FFF2-40B4-BE49-F238E27FC236}">
-                <a16:creationId xmlns:a16="http://schemas.microsoft.com/office/drawing/2014/main" id="{36A2F49C-24A0-42D9-9431-72F4D12702F4}"/>
+                <a16:creationId xmlns:a16="http://schemas.microsoft.com/office/drawing/2014/main" id="{594C6CCC-E923-4ADE-B3B1-FF7664957271}"/>
               </a:ext>
             </a:extLst>
           </p:cNvPr>
@@ -7233,30 +13887,25 @@
           <a:p>
             <a:r>
               <a:rPr lang="en-US" dirty="0"/>
-              <a:t>Business logic – </a:t>
-            </a:r>
-            <a:r>
-              <a:rPr lang="en-US" dirty="0" err="1"/>
-              <a:t>orgnizations</a:t>
-            </a:r>
-            <a:endParaRPr lang="en-US" dirty="0"/>
-          </a:p>
-          <a:p>
-            <a:r>
-              <a:rPr lang="en-US" dirty="0"/>
-              <a:t>Designing a domain model using the DDD aggregate pattern</a:t>
-            </a:r>
-          </a:p>
-          <a:p>
-            <a:r>
-              <a:rPr lang="en-US" dirty="0"/>
-              <a:t>Publishing domain events</a:t>
-            </a:r>
-          </a:p>
-          <a:p>
-            <a:r>
-              <a:rPr lang="en-US" dirty="0"/>
-              <a:t>Designing business logic - Examples</a:t>
+              <a:t>Transaction Management in MSA</a:t>
+            </a:r>
+          </a:p>
+          <a:p>
+            <a:r>
+              <a:rPr lang="en-US" dirty="0"/>
+              <a:t>Co-ordinating Sagas</a:t>
+            </a:r>
+          </a:p>
+          <a:p>
+            <a:r>
+              <a:rPr lang="en-US" dirty="0"/>
+              <a:t>Handling the lack of isolation</a:t>
+            </a:r>
+          </a:p>
+          <a:p>
+            <a:r>
+              <a:rPr lang="en-US" dirty="0"/>
+              <a:t>Design a service with Saga ( example)</a:t>
             </a:r>
           </a:p>
         </p:txBody>
@@ -7264,7 +13913,7 @@
     </p:spTree>
     <p:extLst>
       <p:ext uri="{BB962C8B-B14F-4D97-AF65-F5344CB8AC3E}">
-        <p14:creationId xmlns:p14="http://schemas.microsoft.com/office/powerpoint/2010/main" val="1959189766"/>
+        <p14:creationId xmlns:p14="http://schemas.microsoft.com/office/powerpoint/2010/main" val="4181169429"/>
       </p:ext>
     </p:extLst>
   </p:cSld>
@@ -7789,6 +14438,603 @@
           <p:cNvPr id="2" name="Title 1">
             <a:extLst>
               <a:ext uri="{FF2B5EF4-FFF2-40B4-BE49-F238E27FC236}">
+                <a16:creationId xmlns:a16="http://schemas.microsoft.com/office/drawing/2014/main" id="{A2B988E6-E355-4115-9187-0425450CEB77}"/>
+              </a:ext>
+            </a:extLst>
+          </p:cNvPr>
+          <p:cNvSpPr>
+            <a:spLocks noGrp="1"/>
+          </p:cNvSpPr>
+          <p:nvPr>
+            <p:ph type="title"/>
+          </p:nvPr>
+        </p:nvSpPr>
+        <p:spPr/>
+        <p:txBody>
+          <a:bodyPr/>
+          <a:lstStyle/>
+          <a:p>
+            <a:r>
+              <a:rPr lang="en-US" dirty="0"/>
+              <a:t>5.Designing business logic in MSA</a:t>
+            </a:r>
+          </a:p>
+        </p:txBody>
+      </p:sp>
+      <p:sp>
+        <p:nvSpPr>
+          <p:cNvPr id="3" name="Content Placeholder 2">
+            <a:extLst>
+              <a:ext uri="{FF2B5EF4-FFF2-40B4-BE49-F238E27FC236}">
+                <a16:creationId xmlns:a16="http://schemas.microsoft.com/office/drawing/2014/main" id="{36A2F49C-24A0-42D9-9431-72F4D12702F4}"/>
+              </a:ext>
+            </a:extLst>
+          </p:cNvPr>
+          <p:cNvSpPr>
+            <a:spLocks noGrp="1"/>
+          </p:cNvSpPr>
+          <p:nvPr>
+            <p:ph idx="1"/>
+          </p:nvPr>
+        </p:nvSpPr>
+        <p:spPr/>
+        <p:txBody>
+          <a:bodyPr/>
+          <a:lstStyle/>
+          <a:p>
+            <a:r>
+              <a:rPr lang="en-US" dirty="0"/>
+              <a:t>Business logic – organizations</a:t>
+            </a:r>
+          </a:p>
+          <a:p>
+            <a:r>
+              <a:rPr lang="en-US" dirty="0"/>
+              <a:t>Designing a domain model using the DDD aggregate pattern</a:t>
+            </a:r>
+          </a:p>
+          <a:p>
+            <a:r>
+              <a:rPr lang="en-US" dirty="0"/>
+              <a:t>Publishing domain events</a:t>
+            </a:r>
+          </a:p>
+          <a:p>
+            <a:r>
+              <a:rPr lang="en-US" dirty="0"/>
+              <a:t>Designing business logic - Examples</a:t>
+            </a:r>
+          </a:p>
+        </p:txBody>
+      </p:sp>
+    </p:spTree>
+    <p:extLst>
+      <p:ext uri="{BB962C8B-B14F-4D97-AF65-F5344CB8AC3E}">
+        <p14:creationId xmlns:p14="http://schemas.microsoft.com/office/powerpoint/2010/main" val="1959189766"/>
+      </p:ext>
+    </p:extLst>
+  </p:cSld>
+  <p:clrMapOvr>
+    <a:masterClrMapping/>
+  </p:clrMapOvr>
+  <p:timing>
+    <p:tnLst>
+      <p:par>
+        <p:cTn id="1" dur="indefinite" restart="never" nodeType="tmRoot">
+          <p:childTnLst>
+            <p:seq concurrent="1" nextAc="seek">
+              <p:cTn id="2" dur="indefinite" nodeType="mainSeq">
+                <p:childTnLst>
+                  <p:par>
+                    <p:cTn id="3" fill="hold">
+                      <p:stCondLst>
+                        <p:cond delay="indefinite"/>
+                      </p:stCondLst>
+                      <p:childTnLst>
+                        <p:par>
+                          <p:cTn id="4" fill="hold">
+                            <p:stCondLst>
+                              <p:cond delay="0"/>
+                            </p:stCondLst>
+                            <p:childTnLst>
+                              <p:par>
+                                <p:cTn id="5" presetID="42" presetClass="entr" presetSubtype="0" fill="hold" grpId="0" nodeType="clickEffect">
+                                  <p:stCondLst>
+                                    <p:cond delay="0"/>
+                                  </p:stCondLst>
+                                  <p:childTnLst>
+                                    <p:set>
+                                      <p:cBhvr>
+                                        <p:cTn id="6" dur="1" fill="hold">
+                                          <p:stCondLst>
+                                            <p:cond delay="0"/>
+                                          </p:stCondLst>
+                                        </p:cTn>
+                                        <p:tgtEl>
+                                          <p:spTgt spid="3">
+                                            <p:txEl>
+                                              <p:pRg st="0" end="0"/>
+                                            </p:txEl>
+                                          </p:spTgt>
+                                        </p:tgtEl>
+                                        <p:attrNameLst>
+                                          <p:attrName>style.visibility</p:attrName>
+                                        </p:attrNameLst>
+                                      </p:cBhvr>
+                                      <p:to>
+                                        <p:strVal val="visible"/>
+                                      </p:to>
+                                    </p:set>
+                                    <p:animEffect transition="in" filter="fade">
+                                      <p:cBhvr>
+                                        <p:cTn id="7" dur="1000"/>
+                                        <p:tgtEl>
+                                          <p:spTgt spid="3">
+                                            <p:txEl>
+                                              <p:pRg st="0" end="0"/>
+                                            </p:txEl>
+                                          </p:spTgt>
+                                        </p:tgtEl>
+                                      </p:cBhvr>
+                                    </p:animEffect>
+                                    <p:anim calcmode="lin" valueType="num">
+                                      <p:cBhvr>
+                                        <p:cTn id="8" dur="1000" fill="hold"/>
+                                        <p:tgtEl>
+                                          <p:spTgt spid="3">
+                                            <p:txEl>
+                                              <p:pRg st="0" end="0"/>
+                                            </p:txEl>
+                                          </p:spTgt>
+                                        </p:tgtEl>
+                                        <p:attrNameLst>
+                                          <p:attrName>ppt_x</p:attrName>
+                                        </p:attrNameLst>
+                                      </p:cBhvr>
+                                      <p:tavLst>
+                                        <p:tav tm="0">
+                                          <p:val>
+                                            <p:strVal val="#ppt_x"/>
+                                          </p:val>
+                                        </p:tav>
+                                        <p:tav tm="100000">
+                                          <p:val>
+                                            <p:strVal val="#ppt_x"/>
+                                          </p:val>
+                                        </p:tav>
+                                      </p:tavLst>
+                                    </p:anim>
+                                    <p:anim calcmode="lin" valueType="num">
+                                      <p:cBhvr>
+                                        <p:cTn id="9" dur="1000" fill="hold"/>
+                                        <p:tgtEl>
+                                          <p:spTgt spid="3">
+                                            <p:txEl>
+                                              <p:pRg st="0" end="0"/>
+                                            </p:txEl>
+                                          </p:spTgt>
+                                        </p:tgtEl>
+                                        <p:attrNameLst>
+                                          <p:attrName>ppt_y</p:attrName>
+                                        </p:attrNameLst>
+                                      </p:cBhvr>
+                                      <p:tavLst>
+                                        <p:tav tm="0">
+                                          <p:val>
+                                            <p:strVal val="#ppt_y+.1"/>
+                                          </p:val>
+                                        </p:tav>
+                                        <p:tav tm="100000">
+                                          <p:val>
+                                            <p:strVal val="#ppt_y"/>
+                                          </p:val>
+                                        </p:tav>
+                                      </p:tavLst>
+                                    </p:anim>
+                                  </p:childTnLst>
+                                </p:cTn>
+                              </p:par>
+                            </p:childTnLst>
+                          </p:cTn>
+                        </p:par>
+                      </p:childTnLst>
+                    </p:cTn>
+                  </p:par>
+                  <p:par>
+                    <p:cTn id="10" fill="hold">
+                      <p:stCondLst>
+                        <p:cond delay="indefinite"/>
+                      </p:stCondLst>
+                      <p:childTnLst>
+                        <p:par>
+                          <p:cTn id="11" fill="hold">
+                            <p:stCondLst>
+                              <p:cond delay="0"/>
+                            </p:stCondLst>
+                            <p:childTnLst>
+                              <p:par>
+                                <p:cTn id="12" presetID="42" presetClass="entr" presetSubtype="0" fill="hold" grpId="0" nodeType="clickEffect">
+                                  <p:stCondLst>
+                                    <p:cond delay="0"/>
+                                  </p:stCondLst>
+                                  <p:childTnLst>
+                                    <p:set>
+                                      <p:cBhvr>
+                                        <p:cTn id="13" dur="1" fill="hold">
+                                          <p:stCondLst>
+                                            <p:cond delay="0"/>
+                                          </p:stCondLst>
+                                        </p:cTn>
+                                        <p:tgtEl>
+                                          <p:spTgt spid="3">
+                                            <p:txEl>
+                                              <p:pRg st="1" end="1"/>
+                                            </p:txEl>
+                                          </p:spTgt>
+                                        </p:tgtEl>
+                                        <p:attrNameLst>
+                                          <p:attrName>style.visibility</p:attrName>
+                                        </p:attrNameLst>
+                                      </p:cBhvr>
+                                      <p:to>
+                                        <p:strVal val="visible"/>
+                                      </p:to>
+                                    </p:set>
+                                    <p:animEffect transition="in" filter="fade">
+                                      <p:cBhvr>
+                                        <p:cTn id="14" dur="1000"/>
+                                        <p:tgtEl>
+                                          <p:spTgt spid="3">
+                                            <p:txEl>
+                                              <p:pRg st="1" end="1"/>
+                                            </p:txEl>
+                                          </p:spTgt>
+                                        </p:tgtEl>
+                                      </p:cBhvr>
+                                    </p:animEffect>
+                                    <p:anim calcmode="lin" valueType="num">
+                                      <p:cBhvr>
+                                        <p:cTn id="15" dur="1000" fill="hold"/>
+                                        <p:tgtEl>
+                                          <p:spTgt spid="3">
+                                            <p:txEl>
+                                              <p:pRg st="1" end="1"/>
+                                            </p:txEl>
+                                          </p:spTgt>
+                                        </p:tgtEl>
+                                        <p:attrNameLst>
+                                          <p:attrName>ppt_x</p:attrName>
+                                        </p:attrNameLst>
+                                      </p:cBhvr>
+                                      <p:tavLst>
+                                        <p:tav tm="0">
+                                          <p:val>
+                                            <p:strVal val="#ppt_x"/>
+                                          </p:val>
+                                        </p:tav>
+                                        <p:tav tm="100000">
+                                          <p:val>
+                                            <p:strVal val="#ppt_x"/>
+                                          </p:val>
+                                        </p:tav>
+                                      </p:tavLst>
+                                    </p:anim>
+                                    <p:anim calcmode="lin" valueType="num">
+                                      <p:cBhvr>
+                                        <p:cTn id="16" dur="1000" fill="hold"/>
+                                        <p:tgtEl>
+                                          <p:spTgt spid="3">
+                                            <p:txEl>
+                                              <p:pRg st="1" end="1"/>
+                                            </p:txEl>
+                                          </p:spTgt>
+                                        </p:tgtEl>
+                                        <p:attrNameLst>
+                                          <p:attrName>ppt_y</p:attrName>
+                                        </p:attrNameLst>
+                                      </p:cBhvr>
+                                      <p:tavLst>
+                                        <p:tav tm="0">
+                                          <p:val>
+                                            <p:strVal val="#ppt_y+.1"/>
+                                          </p:val>
+                                        </p:tav>
+                                        <p:tav tm="100000">
+                                          <p:val>
+                                            <p:strVal val="#ppt_y"/>
+                                          </p:val>
+                                        </p:tav>
+                                      </p:tavLst>
+                                    </p:anim>
+                                  </p:childTnLst>
+                                </p:cTn>
+                              </p:par>
+                            </p:childTnLst>
+                          </p:cTn>
+                        </p:par>
+                      </p:childTnLst>
+                    </p:cTn>
+                  </p:par>
+                  <p:par>
+                    <p:cTn id="17" fill="hold">
+                      <p:stCondLst>
+                        <p:cond delay="indefinite"/>
+                      </p:stCondLst>
+                      <p:childTnLst>
+                        <p:par>
+                          <p:cTn id="18" fill="hold">
+                            <p:stCondLst>
+                              <p:cond delay="0"/>
+                            </p:stCondLst>
+                            <p:childTnLst>
+                              <p:par>
+                                <p:cTn id="19" presetID="42" presetClass="entr" presetSubtype="0" fill="hold" grpId="0" nodeType="clickEffect">
+                                  <p:stCondLst>
+                                    <p:cond delay="0"/>
+                                  </p:stCondLst>
+                                  <p:childTnLst>
+                                    <p:set>
+                                      <p:cBhvr>
+                                        <p:cTn id="20" dur="1" fill="hold">
+                                          <p:stCondLst>
+                                            <p:cond delay="0"/>
+                                          </p:stCondLst>
+                                        </p:cTn>
+                                        <p:tgtEl>
+                                          <p:spTgt spid="3">
+                                            <p:txEl>
+                                              <p:pRg st="2" end="2"/>
+                                            </p:txEl>
+                                          </p:spTgt>
+                                        </p:tgtEl>
+                                        <p:attrNameLst>
+                                          <p:attrName>style.visibility</p:attrName>
+                                        </p:attrNameLst>
+                                      </p:cBhvr>
+                                      <p:to>
+                                        <p:strVal val="visible"/>
+                                      </p:to>
+                                    </p:set>
+                                    <p:animEffect transition="in" filter="fade">
+                                      <p:cBhvr>
+                                        <p:cTn id="21" dur="1000"/>
+                                        <p:tgtEl>
+                                          <p:spTgt spid="3">
+                                            <p:txEl>
+                                              <p:pRg st="2" end="2"/>
+                                            </p:txEl>
+                                          </p:spTgt>
+                                        </p:tgtEl>
+                                      </p:cBhvr>
+                                    </p:animEffect>
+                                    <p:anim calcmode="lin" valueType="num">
+                                      <p:cBhvr>
+                                        <p:cTn id="22" dur="1000" fill="hold"/>
+                                        <p:tgtEl>
+                                          <p:spTgt spid="3">
+                                            <p:txEl>
+                                              <p:pRg st="2" end="2"/>
+                                            </p:txEl>
+                                          </p:spTgt>
+                                        </p:tgtEl>
+                                        <p:attrNameLst>
+                                          <p:attrName>ppt_x</p:attrName>
+                                        </p:attrNameLst>
+                                      </p:cBhvr>
+                                      <p:tavLst>
+                                        <p:tav tm="0">
+                                          <p:val>
+                                            <p:strVal val="#ppt_x"/>
+                                          </p:val>
+                                        </p:tav>
+                                        <p:tav tm="100000">
+                                          <p:val>
+                                            <p:strVal val="#ppt_x"/>
+                                          </p:val>
+                                        </p:tav>
+                                      </p:tavLst>
+                                    </p:anim>
+                                    <p:anim calcmode="lin" valueType="num">
+                                      <p:cBhvr>
+                                        <p:cTn id="23" dur="1000" fill="hold"/>
+                                        <p:tgtEl>
+                                          <p:spTgt spid="3">
+                                            <p:txEl>
+                                              <p:pRg st="2" end="2"/>
+                                            </p:txEl>
+                                          </p:spTgt>
+                                        </p:tgtEl>
+                                        <p:attrNameLst>
+                                          <p:attrName>ppt_y</p:attrName>
+                                        </p:attrNameLst>
+                                      </p:cBhvr>
+                                      <p:tavLst>
+                                        <p:tav tm="0">
+                                          <p:val>
+                                            <p:strVal val="#ppt_y+.1"/>
+                                          </p:val>
+                                        </p:tav>
+                                        <p:tav tm="100000">
+                                          <p:val>
+                                            <p:strVal val="#ppt_y"/>
+                                          </p:val>
+                                        </p:tav>
+                                      </p:tavLst>
+                                    </p:anim>
+                                  </p:childTnLst>
+                                </p:cTn>
+                              </p:par>
+                            </p:childTnLst>
+                          </p:cTn>
+                        </p:par>
+                      </p:childTnLst>
+                    </p:cTn>
+                  </p:par>
+                  <p:par>
+                    <p:cTn id="24" fill="hold">
+                      <p:stCondLst>
+                        <p:cond delay="indefinite"/>
+                      </p:stCondLst>
+                      <p:childTnLst>
+                        <p:par>
+                          <p:cTn id="25" fill="hold">
+                            <p:stCondLst>
+                              <p:cond delay="0"/>
+                            </p:stCondLst>
+                            <p:childTnLst>
+                              <p:par>
+                                <p:cTn id="26" presetID="42" presetClass="entr" presetSubtype="0" fill="hold" grpId="0" nodeType="clickEffect">
+                                  <p:stCondLst>
+                                    <p:cond delay="0"/>
+                                  </p:stCondLst>
+                                  <p:childTnLst>
+                                    <p:set>
+                                      <p:cBhvr>
+                                        <p:cTn id="27" dur="1" fill="hold">
+                                          <p:stCondLst>
+                                            <p:cond delay="0"/>
+                                          </p:stCondLst>
+                                        </p:cTn>
+                                        <p:tgtEl>
+                                          <p:spTgt spid="3">
+                                            <p:txEl>
+                                              <p:pRg st="3" end="3"/>
+                                            </p:txEl>
+                                          </p:spTgt>
+                                        </p:tgtEl>
+                                        <p:attrNameLst>
+                                          <p:attrName>style.visibility</p:attrName>
+                                        </p:attrNameLst>
+                                      </p:cBhvr>
+                                      <p:to>
+                                        <p:strVal val="visible"/>
+                                      </p:to>
+                                    </p:set>
+                                    <p:animEffect transition="in" filter="fade">
+                                      <p:cBhvr>
+                                        <p:cTn id="28" dur="1000"/>
+                                        <p:tgtEl>
+                                          <p:spTgt spid="3">
+                                            <p:txEl>
+                                              <p:pRg st="3" end="3"/>
+                                            </p:txEl>
+                                          </p:spTgt>
+                                        </p:tgtEl>
+                                      </p:cBhvr>
+                                    </p:animEffect>
+                                    <p:anim calcmode="lin" valueType="num">
+                                      <p:cBhvr>
+                                        <p:cTn id="29" dur="1000" fill="hold"/>
+                                        <p:tgtEl>
+                                          <p:spTgt spid="3">
+                                            <p:txEl>
+                                              <p:pRg st="3" end="3"/>
+                                            </p:txEl>
+                                          </p:spTgt>
+                                        </p:tgtEl>
+                                        <p:attrNameLst>
+                                          <p:attrName>ppt_x</p:attrName>
+                                        </p:attrNameLst>
+                                      </p:cBhvr>
+                                      <p:tavLst>
+                                        <p:tav tm="0">
+                                          <p:val>
+                                            <p:strVal val="#ppt_x"/>
+                                          </p:val>
+                                        </p:tav>
+                                        <p:tav tm="100000">
+                                          <p:val>
+                                            <p:strVal val="#ppt_x"/>
+                                          </p:val>
+                                        </p:tav>
+                                      </p:tavLst>
+                                    </p:anim>
+                                    <p:anim calcmode="lin" valueType="num">
+                                      <p:cBhvr>
+                                        <p:cTn id="30" dur="1000" fill="hold"/>
+                                        <p:tgtEl>
+                                          <p:spTgt spid="3">
+                                            <p:txEl>
+                                              <p:pRg st="3" end="3"/>
+                                            </p:txEl>
+                                          </p:spTgt>
+                                        </p:tgtEl>
+                                        <p:attrNameLst>
+                                          <p:attrName>ppt_y</p:attrName>
+                                        </p:attrNameLst>
+                                      </p:cBhvr>
+                                      <p:tavLst>
+                                        <p:tav tm="0">
+                                          <p:val>
+                                            <p:strVal val="#ppt_y+.1"/>
+                                          </p:val>
+                                        </p:tav>
+                                        <p:tav tm="100000">
+                                          <p:val>
+                                            <p:strVal val="#ppt_y"/>
+                                          </p:val>
+                                        </p:tav>
+                                      </p:tavLst>
+                                    </p:anim>
+                                  </p:childTnLst>
+                                </p:cTn>
+                              </p:par>
+                            </p:childTnLst>
+                          </p:cTn>
+                        </p:par>
+                      </p:childTnLst>
+                    </p:cTn>
+                  </p:par>
+                </p:childTnLst>
+              </p:cTn>
+              <p:prevCondLst>
+                <p:cond evt="onPrev" delay="0">
+                  <p:tgtEl>
+                    <p:sldTgt/>
+                  </p:tgtEl>
+                </p:cond>
+              </p:prevCondLst>
+              <p:nextCondLst>
+                <p:cond evt="onNext" delay="0">
+                  <p:tgtEl>
+                    <p:sldTgt/>
+                  </p:tgtEl>
+                </p:cond>
+              </p:nextCondLst>
+            </p:seq>
+          </p:childTnLst>
+        </p:cTn>
+      </p:par>
+    </p:tnLst>
+    <p:bldLst>
+      <p:bldP spid="3" grpId="0" build="p"/>
+    </p:bldLst>
+  </p:timing>
+</p:sld>
+</file>
+
+<file path=ppt/slides/slide7.xml><?xml version="1.0" encoding="utf-8"?>
+<p:sld xmlns:a="http://schemas.openxmlformats.org/drawingml/2006/main" xmlns:r="http://schemas.openxmlformats.org/officeDocument/2006/relationships" xmlns:p="http://schemas.openxmlformats.org/presentationml/2006/main">
+  <p:cSld>
+    <p:spTree>
+      <p:nvGrpSpPr>
+        <p:cNvPr id="1" name=""/>
+        <p:cNvGrpSpPr/>
+        <p:nvPr/>
+      </p:nvGrpSpPr>
+      <p:grpSpPr>
+        <a:xfrm>
+          <a:off x="0" y="0"/>
+          <a:ext cx="0" cy="0"/>
+          <a:chOff x="0" y="0"/>
+          <a:chExt cx="0" cy="0"/>
+        </a:xfrm>
+      </p:grpSpPr>
+      <p:sp>
+        <p:nvSpPr>
+          <p:cNvPr id="2" name="Title 1">
+            <a:extLst>
+              <a:ext uri="{FF2B5EF4-FFF2-40B4-BE49-F238E27FC236}">
                 <a16:creationId xmlns:a16="http://schemas.microsoft.com/office/drawing/2014/main" id="{A5CE64E6-42D8-49DB-8552-1E1D44554771}"/>
               </a:ext>
             </a:extLst>
@@ -7807,7 +15053,7 @@
           <a:p>
             <a:r>
               <a:rPr lang="en-US" dirty="0"/>
-              <a:t>Developing business logic with event sourcing</a:t>
+              <a:t>6.Developing business logic with event sourcing</a:t>
             </a:r>
           </a:p>
         </p:txBody>
@@ -8189,6 +15435,1217 @@
                                           <p:spTgt spid="3">
                                             <p:txEl>
                                               <p:pRg st="2" end="2"/>
+                                            </p:txEl>
+                                          </p:spTgt>
+                                        </p:tgtEl>
+                                        <p:attrNameLst>
+                                          <p:attrName>ppt_y</p:attrName>
+                                        </p:attrNameLst>
+                                      </p:cBhvr>
+                                      <p:tavLst>
+                                        <p:tav tm="0">
+                                          <p:val>
+                                            <p:strVal val="#ppt_y+.1"/>
+                                          </p:val>
+                                        </p:tav>
+                                        <p:tav tm="100000">
+                                          <p:val>
+                                            <p:strVal val="#ppt_y"/>
+                                          </p:val>
+                                        </p:tav>
+                                      </p:tavLst>
+                                    </p:anim>
+                                  </p:childTnLst>
+                                </p:cTn>
+                              </p:par>
+                            </p:childTnLst>
+                          </p:cTn>
+                        </p:par>
+                      </p:childTnLst>
+                    </p:cTn>
+                  </p:par>
+                </p:childTnLst>
+              </p:cTn>
+              <p:prevCondLst>
+                <p:cond evt="onPrev" delay="0">
+                  <p:tgtEl>
+                    <p:sldTgt/>
+                  </p:tgtEl>
+                </p:cond>
+              </p:prevCondLst>
+              <p:nextCondLst>
+                <p:cond evt="onNext" delay="0">
+                  <p:tgtEl>
+                    <p:sldTgt/>
+                  </p:tgtEl>
+                </p:cond>
+              </p:nextCondLst>
+            </p:seq>
+          </p:childTnLst>
+        </p:cTn>
+      </p:par>
+    </p:tnLst>
+    <p:bldLst>
+      <p:bldP spid="3" grpId="0" build="p"/>
+    </p:bldLst>
+  </p:timing>
+</p:sld>
+</file>
+
+<file path=ppt/slides/slide8.xml><?xml version="1.0" encoding="utf-8"?>
+<p:sld xmlns:a="http://schemas.openxmlformats.org/drawingml/2006/main" xmlns:r="http://schemas.openxmlformats.org/officeDocument/2006/relationships" xmlns:p="http://schemas.openxmlformats.org/presentationml/2006/main">
+  <p:cSld>
+    <p:spTree>
+      <p:nvGrpSpPr>
+        <p:cNvPr id="1" name=""/>
+        <p:cNvGrpSpPr/>
+        <p:nvPr/>
+      </p:nvGrpSpPr>
+      <p:grpSpPr>
+        <a:xfrm>
+          <a:off x="0" y="0"/>
+          <a:ext cx="0" cy="0"/>
+          <a:chOff x="0" y="0"/>
+          <a:chExt cx="0" cy="0"/>
+        </a:xfrm>
+      </p:grpSpPr>
+      <p:sp>
+        <p:nvSpPr>
+          <p:cNvPr id="2" name="Title 1">
+            <a:extLst>
+              <a:ext uri="{FF2B5EF4-FFF2-40B4-BE49-F238E27FC236}">
+                <a16:creationId xmlns:a16="http://schemas.microsoft.com/office/drawing/2014/main" id="{4021FA56-889F-4474-B8EB-DAF1942E5780}"/>
+              </a:ext>
+            </a:extLst>
+          </p:cNvPr>
+          <p:cNvSpPr>
+            <a:spLocks noGrp="1"/>
+          </p:cNvSpPr>
+          <p:nvPr>
+            <p:ph type="title"/>
+          </p:nvPr>
+        </p:nvSpPr>
+        <p:spPr/>
+        <p:txBody>
+          <a:bodyPr/>
+          <a:lstStyle/>
+          <a:p>
+            <a:r>
+              <a:rPr lang="en-US" dirty="0"/>
+              <a:t>7.Implementing queries in MSA</a:t>
+            </a:r>
+          </a:p>
+        </p:txBody>
+      </p:sp>
+      <p:sp>
+        <p:nvSpPr>
+          <p:cNvPr id="3" name="Content Placeholder 2">
+            <a:extLst>
+              <a:ext uri="{FF2B5EF4-FFF2-40B4-BE49-F238E27FC236}">
+                <a16:creationId xmlns:a16="http://schemas.microsoft.com/office/drawing/2014/main" id="{643967AA-4A7B-4E34-912F-2A379AE3138A}"/>
+              </a:ext>
+            </a:extLst>
+          </p:cNvPr>
+          <p:cNvSpPr>
+            <a:spLocks noGrp="1"/>
+          </p:cNvSpPr>
+          <p:nvPr>
+            <p:ph idx="1"/>
+          </p:nvPr>
+        </p:nvSpPr>
+        <p:spPr/>
+        <p:txBody>
+          <a:bodyPr/>
+          <a:lstStyle/>
+          <a:p>
+            <a:r>
+              <a:rPr lang="en-US" dirty="0"/>
+              <a:t>Querying using API composition </a:t>
+            </a:r>
+          </a:p>
+          <a:p>
+            <a:r>
+              <a:rPr lang="en-US" dirty="0"/>
+              <a:t>Using CQRS</a:t>
+            </a:r>
+          </a:p>
+          <a:p>
+            <a:r>
+              <a:rPr lang="en-US" dirty="0"/>
+              <a:t>Designing CQRS views</a:t>
+            </a:r>
+          </a:p>
+          <a:p>
+            <a:r>
+              <a:rPr lang="en-US" dirty="0"/>
+              <a:t>Implementing a CQRS view with AWS DynamoDB ( example)</a:t>
+            </a:r>
+          </a:p>
+        </p:txBody>
+      </p:sp>
+    </p:spTree>
+    <p:extLst>
+      <p:ext uri="{BB962C8B-B14F-4D97-AF65-F5344CB8AC3E}">
+        <p14:creationId xmlns:p14="http://schemas.microsoft.com/office/powerpoint/2010/main" val="3241505337"/>
+      </p:ext>
+    </p:extLst>
+  </p:cSld>
+  <p:clrMapOvr>
+    <a:masterClrMapping/>
+  </p:clrMapOvr>
+  <mc:AlternateContent xmlns:mc="http://schemas.openxmlformats.org/markup-compatibility/2006">
+    <mc:Choice xmlns:p159="http://schemas.microsoft.com/office/powerpoint/2015/09/main" Requires="p159">
+      <p:transition xmlns:p14="http://schemas.microsoft.com/office/powerpoint/2010/main" spd="slow" p14:dur="2000">
+        <p159:morph option="byObject"/>
+      </p:transition>
+    </mc:Choice>
+    <mc:Fallback>
+      <p:transition spd="slow">
+        <p:fade/>
+      </p:transition>
+    </mc:Fallback>
+  </mc:AlternateContent>
+  <p:timing>
+    <p:tnLst>
+      <p:par>
+        <p:cTn id="1" dur="indefinite" restart="never" nodeType="tmRoot">
+          <p:childTnLst>
+            <p:seq concurrent="1" nextAc="seek">
+              <p:cTn id="2" dur="indefinite" nodeType="mainSeq">
+                <p:childTnLst>
+                  <p:par>
+                    <p:cTn id="3" fill="hold">
+                      <p:stCondLst>
+                        <p:cond delay="indefinite"/>
+                      </p:stCondLst>
+                      <p:childTnLst>
+                        <p:par>
+                          <p:cTn id="4" fill="hold">
+                            <p:stCondLst>
+                              <p:cond delay="0"/>
+                            </p:stCondLst>
+                            <p:childTnLst>
+                              <p:par>
+                                <p:cTn id="5" presetID="42" presetClass="entr" presetSubtype="0" fill="hold" grpId="0" nodeType="clickEffect">
+                                  <p:stCondLst>
+                                    <p:cond delay="0"/>
+                                  </p:stCondLst>
+                                  <p:childTnLst>
+                                    <p:set>
+                                      <p:cBhvr>
+                                        <p:cTn id="6" dur="1" fill="hold">
+                                          <p:stCondLst>
+                                            <p:cond delay="0"/>
+                                          </p:stCondLst>
+                                        </p:cTn>
+                                        <p:tgtEl>
+                                          <p:spTgt spid="3">
+                                            <p:txEl>
+                                              <p:pRg st="0" end="0"/>
+                                            </p:txEl>
+                                          </p:spTgt>
+                                        </p:tgtEl>
+                                        <p:attrNameLst>
+                                          <p:attrName>style.visibility</p:attrName>
+                                        </p:attrNameLst>
+                                      </p:cBhvr>
+                                      <p:to>
+                                        <p:strVal val="visible"/>
+                                      </p:to>
+                                    </p:set>
+                                    <p:animEffect transition="in" filter="fade">
+                                      <p:cBhvr>
+                                        <p:cTn id="7" dur="1000"/>
+                                        <p:tgtEl>
+                                          <p:spTgt spid="3">
+                                            <p:txEl>
+                                              <p:pRg st="0" end="0"/>
+                                            </p:txEl>
+                                          </p:spTgt>
+                                        </p:tgtEl>
+                                      </p:cBhvr>
+                                    </p:animEffect>
+                                    <p:anim calcmode="lin" valueType="num">
+                                      <p:cBhvr>
+                                        <p:cTn id="8" dur="1000" fill="hold"/>
+                                        <p:tgtEl>
+                                          <p:spTgt spid="3">
+                                            <p:txEl>
+                                              <p:pRg st="0" end="0"/>
+                                            </p:txEl>
+                                          </p:spTgt>
+                                        </p:tgtEl>
+                                        <p:attrNameLst>
+                                          <p:attrName>ppt_x</p:attrName>
+                                        </p:attrNameLst>
+                                      </p:cBhvr>
+                                      <p:tavLst>
+                                        <p:tav tm="0">
+                                          <p:val>
+                                            <p:strVal val="#ppt_x"/>
+                                          </p:val>
+                                        </p:tav>
+                                        <p:tav tm="100000">
+                                          <p:val>
+                                            <p:strVal val="#ppt_x"/>
+                                          </p:val>
+                                        </p:tav>
+                                      </p:tavLst>
+                                    </p:anim>
+                                    <p:anim calcmode="lin" valueType="num">
+                                      <p:cBhvr>
+                                        <p:cTn id="9" dur="1000" fill="hold"/>
+                                        <p:tgtEl>
+                                          <p:spTgt spid="3">
+                                            <p:txEl>
+                                              <p:pRg st="0" end="0"/>
+                                            </p:txEl>
+                                          </p:spTgt>
+                                        </p:tgtEl>
+                                        <p:attrNameLst>
+                                          <p:attrName>ppt_y</p:attrName>
+                                        </p:attrNameLst>
+                                      </p:cBhvr>
+                                      <p:tavLst>
+                                        <p:tav tm="0">
+                                          <p:val>
+                                            <p:strVal val="#ppt_y+.1"/>
+                                          </p:val>
+                                        </p:tav>
+                                        <p:tav tm="100000">
+                                          <p:val>
+                                            <p:strVal val="#ppt_y"/>
+                                          </p:val>
+                                        </p:tav>
+                                      </p:tavLst>
+                                    </p:anim>
+                                  </p:childTnLst>
+                                </p:cTn>
+                              </p:par>
+                            </p:childTnLst>
+                          </p:cTn>
+                        </p:par>
+                      </p:childTnLst>
+                    </p:cTn>
+                  </p:par>
+                  <p:par>
+                    <p:cTn id="10" fill="hold">
+                      <p:stCondLst>
+                        <p:cond delay="indefinite"/>
+                      </p:stCondLst>
+                      <p:childTnLst>
+                        <p:par>
+                          <p:cTn id="11" fill="hold">
+                            <p:stCondLst>
+                              <p:cond delay="0"/>
+                            </p:stCondLst>
+                            <p:childTnLst>
+                              <p:par>
+                                <p:cTn id="12" presetID="42" presetClass="entr" presetSubtype="0" fill="hold" grpId="0" nodeType="clickEffect">
+                                  <p:stCondLst>
+                                    <p:cond delay="0"/>
+                                  </p:stCondLst>
+                                  <p:childTnLst>
+                                    <p:set>
+                                      <p:cBhvr>
+                                        <p:cTn id="13" dur="1" fill="hold">
+                                          <p:stCondLst>
+                                            <p:cond delay="0"/>
+                                          </p:stCondLst>
+                                        </p:cTn>
+                                        <p:tgtEl>
+                                          <p:spTgt spid="3">
+                                            <p:txEl>
+                                              <p:pRg st="1" end="1"/>
+                                            </p:txEl>
+                                          </p:spTgt>
+                                        </p:tgtEl>
+                                        <p:attrNameLst>
+                                          <p:attrName>style.visibility</p:attrName>
+                                        </p:attrNameLst>
+                                      </p:cBhvr>
+                                      <p:to>
+                                        <p:strVal val="visible"/>
+                                      </p:to>
+                                    </p:set>
+                                    <p:animEffect transition="in" filter="fade">
+                                      <p:cBhvr>
+                                        <p:cTn id="14" dur="1000"/>
+                                        <p:tgtEl>
+                                          <p:spTgt spid="3">
+                                            <p:txEl>
+                                              <p:pRg st="1" end="1"/>
+                                            </p:txEl>
+                                          </p:spTgt>
+                                        </p:tgtEl>
+                                      </p:cBhvr>
+                                    </p:animEffect>
+                                    <p:anim calcmode="lin" valueType="num">
+                                      <p:cBhvr>
+                                        <p:cTn id="15" dur="1000" fill="hold"/>
+                                        <p:tgtEl>
+                                          <p:spTgt spid="3">
+                                            <p:txEl>
+                                              <p:pRg st="1" end="1"/>
+                                            </p:txEl>
+                                          </p:spTgt>
+                                        </p:tgtEl>
+                                        <p:attrNameLst>
+                                          <p:attrName>ppt_x</p:attrName>
+                                        </p:attrNameLst>
+                                      </p:cBhvr>
+                                      <p:tavLst>
+                                        <p:tav tm="0">
+                                          <p:val>
+                                            <p:strVal val="#ppt_x"/>
+                                          </p:val>
+                                        </p:tav>
+                                        <p:tav tm="100000">
+                                          <p:val>
+                                            <p:strVal val="#ppt_x"/>
+                                          </p:val>
+                                        </p:tav>
+                                      </p:tavLst>
+                                    </p:anim>
+                                    <p:anim calcmode="lin" valueType="num">
+                                      <p:cBhvr>
+                                        <p:cTn id="16" dur="1000" fill="hold"/>
+                                        <p:tgtEl>
+                                          <p:spTgt spid="3">
+                                            <p:txEl>
+                                              <p:pRg st="1" end="1"/>
+                                            </p:txEl>
+                                          </p:spTgt>
+                                        </p:tgtEl>
+                                        <p:attrNameLst>
+                                          <p:attrName>ppt_y</p:attrName>
+                                        </p:attrNameLst>
+                                      </p:cBhvr>
+                                      <p:tavLst>
+                                        <p:tav tm="0">
+                                          <p:val>
+                                            <p:strVal val="#ppt_y+.1"/>
+                                          </p:val>
+                                        </p:tav>
+                                        <p:tav tm="100000">
+                                          <p:val>
+                                            <p:strVal val="#ppt_y"/>
+                                          </p:val>
+                                        </p:tav>
+                                      </p:tavLst>
+                                    </p:anim>
+                                  </p:childTnLst>
+                                </p:cTn>
+                              </p:par>
+                            </p:childTnLst>
+                          </p:cTn>
+                        </p:par>
+                      </p:childTnLst>
+                    </p:cTn>
+                  </p:par>
+                  <p:par>
+                    <p:cTn id="17" fill="hold">
+                      <p:stCondLst>
+                        <p:cond delay="indefinite"/>
+                      </p:stCondLst>
+                      <p:childTnLst>
+                        <p:par>
+                          <p:cTn id="18" fill="hold">
+                            <p:stCondLst>
+                              <p:cond delay="0"/>
+                            </p:stCondLst>
+                            <p:childTnLst>
+                              <p:par>
+                                <p:cTn id="19" presetID="42" presetClass="entr" presetSubtype="0" fill="hold" grpId="0" nodeType="clickEffect">
+                                  <p:stCondLst>
+                                    <p:cond delay="0"/>
+                                  </p:stCondLst>
+                                  <p:childTnLst>
+                                    <p:set>
+                                      <p:cBhvr>
+                                        <p:cTn id="20" dur="1" fill="hold">
+                                          <p:stCondLst>
+                                            <p:cond delay="0"/>
+                                          </p:stCondLst>
+                                        </p:cTn>
+                                        <p:tgtEl>
+                                          <p:spTgt spid="3">
+                                            <p:txEl>
+                                              <p:pRg st="2" end="2"/>
+                                            </p:txEl>
+                                          </p:spTgt>
+                                        </p:tgtEl>
+                                        <p:attrNameLst>
+                                          <p:attrName>style.visibility</p:attrName>
+                                        </p:attrNameLst>
+                                      </p:cBhvr>
+                                      <p:to>
+                                        <p:strVal val="visible"/>
+                                      </p:to>
+                                    </p:set>
+                                    <p:animEffect transition="in" filter="fade">
+                                      <p:cBhvr>
+                                        <p:cTn id="21" dur="1000"/>
+                                        <p:tgtEl>
+                                          <p:spTgt spid="3">
+                                            <p:txEl>
+                                              <p:pRg st="2" end="2"/>
+                                            </p:txEl>
+                                          </p:spTgt>
+                                        </p:tgtEl>
+                                      </p:cBhvr>
+                                    </p:animEffect>
+                                    <p:anim calcmode="lin" valueType="num">
+                                      <p:cBhvr>
+                                        <p:cTn id="22" dur="1000" fill="hold"/>
+                                        <p:tgtEl>
+                                          <p:spTgt spid="3">
+                                            <p:txEl>
+                                              <p:pRg st="2" end="2"/>
+                                            </p:txEl>
+                                          </p:spTgt>
+                                        </p:tgtEl>
+                                        <p:attrNameLst>
+                                          <p:attrName>ppt_x</p:attrName>
+                                        </p:attrNameLst>
+                                      </p:cBhvr>
+                                      <p:tavLst>
+                                        <p:tav tm="0">
+                                          <p:val>
+                                            <p:strVal val="#ppt_x"/>
+                                          </p:val>
+                                        </p:tav>
+                                        <p:tav tm="100000">
+                                          <p:val>
+                                            <p:strVal val="#ppt_x"/>
+                                          </p:val>
+                                        </p:tav>
+                                      </p:tavLst>
+                                    </p:anim>
+                                    <p:anim calcmode="lin" valueType="num">
+                                      <p:cBhvr>
+                                        <p:cTn id="23" dur="1000" fill="hold"/>
+                                        <p:tgtEl>
+                                          <p:spTgt spid="3">
+                                            <p:txEl>
+                                              <p:pRg st="2" end="2"/>
+                                            </p:txEl>
+                                          </p:spTgt>
+                                        </p:tgtEl>
+                                        <p:attrNameLst>
+                                          <p:attrName>ppt_y</p:attrName>
+                                        </p:attrNameLst>
+                                      </p:cBhvr>
+                                      <p:tavLst>
+                                        <p:tav tm="0">
+                                          <p:val>
+                                            <p:strVal val="#ppt_y+.1"/>
+                                          </p:val>
+                                        </p:tav>
+                                        <p:tav tm="100000">
+                                          <p:val>
+                                            <p:strVal val="#ppt_y"/>
+                                          </p:val>
+                                        </p:tav>
+                                      </p:tavLst>
+                                    </p:anim>
+                                  </p:childTnLst>
+                                </p:cTn>
+                              </p:par>
+                            </p:childTnLst>
+                          </p:cTn>
+                        </p:par>
+                      </p:childTnLst>
+                    </p:cTn>
+                  </p:par>
+                  <p:par>
+                    <p:cTn id="24" fill="hold">
+                      <p:stCondLst>
+                        <p:cond delay="indefinite"/>
+                      </p:stCondLst>
+                      <p:childTnLst>
+                        <p:par>
+                          <p:cTn id="25" fill="hold">
+                            <p:stCondLst>
+                              <p:cond delay="0"/>
+                            </p:stCondLst>
+                            <p:childTnLst>
+                              <p:par>
+                                <p:cTn id="26" presetID="42" presetClass="entr" presetSubtype="0" fill="hold" grpId="0" nodeType="clickEffect">
+                                  <p:stCondLst>
+                                    <p:cond delay="0"/>
+                                  </p:stCondLst>
+                                  <p:childTnLst>
+                                    <p:set>
+                                      <p:cBhvr>
+                                        <p:cTn id="27" dur="1" fill="hold">
+                                          <p:stCondLst>
+                                            <p:cond delay="0"/>
+                                          </p:stCondLst>
+                                        </p:cTn>
+                                        <p:tgtEl>
+                                          <p:spTgt spid="3">
+                                            <p:txEl>
+                                              <p:pRg st="3" end="3"/>
+                                            </p:txEl>
+                                          </p:spTgt>
+                                        </p:tgtEl>
+                                        <p:attrNameLst>
+                                          <p:attrName>style.visibility</p:attrName>
+                                        </p:attrNameLst>
+                                      </p:cBhvr>
+                                      <p:to>
+                                        <p:strVal val="visible"/>
+                                      </p:to>
+                                    </p:set>
+                                    <p:animEffect transition="in" filter="fade">
+                                      <p:cBhvr>
+                                        <p:cTn id="28" dur="1000"/>
+                                        <p:tgtEl>
+                                          <p:spTgt spid="3">
+                                            <p:txEl>
+                                              <p:pRg st="3" end="3"/>
+                                            </p:txEl>
+                                          </p:spTgt>
+                                        </p:tgtEl>
+                                      </p:cBhvr>
+                                    </p:animEffect>
+                                    <p:anim calcmode="lin" valueType="num">
+                                      <p:cBhvr>
+                                        <p:cTn id="29" dur="1000" fill="hold"/>
+                                        <p:tgtEl>
+                                          <p:spTgt spid="3">
+                                            <p:txEl>
+                                              <p:pRg st="3" end="3"/>
+                                            </p:txEl>
+                                          </p:spTgt>
+                                        </p:tgtEl>
+                                        <p:attrNameLst>
+                                          <p:attrName>ppt_x</p:attrName>
+                                        </p:attrNameLst>
+                                      </p:cBhvr>
+                                      <p:tavLst>
+                                        <p:tav tm="0">
+                                          <p:val>
+                                            <p:strVal val="#ppt_x"/>
+                                          </p:val>
+                                        </p:tav>
+                                        <p:tav tm="100000">
+                                          <p:val>
+                                            <p:strVal val="#ppt_x"/>
+                                          </p:val>
+                                        </p:tav>
+                                      </p:tavLst>
+                                    </p:anim>
+                                    <p:anim calcmode="lin" valueType="num">
+                                      <p:cBhvr>
+                                        <p:cTn id="30" dur="1000" fill="hold"/>
+                                        <p:tgtEl>
+                                          <p:spTgt spid="3">
+                                            <p:txEl>
+                                              <p:pRg st="3" end="3"/>
+                                            </p:txEl>
+                                          </p:spTgt>
+                                        </p:tgtEl>
+                                        <p:attrNameLst>
+                                          <p:attrName>ppt_y</p:attrName>
+                                        </p:attrNameLst>
+                                      </p:cBhvr>
+                                      <p:tavLst>
+                                        <p:tav tm="0">
+                                          <p:val>
+                                            <p:strVal val="#ppt_y+.1"/>
+                                          </p:val>
+                                        </p:tav>
+                                        <p:tav tm="100000">
+                                          <p:val>
+                                            <p:strVal val="#ppt_y"/>
+                                          </p:val>
+                                        </p:tav>
+                                      </p:tavLst>
+                                    </p:anim>
+                                  </p:childTnLst>
+                                </p:cTn>
+                              </p:par>
+                            </p:childTnLst>
+                          </p:cTn>
+                        </p:par>
+                      </p:childTnLst>
+                    </p:cTn>
+                  </p:par>
+                </p:childTnLst>
+              </p:cTn>
+              <p:prevCondLst>
+                <p:cond evt="onPrev" delay="0">
+                  <p:tgtEl>
+                    <p:sldTgt/>
+                  </p:tgtEl>
+                </p:cond>
+              </p:prevCondLst>
+              <p:nextCondLst>
+                <p:cond evt="onNext" delay="0">
+                  <p:tgtEl>
+                    <p:sldTgt/>
+                  </p:tgtEl>
+                </p:cond>
+              </p:nextCondLst>
+            </p:seq>
+          </p:childTnLst>
+        </p:cTn>
+      </p:par>
+    </p:tnLst>
+    <p:bldLst>
+      <p:bldP spid="3" grpId="0" build="p"/>
+    </p:bldLst>
+  </p:timing>
+</p:sld>
+</file>
+
+<file path=ppt/slides/slide9.xml><?xml version="1.0" encoding="utf-8"?>
+<p:sld xmlns:a="http://schemas.openxmlformats.org/drawingml/2006/main" xmlns:r="http://schemas.openxmlformats.org/officeDocument/2006/relationships" xmlns:p="http://schemas.openxmlformats.org/presentationml/2006/main">
+  <p:cSld>
+    <p:spTree>
+      <p:nvGrpSpPr>
+        <p:cNvPr id="1" name=""/>
+        <p:cNvGrpSpPr/>
+        <p:nvPr/>
+      </p:nvGrpSpPr>
+      <p:grpSpPr>
+        <a:xfrm>
+          <a:off x="0" y="0"/>
+          <a:ext cx="0" cy="0"/>
+          <a:chOff x="0" y="0"/>
+          <a:chExt cx="0" cy="0"/>
+        </a:xfrm>
+      </p:grpSpPr>
+      <p:sp>
+        <p:nvSpPr>
+          <p:cNvPr id="2" name="Title 1">
+            <a:extLst>
+              <a:ext uri="{FF2B5EF4-FFF2-40B4-BE49-F238E27FC236}">
+                <a16:creationId xmlns:a16="http://schemas.microsoft.com/office/drawing/2014/main" id="{F8433C22-7EFB-440B-B1EC-B8005D1E2451}"/>
+              </a:ext>
+            </a:extLst>
+          </p:cNvPr>
+          <p:cNvSpPr>
+            <a:spLocks noGrp="1"/>
+          </p:cNvSpPr>
+          <p:nvPr>
+            <p:ph type="title"/>
+          </p:nvPr>
+        </p:nvSpPr>
+        <p:spPr/>
+        <p:txBody>
+          <a:bodyPr/>
+          <a:lstStyle/>
+          <a:p>
+            <a:r>
+              <a:rPr lang="en-US" dirty="0"/>
+              <a:t>8.External API patterns</a:t>
+            </a:r>
+          </a:p>
+        </p:txBody>
+      </p:sp>
+      <p:sp>
+        <p:nvSpPr>
+          <p:cNvPr id="3" name="Content Placeholder 2">
+            <a:extLst>
+              <a:ext uri="{FF2B5EF4-FFF2-40B4-BE49-F238E27FC236}">
+                <a16:creationId xmlns:a16="http://schemas.microsoft.com/office/drawing/2014/main" id="{F7A74254-D7B3-4FA4-A1B7-A57A8FE8209F}"/>
+              </a:ext>
+            </a:extLst>
+          </p:cNvPr>
+          <p:cNvSpPr>
+            <a:spLocks noGrp="1"/>
+          </p:cNvSpPr>
+          <p:nvPr>
+            <p:ph idx="1"/>
+          </p:nvPr>
+        </p:nvSpPr>
+        <p:spPr/>
+        <p:txBody>
+          <a:bodyPr/>
+          <a:lstStyle/>
+          <a:p>
+            <a:r>
+              <a:rPr lang="en-US" dirty="0"/>
+              <a:t>External API design  / issues</a:t>
+            </a:r>
+          </a:p>
+          <a:p>
+            <a:r>
+              <a:rPr lang="en-US" dirty="0"/>
+              <a:t>API gateway</a:t>
+            </a:r>
+          </a:p>
+          <a:p>
+            <a:r>
+              <a:rPr lang="en-US" dirty="0"/>
+              <a:t>Implementing an API gateway</a:t>
+            </a:r>
+          </a:p>
+          <a:p>
+            <a:r>
+              <a:rPr lang="en-US" dirty="0"/>
+              <a:t>Implementing API gateway using </a:t>
+            </a:r>
+            <a:r>
+              <a:rPr lang="en-US" dirty="0" err="1"/>
+              <a:t>GraphQL</a:t>
+            </a:r>
+            <a:endParaRPr lang="en-US" dirty="0"/>
+          </a:p>
+        </p:txBody>
+      </p:sp>
+    </p:spTree>
+    <p:extLst>
+      <p:ext uri="{BB962C8B-B14F-4D97-AF65-F5344CB8AC3E}">
+        <p14:creationId xmlns:p14="http://schemas.microsoft.com/office/powerpoint/2010/main" val="3925907398"/>
+      </p:ext>
+    </p:extLst>
+  </p:cSld>
+  <p:clrMapOvr>
+    <a:masterClrMapping/>
+  </p:clrMapOvr>
+  <p:timing>
+    <p:tnLst>
+      <p:par>
+        <p:cTn id="1" dur="indefinite" restart="never" nodeType="tmRoot">
+          <p:childTnLst>
+            <p:seq concurrent="1" nextAc="seek">
+              <p:cTn id="2" dur="indefinite" nodeType="mainSeq">
+                <p:childTnLst>
+                  <p:par>
+                    <p:cTn id="3" fill="hold">
+                      <p:stCondLst>
+                        <p:cond delay="indefinite"/>
+                      </p:stCondLst>
+                      <p:childTnLst>
+                        <p:par>
+                          <p:cTn id="4" fill="hold">
+                            <p:stCondLst>
+                              <p:cond delay="0"/>
+                            </p:stCondLst>
+                            <p:childTnLst>
+                              <p:par>
+                                <p:cTn id="5" presetID="42" presetClass="entr" presetSubtype="0" fill="hold" grpId="0" nodeType="clickEffect">
+                                  <p:stCondLst>
+                                    <p:cond delay="0"/>
+                                  </p:stCondLst>
+                                  <p:childTnLst>
+                                    <p:set>
+                                      <p:cBhvr>
+                                        <p:cTn id="6" dur="1" fill="hold">
+                                          <p:stCondLst>
+                                            <p:cond delay="0"/>
+                                          </p:stCondLst>
+                                        </p:cTn>
+                                        <p:tgtEl>
+                                          <p:spTgt spid="3">
+                                            <p:txEl>
+                                              <p:pRg st="0" end="0"/>
+                                            </p:txEl>
+                                          </p:spTgt>
+                                        </p:tgtEl>
+                                        <p:attrNameLst>
+                                          <p:attrName>style.visibility</p:attrName>
+                                        </p:attrNameLst>
+                                      </p:cBhvr>
+                                      <p:to>
+                                        <p:strVal val="visible"/>
+                                      </p:to>
+                                    </p:set>
+                                    <p:animEffect transition="in" filter="fade">
+                                      <p:cBhvr>
+                                        <p:cTn id="7" dur="1000"/>
+                                        <p:tgtEl>
+                                          <p:spTgt spid="3">
+                                            <p:txEl>
+                                              <p:pRg st="0" end="0"/>
+                                            </p:txEl>
+                                          </p:spTgt>
+                                        </p:tgtEl>
+                                      </p:cBhvr>
+                                    </p:animEffect>
+                                    <p:anim calcmode="lin" valueType="num">
+                                      <p:cBhvr>
+                                        <p:cTn id="8" dur="1000" fill="hold"/>
+                                        <p:tgtEl>
+                                          <p:spTgt spid="3">
+                                            <p:txEl>
+                                              <p:pRg st="0" end="0"/>
+                                            </p:txEl>
+                                          </p:spTgt>
+                                        </p:tgtEl>
+                                        <p:attrNameLst>
+                                          <p:attrName>ppt_x</p:attrName>
+                                        </p:attrNameLst>
+                                      </p:cBhvr>
+                                      <p:tavLst>
+                                        <p:tav tm="0">
+                                          <p:val>
+                                            <p:strVal val="#ppt_x"/>
+                                          </p:val>
+                                        </p:tav>
+                                        <p:tav tm="100000">
+                                          <p:val>
+                                            <p:strVal val="#ppt_x"/>
+                                          </p:val>
+                                        </p:tav>
+                                      </p:tavLst>
+                                    </p:anim>
+                                    <p:anim calcmode="lin" valueType="num">
+                                      <p:cBhvr>
+                                        <p:cTn id="9" dur="1000" fill="hold"/>
+                                        <p:tgtEl>
+                                          <p:spTgt spid="3">
+                                            <p:txEl>
+                                              <p:pRg st="0" end="0"/>
+                                            </p:txEl>
+                                          </p:spTgt>
+                                        </p:tgtEl>
+                                        <p:attrNameLst>
+                                          <p:attrName>ppt_y</p:attrName>
+                                        </p:attrNameLst>
+                                      </p:cBhvr>
+                                      <p:tavLst>
+                                        <p:tav tm="0">
+                                          <p:val>
+                                            <p:strVal val="#ppt_y+.1"/>
+                                          </p:val>
+                                        </p:tav>
+                                        <p:tav tm="100000">
+                                          <p:val>
+                                            <p:strVal val="#ppt_y"/>
+                                          </p:val>
+                                        </p:tav>
+                                      </p:tavLst>
+                                    </p:anim>
+                                  </p:childTnLst>
+                                </p:cTn>
+                              </p:par>
+                            </p:childTnLst>
+                          </p:cTn>
+                        </p:par>
+                      </p:childTnLst>
+                    </p:cTn>
+                  </p:par>
+                  <p:par>
+                    <p:cTn id="10" fill="hold">
+                      <p:stCondLst>
+                        <p:cond delay="indefinite"/>
+                      </p:stCondLst>
+                      <p:childTnLst>
+                        <p:par>
+                          <p:cTn id="11" fill="hold">
+                            <p:stCondLst>
+                              <p:cond delay="0"/>
+                            </p:stCondLst>
+                            <p:childTnLst>
+                              <p:par>
+                                <p:cTn id="12" presetID="42" presetClass="entr" presetSubtype="0" fill="hold" grpId="0" nodeType="clickEffect">
+                                  <p:stCondLst>
+                                    <p:cond delay="0"/>
+                                  </p:stCondLst>
+                                  <p:childTnLst>
+                                    <p:set>
+                                      <p:cBhvr>
+                                        <p:cTn id="13" dur="1" fill="hold">
+                                          <p:stCondLst>
+                                            <p:cond delay="0"/>
+                                          </p:stCondLst>
+                                        </p:cTn>
+                                        <p:tgtEl>
+                                          <p:spTgt spid="3">
+                                            <p:txEl>
+                                              <p:pRg st="1" end="1"/>
+                                            </p:txEl>
+                                          </p:spTgt>
+                                        </p:tgtEl>
+                                        <p:attrNameLst>
+                                          <p:attrName>style.visibility</p:attrName>
+                                        </p:attrNameLst>
+                                      </p:cBhvr>
+                                      <p:to>
+                                        <p:strVal val="visible"/>
+                                      </p:to>
+                                    </p:set>
+                                    <p:animEffect transition="in" filter="fade">
+                                      <p:cBhvr>
+                                        <p:cTn id="14" dur="1000"/>
+                                        <p:tgtEl>
+                                          <p:spTgt spid="3">
+                                            <p:txEl>
+                                              <p:pRg st="1" end="1"/>
+                                            </p:txEl>
+                                          </p:spTgt>
+                                        </p:tgtEl>
+                                      </p:cBhvr>
+                                    </p:animEffect>
+                                    <p:anim calcmode="lin" valueType="num">
+                                      <p:cBhvr>
+                                        <p:cTn id="15" dur="1000" fill="hold"/>
+                                        <p:tgtEl>
+                                          <p:spTgt spid="3">
+                                            <p:txEl>
+                                              <p:pRg st="1" end="1"/>
+                                            </p:txEl>
+                                          </p:spTgt>
+                                        </p:tgtEl>
+                                        <p:attrNameLst>
+                                          <p:attrName>ppt_x</p:attrName>
+                                        </p:attrNameLst>
+                                      </p:cBhvr>
+                                      <p:tavLst>
+                                        <p:tav tm="0">
+                                          <p:val>
+                                            <p:strVal val="#ppt_x"/>
+                                          </p:val>
+                                        </p:tav>
+                                        <p:tav tm="100000">
+                                          <p:val>
+                                            <p:strVal val="#ppt_x"/>
+                                          </p:val>
+                                        </p:tav>
+                                      </p:tavLst>
+                                    </p:anim>
+                                    <p:anim calcmode="lin" valueType="num">
+                                      <p:cBhvr>
+                                        <p:cTn id="16" dur="1000" fill="hold"/>
+                                        <p:tgtEl>
+                                          <p:spTgt spid="3">
+                                            <p:txEl>
+                                              <p:pRg st="1" end="1"/>
+                                            </p:txEl>
+                                          </p:spTgt>
+                                        </p:tgtEl>
+                                        <p:attrNameLst>
+                                          <p:attrName>ppt_y</p:attrName>
+                                        </p:attrNameLst>
+                                      </p:cBhvr>
+                                      <p:tavLst>
+                                        <p:tav tm="0">
+                                          <p:val>
+                                            <p:strVal val="#ppt_y+.1"/>
+                                          </p:val>
+                                        </p:tav>
+                                        <p:tav tm="100000">
+                                          <p:val>
+                                            <p:strVal val="#ppt_y"/>
+                                          </p:val>
+                                        </p:tav>
+                                      </p:tavLst>
+                                    </p:anim>
+                                  </p:childTnLst>
+                                </p:cTn>
+                              </p:par>
+                            </p:childTnLst>
+                          </p:cTn>
+                        </p:par>
+                      </p:childTnLst>
+                    </p:cTn>
+                  </p:par>
+                  <p:par>
+                    <p:cTn id="17" fill="hold">
+                      <p:stCondLst>
+                        <p:cond delay="indefinite"/>
+                      </p:stCondLst>
+                      <p:childTnLst>
+                        <p:par>
+                          <p:cTn id="18" fill="hold">
+                            <p:stCondLst>
+                              <p:cond delay="0"/>
+                            </p:stCondLst>
+                            <p:childTnLst>
+                              <p:par>
+                                <p:cTn id="19" presetID="42" presetClass="entr" presetSubtype="0" fill="hold" grpId="0" nodeType="clickEffect">
+                                  <p:stCondLst>
+                                    <p:cond delay="0"/>
+                                  </p:stCondLst>
+                                  <p:childTnLst>
+                                    <p:set>
+                                      <p:cBhvr>
+                                        <p:cTn id="20" dur="1" fill="hold">
+                                          <p:stCondLst>
+                                            <p:cond delay="0"/>
+                                          </p:stCondLst>
+                                        </p:cTn>
+                                        <p:tgtEl>
+                                          <p:spTgt spid="3">
+                                            <p:txEl>
+                                              <p:pRg st="2" end="2"/>
+                                            </p:txEl>
+                                          </p:spTgt>
+                                        </p:tgtEl>
+                                        <p:attrNameLst>
+                                          <p:attrName>style.visibility</p:attrName>
+                                        </p:attrNameLst>
+                                      </p:cBhvr>
+                                      <p:to>
+                                        <p:strVal val="visible"/>
+                                      </p:to>
+                                    </p:set>
+                                    <p:animEffect transition="in" filter="fade">
+                                      <p:cBhvr>
+                                        <p:cTn id="21" dur="1000"/>
+                                        <p:tgtEl>
+                                          <p:spTgt spid="3">
+                                            <p:txEl>
+                                              <p:pRg st="2" end="2"/>
+                                            </p:txEl>
+                                          </p:spTgt>
+                                        </p:tgtEl>
+                                      </p:cBhvr>
+                                    </p:animEffect>
+                                    <p:anim calcmode="lin" valueType="num">
+                                      <p:cBhvr>
+                                        <p:cTn id="22" dur="1000" fill="hold"/>
+                                        <p:tgtEl>
+                                          <p:spTgt spid="3">
+                                            <p:txEl>
+                                              <p:pRg st="2" end="2"/>
+                                            </p:txEl>
+                                          </p:spTgt>
+                                        </p:tgtEl>
+                                        <p:attrNameLst>
+                                          <p:attrName>ppt_x</p:attrName>
+                                        </p:attrNameLst>
+                                      </p:cBhvr>
+                                      <p:tavLst>
+                                        <p:tav tm="0">
+                                          <p:val>
+                                            <p:strVal val="#ppt_x"/>
+                                          </p:val>
+                                        </p:tav>
+                                        <p:tav tm="100000">
+                                          <p:val>
+                                            <p:strVal val="#ppt_x"/>
+                                          </p:val>
+                                        </p:tav>
+                                      </p:tavLst>
+                                    </p:anim>
+                                    <p:anim calcmode="lin" valueType="num">
+                                      <p:cBhvr>
+                                        <p:cTn id="23" dur="1000" fill="hold"/>
+                                        <p:tgtEl>
+                                          <p:spTgt spid="3">
+                                            <p:txEl>
+                                              <p:pRg st="2" end="2"/>
+                                            </p:txEl>
+                                          </p:spTgt>
+                                        </p:tgtEl>
+                                        <p:attrNameLst>
+                                          <p:attrName>ppt_y</p:attrName>
+                                        </p:attrNameLst>
+                                      </p:cBhvr>
+                                      <p:tavLst>
+                                        <p:tav tm="0">
+                                          <p:val>
+                                            <p:strVal val="#ppt_y+.1"/>
+                                          </p:val>
+                                        </p:tav>
+                                        <p:tav tm="100000">
+                                          <p:val>
+                                            <p:strVal val="#ppt_y"/>
+                                          </p:val>
+                                        </p:tav>
+                                      </p:tavLst>
+                                    </p:anim>
+                                  </p:childTnLst>
+                                </p:cTn>
+                              </p:par>
+                            </p:childTnLst>
+                          </p:cTn>
+                        </p:par>
+                      </p:childTnLst>
+                    </p:cTn>
+                  </p:par>
+                  <p:par>
+                    <p:cTn id="24" fill="hold">
+                      <p:stCondLst>
+                        <p:cond delay="indefinite"/>
+                      </p:stCondLst>
+                      <p:childTnLst>
+                        <p:par>
+                          <p:cTn id="25" fill="hold">
+                            <p:stCondLst>
+                              <p:cond delay="0"/>
+                            </p:stCondLst>
+                            <p:childTnLst>
+                              <p:par>
+                                <p:cTn id="26" presetID="42" presetClass="entr" presetSubtype="0" fill="hold" grpId="0" nodeType="clickEffect">
+                                  <p:stCondLst>
+                                    <p:cond delay="0"/>
+                                  </p:stCondLst>
+                                  <p:childTnLst>
+                                    <p:set>
+                                      <p:cBhvr>
+                                        <p:cTn id="27" dur="1" fill="hold">
+                                          <p:stCondLst>
+                                            <p:cond delay="0"/>
+                                          </p:stCondLst>
+                                        </p:cTn>
+                                        <p:tgtEl>
+                                          <p:spTgt spid="3">
+                                            <p:txEl>
+                                              <p:pRg st="3" end="3"/>
+                                            </p:txEl>
+                                          </p:spTgt>
+                                        </p:tgtEl>
+                                        <p:attrNameLst>
+                                          <p:attrName>style.visibility</p:attrName>
+                                        </p:attrNameLst>
+                                      </p:cBhvr>
+                                      <p:to>
+                                        <p:strVal val="visible"/>
+                                      </p:to>
+                                    </p:set>
+                                    <p:animEffect transition="in" filter="fade">
+                                      <p:cBhvr>
+                                        <p:cTn id="28" dur="1000"/>
+                                        <p:tgtEl>
+                                          <p:spTgt spid="3">
+                                            <p:txEl>
+                                              <p:pRg st="3" end="3"/>
+                                            </p:txEl>
+                                          </p:spTgt>
+                                        </p:tgtEl>
+                                      </p:cBhvr>
+                                    </p:animEffect>
+                                    <p:anim calcmode="lin" valueType="num">
+                                      <p:cBhvr>
+                                        <p:cTn id="29" dur="1000" fill="hold"/>
+                                        <p:tgtEl>
+                                          <p:spTgt spid="3">
+                                            <p:txEl>
+                                              <p:pRg st="3" end="3"/>
+                                            </p:txEl>
+                                          </p:spTgt>
+                                        </p:tgtEl>
+                                        <p:attrNameLst>
+                                          <p:attrName>ppt_x</p:attrName>
+                                        </p:attrNameLst>
+                                      </p:cBhvr>
+                                      <p:tavLst>
+                                        <p:tav tm="0">
+                                          <p:val>
+                                            <p:strVal val="#ppt_x"/>
+                                          </p:val>
+                                        </p:tav>
+                                        <p:tav tm="100000">
+                                          <p:val>
+                                            <p:strVal val="#ppt_x"/>
+                                          </p:val>
+                                        </p:tav>
+                                      </p:tavLst>
+                                    </p:anim>
+                                    <p:anim calcmode="lin" valueType="num">
+                                      <p:cBhvr>
+                                        <p:cTn id="30" dur="1000" fill="hold"/>
+                                        <p:tgtEl>
+                                          <p:spTgt spid="3">
+                                            <p:txEl>
+                                              <p:pRg st="3" end="3"/>
                                             </p:txEl>
                                           </p:spTgt>
                                         </p:tgtEl>
@@ -8500,4 +16957,299 @@
     </a:ext>
   </a:extLst>
 </a:theme>
+</file>
+
+<file path=ppt/theme/theme2.xml><?xml version="1.0" encoding="utf-8"?>
+<a:theme xmlns:a="http://schemas.openxmlformats.org/drawingml/2006/main" name="Office Theme">
+  <a:themeElements>
+    <a:clrScheme name="Office">
+      <a:dk1>
+        <a:sysClr val="windowText" lastClr="000000"/>
+      </a:dk1>
+      <a:lt1>
+        <a:sysClr val="window" lastClr="FFFFFF"/>
+      </a:lt1>
+      <a:dk2>
+        <a:srgbClr val="44546A"/>
+      </a:dk2>
+      <a:lt2>
+        <a:srgbClr val="E7E6E6"/>
+      </a:lt2>
+      <a:accent1>
+        <a:srgbClr val="4472C4"/>
+      </a:accent1>
+      <a:accent2>
+        <a:srgbClr val="ED7D31"/>
+      </a:accent2>
+      <a:accent3>
+        <a:srgbClr val="A5A5A5"/>
+      </a:accent3>
+      <a:accent4>
+        <a:srgbClr val="FFC000"/>
+      </a:accent4>
+      <a:accent5>
+        <a:srgbClr val="5B9BD5"/>
+      </a:accent5>
+      <a:accent6>
+        <a:srgbClr val="70AD47"/>
+      </a:accent6>
+      <a:hlink>
+        <a:srgbClr val="0563C1"/>
+      </a:hlink>
+      <a:folHlink>
+        <a:srgbClr val="954F72"/>
+      </a:folHlink>
+    </a:clrScheme>
+    <a:fontScheme name="Office">
+      <a:majorFont>
+        <a:latin typeface="Calibri Light" panose="020F0302020204030204"/>
+        <a:ea typeface=""/>
+        <a:cs typeface=""/>
+        <a:font script="Jpan" typeface="游ゴシック Light"/>
+        <a:font script="Hang" typeface="맑은 고딕"/>
+        <a:font script="Hans" typeface="等线 Light"/>
+        <a:font script="Hant" typeface="新細明體"/>
+        <a:font script="Arab" typeface="Times New Roman"/>
+        <a:font script="Hebr" typeface="Times New Roman"/>
+        <a:font script="Thai" typeface="Angsana New"/>
+        <a:font script="Ethi" typeface="Nyala"/>
+        <a:font script="Beng" typeface="Vrinda"/>
+        <a:font script="Gujr" typeface="Shruti"/>
+        <a:font script="Khmr" typeface="MoolBoran"/>
+        <a:font script="Knda" typeface="Tunga"/>
+        <a:font script="Guru" typeface="Raavi"/>
+        <a:font script="Cans" typeface="Euphemia"/>
+        <a:font script="Cher" typeface="Plantagenet Cherokee"/>
+        <a:font script="Yiii" typeface="Microsoft Yi Baiti"/>
+        <a:font script="Tibt" typeface="Microsoft Himalaya"/>
+        <a:font script="Thaa" typeface="MV Boli"/>
+        <a:font script="Deva" typeface="Mangal"/>
+        <a:font script="Telu" typeface="Gautami"/>
+        <a:font script="Taml" typeface="Latha"/>
+        <a:font script="Syrc" typeface="Estrangelo Edessa"/>
+        <a:font script="Orya" typeface="Kalinga"/>
+        <a:font script="Mlym" typeface="Kartika"/>
+        <a:font script="Laoo" typeface="DokChampa"/>
+        <a:font script="Sinh" typeface="Iskoola Pota"/>
+        <a:font script="Mong" typeface="Mongolian Baiti"/>
+        <a:font script="Viet" typeface="Times New Roman"/>
+        <a:font script="Uigh" typeface="Microsoft Uighur"/>
+        <a:font script="Geor" typeface="Sylfaen"/>
+        <a:font script="Armn" typeface="Arial"/>
+        <a:font script="Bugi" typeface="Leelawadee UI"/>
+        <a:font script="Bopo" typeface="Microsoft JhengHei"/>
+        <a:font script="Java" typeface="Javanese Text"/>
+        <a:font script="Lisu" typeface="Segoe UI"/>
+        <a:font script="Mymr" typeface="Myanmar Text"/>
+        <a:font script="Nkoo" typeface="Ebrima"/>
+        <a:font script="Olck" typeface="Nirmala UI"/>
+        <a:font script="Osma" typeface="Ebrima"/>
+        <a:font script="Phag" typeface="Phagspa"/>
+        <a:font script="Syrn" typeface="Estrangelo Edessa"/>
+        <a:font script="Syrj" typeface="Estrangelo Edessa"/>
+        <a:font script="Syre" typeface="Estrangelo Edessa"/>
+        <a:font script="Sora" typeface="Nirmala UI"/>
+        <a:font script="Tale" typeface="Microsoft Tai Le"/>
+        <a:font script="Talu" typeface="Microsoft New Tai Lue"/>
+        <a:font script="Tfng" typeface="Ebrima"/>
+      </a:majorFont>
+      <a:minorFont>
+        <a:latin typeface="Calibri" panose="020F0502020204030204"/>
+        <a:ea typeface=""/>
+        <a:cs typeface=""/>
+        <a:font script="Jpan" typeface="游ゴシック"/>
+        <a:font script="Hang" typeface="맑은 고딕"/>
+        <a:font script="Hans" typeface="等线"/>
+        <a:font script="Hant" typeface="新細明體"/>
+        <a:font script="Arab" typeface="Arial"/>
+        <a:font script="Hebr" typeface="Arial"/>
+        <a:font script="Thai" typeface="Cordia New"/>
+        <a:font script="Ethi" typeface="Nyala"/>
+        <a:font script="Beng" typeface="Vrinda"/>
+        <a:font script="Gujr" typeface="Shruti"/>
+        <a:font script="Khmr" typeface="DaunPenh"/>
+        <a:font script="Knda" typeface="Tunga"/>
+        <a:font script="Guru" typeface="Raavi"/>
+        <a:font script="Cans" typeface="Euphemia"/>
+        <a:font script="Cher" typeface="Plantagenet Cherokee"/>
+        <a:font script="Yiii" typeface="Microsoft Yi Baiti"/>
+        <a:font script="Tibt" typeface="Microsoft Himalaya"/>
+        <a:font script="Thaa" typeface="MV Boli"/>
+        <a:font script="Deva" typeface="Mangal"/>
+        <a:font script="Telu" typeface="Gautami"/>
+        <a:font script="Taml" typeface="Latha"/>
+        <a:font script="Syrc" typeface="Estrangelo Edessa"/>
+        <a:font script="Orya" typeface="Kalinga"/>
+        <a:font script="Mlym" typeface="Kartika"/>
+        <a:font script="Laoo" typeface="DokChampa"/>
+        <a:font script="Sinh" typeface="Iskoola Pota"/>
+        <a:font script="Mong" typeface="Mongolian Baiti"/>
+        <a:font script="Viet" typeface="Arial"/>
+        <a:font script="Uigh" typeface="Microsoft Uighur"/>
+        <a:font script="Geor" typeface="Sylfaen"/>
+        <a:font script="Armn" typeface="Arial"/>
+        <a:font script="Bugi" typeface="Leelawadee UI"/>
+        <a:font script="Bopo" typeface="Microsoft JhengHei"/>
+        <a:font script="Java" typeface="Javanese Text"/>
+        <a:font script="Lisu" typeface="Segoe UI"/>
+        <a:font script="Mymr" typeface="Myanmar Text"/>
+        <a:font script="Nkoo" typeface="Ebrima"/>
+        <a:font script="Olck" typeface="Nirmala UI"/>
+        <a:font script="Osma" typeface="Ebrima"/>
+        <a:font script="Phag" typeface="Phagspa"/>
+        <a:font script="Syrn" typeface="Estrangelo Edessa"/>
+        <a:font script="Syrj" typeface="Estrangelo Edessa"/>
+        <a:font script="Syre" typeface="Estrangelo Edessa"/>
+        <a:font script="Sora" typeface="Nirmala UI"/>
+        <a:font script="Tale" typeface="Microsoft Tai Le"/>
+        <a:font script="Talu" typeface="Microsoft New Tai Lue"/>
+        <a:font script="Tfng" typeface="Ebrima"/>
+      </a:minorFont>
+    </a:fontScheme>
+    <a:fmtScheme name="Office">
+      <a:fillStyleLst>
+        <a:solidFill>
+          <a:schemeClr val="phClr"/>
+        </a:solidFill>
+        <a:gradFill rotWithShape="1">
+          <a:gsLst>
+            <a:gs pos="0">
+              <a:schemeClr val="phClr">
+                <a:lumMod val="110000"/>
+                <a:satMod val="105000"/>
+                <a:tint val="67000"/>
+              </a:schemeClr>
+            </a:gs>
+            <a:gs pos="50000">
+              <a:schemeClr val="phClr">
+                <a:lumMod val="105000"/>
+                <a:satMod val="103000"/>
+                <a:tint val="73000"/>
+              </a:schemeClr>
+            </a:gs>
+            <a:gs pos="100000">
+              <a:schemeClr val="phClr">
+                <a:lumMod val="105000"/>
+                <a:satMod val="109000"/>
+                <a:tint val="81000"/>
+              </a:schemeClr>
+            </a:gs>
+          </a:gsLst>
+          <a:lin ang="5400000" scaled="0"/>
+        </a:gradFill>
+        <a:gradFill rotWithShape="1">
+          <a:gsLst>
+            <a:gs pos="0">
+              <a:schemeClr val="phClr">
+                <a:satMod val="103000"/>
+                <a:lumMod val="102000"/>
+                <a:tint val="94000"/>
+              </a:schemeClr>
+            </a:gs>
+            <a:gs pos="50000">
+              <a:schemeClr val="phClr">
+                <a:satMod val="110000"/>
+                <a:lumMod val="100000"/>
+                <a:shade val="100000"/>
+              </a:schemeClr>
+            </a:gs>
+            <a:gs pos="100000">
+              <a:schemeClr val="phClr">
+                <a:lumMod val="99000"/>
+                <a:satMod val="120000"/>
+                <a:shade val="78000"/>
+              </a:schemeClr>
+            </a:gs>
+          </a:gsLst>
+          <a:lin ang="5400000" scaled="0"/>
+        </a:gradFill>
+      </a:fillStyleLst>
+      <a:lnStyleLst>
+        <a:ln w="6350" cap="flat" cmpd="sng" algn="ctr">
+          <a:solidFill>
+            <a:schemeClr val="phClr"/>
+          </a:solidFill>
+          <a:prstDash val="solid"/>
+          <a:miter lim="800000"/>
+        </a:ln>
+        <a:ln w="12700" cap="flat" cmpd="sng" algn="ctr">
+          <a:solidFill>
+            <a:schemeClr val="phClr"/>
+          </a:solidFill>
+          <a:prstDash val="solid"/>
+          <a:miter lim="800000"/>
+        </a:ln>
+        <a:ln w="19050" cap="flat" cmpd="sng" algn="ctr">
+          <a:solidFill>
+            <a:schemeClr val="phClr"/>
+          </a:solidFill>
+          <a:prstDash val="solid"/>
+          <a:miter lim="800000"/>
+        </a:ln>
+      </a:lnStyleLst>
+      <a:effectStyleLst>
+        <a:effectStyle>
+          <a:effectLst/>
+        </a:effectStyle>
+        <a:effectStyle>
+          <a:effectLst/>
+        </a:effectStyle>
+        <a:effectStyle>
+          <a:effectLst>
+            <a:outerShdw blurRad="57150" dist="19050" dir="5400000" algn="ctr" rotWithShape="0">
+              <a:srgbClr val="000000">
+                <a:alpha val="63000"/>
+              </a:srgbClr>
+            </a:outerShdw>
+          </a:effectLst>
+        </a:effectStyle>
+      </a:effectStyleLst>
+      <a:bgFillStyleLst>
+        <a:solidFill>
+          <a:schemeClr val="phClr"/>
+        </a:solidFill>
+        <a:solidFill>
+          <a:schemeClr val="phClr">
+            <a:tint val="95000"/>
+            <a:satMod val="170000"/>
+          </a:schemeClr>
+        </a:solidFill>
+        <a:gradFill rotWithShape="1">
+          <a:gsLst>
+            <a:gs pos="0">
+              <a:schemeClr val="phClr">
+                <a:tint val="93000"/>
+                <a:satMod val="150000"/>
+                <a:shade val="98000"/>
+                <a:lumMod val="102000"/>
+              </a:schemeClr>
+            </a:gs>
+            <a:gs pos="50000">
+              <a:schemeClr val="phClr">
+                <a:tint val="98000"/>
+                <a:satMod val="130000"/>
+                <a:shade val="90000"/>
+                <a:lumMod val="103000"/>
+              </a:schemeClr>
+            </a:gs>
+            <a:gs pos="100000">
+              <a:schemeClr val="phClr">
+                <a:shade val="63000"/>
+                <a:satMod val="120000"/>
+              </a:schemeClr>
+            </a:gs>
+          </a:gsLst>
+          <a:lin ang="5400000" scaled="0"/>
+        </a:gradFill>
+      </a:bgFillStyleLst>
+    </a:fmtScheme>
+  </a:themeElements>
+  <a:objectDefaults/>
+  <a:extraClrSchemeLst/>
+  <a:extLst>
+    <a:ext uri="{05A4C25C-085E-4340-85A3-A5531E510DB2}">
+      <thm15:themeFamily xmlns:thm15="http://schemas.microsoft.com/office/thememl/2012/main" name="Office Theme" id="{62F939B6-93AF-4DB8-9C6B-D6C7DFDC589F}" vid="{4A3C46E8-61CC-4603-A589-7422A47A8E4A}"/>
+    </a:ext>
+  </a:extLst>
+</a:theme>
 </file>